--- a/technology_review/technology_review.pptx
+++ b/technology_review/technology_review.pptx
@@ -5,7 +5,7 @@
     <p:sldMasterId id="2147483648" r:id="rId1"/>
   </p:sldMasterIdLst>
   <p:notesMasterIdLst>
-    <p:notesMasterId r:id="rId8"/>
+    <p:notesMasterId r:id="rId12"/>
   </p:notesMasterIdLst>
   <p:sldIdLst>
     <p:sldId id="256" r:id="rId2"/>
@@ -13,7 +13,11 @@
     <p:sldId id="258" r:id="rId4"/>
     <p:sldId id="259" r:id="rId5"/>
     <p:sldId id="260" r:id="rId6"/>
-    <p:sldId id="261" r:id="rId7"/>
+    <p:sldId id="265" r:id="rId7"/>
+    <p:sldId id="262" r:id="rId8"/>
+    <p:sldId id="263" r:id="rId9"/>
+    <p:sldId id="264" r:id="rId10"/>
+    <p:sldId id="261" r:id="rId11"/>
   </p:sldIdLst>
   <p:sldSz cx="12192000" cy="6858000"/>
   <p:notesSz cx="6858000" cy="9144000"/>
@@ -112,7 +116,3895 @@
       </a:defRPr>
     </a:lvl9pPr>
   </p:defaultTextStyle>
+  <p:extLst>
+    <p:ext uri="{EFAFB233-063F-42B5-8137-9DF3F51BA10A}">
+      <p15:sldGuideLst xmlns:p15="http://schemas.microsoft.com/office/powerpoint/2012/main"/>
+    </p:ext>
+  </p:extLst>
 </p:presentation>
+</file>
+
+<file path=ppt/diagrams/colors1.xml><?xml version="1.0" encoding="utf-8"?>
+<dgm:colorsDef xmlns:dgm="http://schemas.openxmlformats.org/drawingml/2006/diagram" xmlns:a="http://schemas.openxmlformats.org/drawingml/2006/main" uniqueId="urn:microsoft.com/office/officeart/2005/8/colors/accent2_2">
+  <dgm:title val=""/>
+  <dgm:desc val=""/>
+  <dgm:catLst>
+    <dgm:cat type="accent2" pri="11200"/>
+  </dgm:catLst>
+  <dgm:styleLbl name="node0">
+    <dgm:fillClrLst meth="repeat">
+      <a:schemeClr val="accent2"/>
+    </dgm:fillClrLst>
+    <dgm:linClrLst meth="repeat">
+      <a:schemeClr val="lt1"/>
+    </dgm:linClrLst>
+    <dgm:effectClrLst/>
+    <dgm:txLinClrLst/>
+    <dgm:txFillClrLst/>
+    <dgm:txEffectClrLst/>
+  </dgm:styleLbl>
+  <dgm:styleLbl name="node1">
+    <dgm:fillClrLst meth="repeat">
+      <a:schemeClr val="accent2"/>
+    </dgm:fillClrLst>
+    <dgm:linClrLst meth="repeat">
+      <a:schemeClr val="lt1"/>
+    </dgm:linClrLst>
+    <dgm:effectClrLst/>
+    <dgm:txLinClrLst/>
+    <dgm:txFillClrLst/>
+    <dgm:txEffectClrLst/>
+  </dgm:styleLbl>
+  <dgm:styleLbl name="alignNode1">
+    <dgm:fillClrLst meth="repeat">
+      <a:schemeClr val="accent2"/>
+    </dgm:fillClrLst>
+    <dgm:linClrLst meth="repeat">
+      <a:schemeClr val="accent2"/>
+    </dgm:linClrLst>
+    <dgm:effectClrLst/>
+    <dgm:txLinClrLst/>
+    <dgm:txFillClrLst/>
+    <dgm:txEffectClrLst/>
+  </dgm:styleLbl>
+  <dgm:styleLbl name="lnNode1">
+    <dgm:fillClrLst meth="repeat">
+      <a:schemeClr val="accent2"/>
+    </dgm:fillClrLst>
+    <dgm:linClrLst meth="repeat">
+      <a:schemeClr val="lt1"/>
+    </dgm:linClrLst>
+    <dgm:effectClrLst/>
+    <dgm:txLinClrLst/>
+    <dgm:txFillClrLst/>
+    <dgm:txEffectClrLst/>
+  </dgm:styleLbl>
+  <dgm:styleLbl name="vennNode1">
+    <dgm:fillClrLst meth="repeat">
+      <a:schemeClr val="accent2">
+        <a:alpha val="50000"/>
+      </a:schemeClr>
+    </dgm:fillClrLst>
+    <dgm:linClrLst meth="repeat">
+      <a:schemeClr val="lt1"/>
+    </dgm:linClrLst>
+    <dgm:effectClrLst/>
+    <dgm:txLinClrLst/>
+    <dgm:txFillClrLst/>
+    <dgm:txEffectClrLst/>
+  </dgm:styleLbl>
+  <dgm:styleLbl name="node2">
+    <dgm:fillClrLst meth="repeat">
+      <a:schemeClr val="accent2"/>
+    </dgm:fillClrLst>
+    <dgm:linClrLst meth="repeat">
+      <a:schemeClr val="lt1"/>
+    </dgm:linClrLst>
+    <dgm:effectClrLst/>
+    <dgm:txLinClrLst/>
+    <dgm:txFillClrLst/>
+    <dgm:txEffectClrLst/>
+  </dgm:styleLbl>
+  <dgm:styleLbl name="node3">
+    <dgm:fillClrLst meth="repeat">
+      <a:schemeClr val="accent2"/>
+    </dgm:fillClrLst>
+    <dgm:linClrLst meth="repeat">
+      <a:schemeClr val="lt1"/>
+    </dgm:linClrLst>
+    <dgm:effectClrLst/>
+    <dgm:txLinClrLst/>
+    <dgm:txFillClrLst/>
+    <dgm:txEffectClrLst/>
+  </dgm:styleLbl>
+  <dgm:styleLbl name="node4">
+    <dgm:fillClrLst meth="repeat">
+      <a:schemeClr val="accent2"/>
+    </dgm:fillClrLst>
+    <dgm:linClrLst meth="repeat">
+      <a:schemeClr val="lt1"/>
+    </dgm:linClrLst>
+    <dgm:effectClrLst/>
+    <dgm:txLinClrLst/>
+    <dgm:txFillClrLst/>
+    <dgm:txEffectClrLst/>
+  </dgm:styleLbl>
+  <dgm:styleLbl name="fgImgPlace1">
+    <dgm:fillClrLst meth="repeat">
+      <a:schemeClr val="accent2">
+        <a:tint val="50000"/>
+      </a:schemeClr>
+    </dgm:fillClrLst>
+    <dgm:linClrLst meth="repeat">
+      <a:schemeClr val="lt1"/>
+    </dgm:linClrLst>
+    <dgm:effectClrLst/>
+    <dgm:txLinClrLst/>
+    <dgm:txFillClrLst meth="repeat">
+      <a:schemeClr val="lt1"/>
+    </dgm:txFillClrLst>
+    <dgm:txEffectClrLst/>
+  </dgm:styleLbl>
+  <dgm:styleLbl name="alignImgPlace1">
+    <dgm:fillClrLst meth="repeat">
+      <a:schemeClr val="accent2">
+        <a:tint val="50000"/>
+      </a:schemeClr>
+    </dgm:fillClrLst>
+    <dgm:linClrLst meth="repeat">
+      <a:schemeClr val="lt1"/>
+    </dgm:linClrLst>
+    <dgm:effectClrLst/>
+    <dgm:txLinClrLst/>
+    <dgm:txFillClrLst meth="repeat">
+      <a:schemeClr val="lt1"/>
+    </dgm:txFillClrLst>
+    <dgm:txEffectClrLst/>
+  </dgm:styleLbl>
+  <dgm:styleLbl name="bgImgPlace1">
+    <dgm:fillClrLst meth="repeat">
+      <a:schemeClr val="accent2">
+        <a:tint val="50000"/>
+      </a:schemeClr>
+    </dgm:fillClrLst>
+    <dgm:linClrLst meth="repeat">
+      <a:schemeClr val="lt1"/>
+    </dgm:linClrLst>
+    <dgm:effectClrLst/>
+    <dgm:txLinClrLst/>
+    <dgm:txFillClrLst meth="repeat">
+      <a:schemeClr val="lt1"/>
+    </dgm:txFillClrLst>
+    <dgm:txEffectClrLst/>
+  </dgm:styleLbl>
+  <dgm:styleLbl name="sibTrans2D1">
+    <dgm:fillClrLst meth="repeat">
+      <a:schemeClr val="accent2">
+        <a:tint val="60000"/>
+      </a:schemeClr>
+    </dgm:fillClrLst>
+    <dgm:linClrLst meth="repeat">
+      <a:schemeClr val="accent2">
+        <a:tint val="60000"/>
+      </a:schemeClr>
+    </dgm:linClrLst>
+    <dgm:effectClrLst/>
+    <dgm:txLinClrLst/>
+    <dgm:txFillClrLst/>
+    <dgm:txEffectClrLst/>
+  </dgm:styleLbl>
+  <dgm:styleLbl name="fgSibTrans2D1">
+    <dgm:fillClrLst meth="repeat">
+      <a:schemeClr val="accent2">
+        <a:tint val="60000"/>
+      </a:schemeClr>
+    </dgm:fillClrLst>
+    <dgm:linClrLst meth="repeat">
+      <a:schemeClr val="accent2">
+        <a:tint val="60000"/>
+      </a:schemeClr>
+    </dgm:linClrLst>
+    <dgm:effectClrLst/>
+    <dgm:txLinClrLst/>
+    <dgm:txFillClrLst/>
+    <dgm:txEffectClrLst/>
+  </dgm:styleLbl>
+  <dgm:styleLbl name="bgSibTrans2D1">
+    <dgm:fillClrLst meth="repeat">
+      <a:schemeClr val="accent2">
+        <a:tint val="60000"/>
+      </a:schemeClr>
+    </dgm:fillClrLst>
+    <dgm:linClrLst meth="repeat">
+      <a:schemeClr val="accent2">
+        <a:tint val="60000"/>
+      </a:schemeClr>
+    </dgm:linClrLst>
+    <dgm:effectClrLst/>
+    <dgm:txLinClrLst/>
+    <dgm:txFillClrLst/>
+    <dgm:txEffectClrLst/>
+  </dgm:styleLbl>
+  <dgm:styleLbl name="sibTrans1D1">
+    <dgm:fillClrLst meth="repeat">
+      <a:schemeClr val="accent2"/>
+    </dgm:fillClrLst>
+    <dgm:linClrLst meth="repeat">
+      <a:schemeClr val="accent2"/>
+    </dgm:linClrLst>
+    <dgm:effectClrLst/>
+    <dgm:txLinClrLst/>
+    <dgm:txFillClrLst meth="repeat">
+      <a:schemeClr val="tx1"/>
+    </dgm:txFillClrLst>
+    <dgm:txEffectClrLst/>
+  </dgm:styleLbl>
+  <dgm:styleLbl name="callout">
+    <dgm:fillClrLst meth="repeat">
+      <a:schemeClr val="accent2"/>
+    </dgm:fillClrLst>
+    <dgm:linClrLst meth="repeat">
+      <a:schemeClr val="accent2">
+        <a:tint val="50000"/>
+      </a:schemeClr>
+    </dgm:linClrLst>
+    <dgm:effectClrLst/>
+    <dgm:txLinClrLst/>
+    <dgm:txFillClrLst meth="repeat">
+      <a:schemeClr val="tx1"/>
+    </dgm:txFillClrLst>
+    <dgm:txEffectClrLst/>
+  </dgm:styleLbl>
+  <dgm:styleLbl name="asst0">
+    <dgm:fillClrLst meth="repeat">
+      <a:schemeClr val="accent2"/>
+    </dgm:fillClrLst>
+    <dgm:linClrLst meth="repeat">
+      <a:schemeClr val="lt1"/>
+    </dgm:linClrLst>
+    <dgm:effectClrLst/>
+    <dgm:txLinClrLst/>
+    <dgm:txFillClrLst/>
+    <dgm:txEffectClrLst/>
+  </dgm:styleLbl>
+  <dgm:styleLbl name="asst1">
+    <dgm:fillClrLst meth="repeat">
+      <a:schemeClr val="accent2"/>
+    </dgm:fillClrLst>
+    <dgm:linClrLst meth="repeat">
+      <a:schemeClr val="lt1"/>
+    </dgm:linClrLst>
+    <dgm:effectClrLst/>
+    <dgm:txLinClrLst/>
+    <dgm:txFillClrLst/>
+    <dgm:txEffectClrLst/>
+  </dgm:styleLbl>
+  <dgm:styleLbl name="asst2">
+    <dgm:fillClrLst meth="repeat">
+      <a:schemeClr val="accent2"/>
+    </dgm:fillClrLst>
+    <dgm:linClrLst meth="repeat">
+      <a:schemeClr val="lt1"/>
+    </dgm:linClrLst>
+    <dgm:effectClrLst/>
+    <dgm:txLinClrLst/>
+    <dgm:txFillClrLst/>
+    <dgm:txEffectClrLst/>
+  </dgm:styleLbl>
+  <dgm:styleLbl name="asst3">
+    <dgm:fillClrLst meth="repeat">
+      <a:schemeClr val="accent2"/>
+    </dgm:fillClrLst>
+    <dgm:linClrLst meth="repeat">
+      <a:schemeClr val="lt1"/>
+    </dgm:linClrLst>
+    <dgm:effectClrLst/>
+    <dgm:txLinClrLst/>
+    <dgm:txFillClrLst/>
+    <dgm:txEffectClrLst/>
+  </dgm:styleLbl>
+  <dgm:styleLbl name="asst4">
+    <dgm:fillClrLst meth="repeat">
+      <a:schemeClr val="accent2"/>
+    </dgm:fillClrLst>
+    <dgm:linClrLst meth="repeat">
+      <a:schemeClr val="lt1"/>
+    </dgm:linClrLst>
+    <dgm:effectClrLst/>
+    <dgm:txLinClrLst/>
+    <dgm:txFillClrLst/>
+    <dgm:txEffectClrLst/>
+  </dgm:styleLbl>
+  <dgm:styleLbl name="parChTrans2D1">
+    <dgm:fillClrLst meth="repeat">
+      <a:schemeClr val="accent2">
+        <a:tint val="60000"/>
+      </a:schemeClr>
+    </dgm:fillClrLst>
+    <dgm:linClrLst meth="repeat">
+      <a:schemeClr val="accent2">
+        <a:tint val="60000"/>
+      </a:schemeClr>
+    </dgm:linClrLst>
+    <dgm:effectClrLst/>
+    <dgm:txLinClrLst/>
+    <dgm:txFillClrLst meth="repeat">
+      <a:schemeClr val="lt1"/>
+    </dgm:txFillClrLst>
+    <dgm:txEffectClrLst/>
+  </dgm:styleLbl>
+  <dgm:styleLbl name="parChTrans2D2">
+    <dgm:fillClrLst meth="repeat">
+      <a:schemeClr val="accent2"/>
+    </dgm:fillClrLst>
+    <dgm:linClrLst meth="repeat">
+      <a:schemeClr val="accent2"/>
+    </dgm:linClrLst>
+    <dgm:effectClrLst/>
+    <dgm:txLinClrLst/>
+    <dgm:txFillClrLst meth="repeat">
+      <a:schemeClr val="lt1"/>
+    </dgm:txFillClrLst>
+    <dgm:txEffectClrLst/>
+  </dgm:styleLbl>
+  <dgm:styleLbl name="parChTrans2D3">
+    <dgm:fillClrLst meth="repeat">
+      <a:schemeClr val="accent2"/>
+    </dgm:fillClrLst>
+    <dgm:linClrLst meth="repeat">
+      <a:schemeClr val="accent2"/>
+    </dgm:linClrLst>
+    <dgm:effectClrLst/>
+    <dgm:txLinClrLst/>
+    <dgm:txFillClrLst meth="repeat">
+      <a:schemeClr val="lt1"/>
+    </dgm:txFillClrLst>
+    <dgm:txEffectClrLst/>
+  </dgm:styleLbl>
+  <dgm:styleLbl name="parChTrans2D4">
+    <dgm:fillClrLst meth="repeat">
+      <a:schemeClr val="accent2"/>
+    </dgm:fillClrLst>
+    <dgm:linClrLst meth="repeat">
+      <a:schemeClr val="accent2"/>
+    </dgm:linClrLst>
+    <dgm:effectClrLst/>
+    <dgm:txLinClrLst/>
+    <dgm:txFillClrLst meth="repeat">
+      <a:schemeClr val="lt1"/>
+    </dgm:txFillClrLst>
+    <dgm:txEffectClrLst/>
+  </dgm:styleLbl>
+  <dgm:styleLbl name="parChTrans1D1">
+    <dgm:fillClrLst meth="repeat">
+      <a:schemeClr val="accent2"/>
+    </dgm:fillClrLst>
+    <dgm:linClrLst meth="repeat">
+      <a:schemeClr val="accent2">
+        <a:shade val="60000"/>
+      </a:schemeClr>
+    </dgm:linClrLst>
+    <dgm:effectClrLst/>
+    <dgm:txLinClrLst/>
+    <dgm:txFillClrLst meth="repeat">
+      <a:schemeClr val="tx1"/>
+    </dgm:txFillClrLst>
+    <dgm:txEffectClrLst/>
+  </dgm:styleLbl>
+  <dgm:styleLbl name="parChTrans1D2">
+    <dgm:fillClrLst meth="repeat">
+      <a:schemeClr val="accent2"/>
+    </dgm:fillClrLst>
+    <dgm:linClrLst meth="repeat">
+      <a:schemeClr val="accent2">
+        <a:shade val="60000"/>
+      </a:schemeClr>
+    </dgm:linClrLst>
+    <dgm:effectClrLst/>
+    <dgm:txLinClrLst/>
+    <dgm:txFillClrLst meth="repeat">
+      <a:schemeClr val="tx1"/>
+    </dgm:txFillClrLst>
+    <dgm:txEffectClrLst/>
+  </dgm:styleLbl>
+  <dgm:styleLbl name="parChTrans1D3">
+    <dgm:fillClrLst meth="repeat">
+      <a:schemeClr val="accent2"/>
+    </dgm:fillClrLst>
+    <dgm:linClrLst meth="repeat">
+      <a:schemeClr val="accent2">
+        <a:shade val="80000"/>
+      </a:schemeClr>
+    </dgm:linClrLst>
+    <dgm:effectClrLst/>
+    <dgm:txLinClrLst/>
+    <dgm:txFillClrLst meth="repeat">
+      <a:schemeClr val="tx1"/>
+    </dgm:txFillClrLst>
+    <dgm:txEffectClrLst/>
+  </dgm:styleLbl>
+  <dgm:styleLbl name="parChTrans1D4">
+    <dgm:fillClrLst meth="repeat">
+      <a:schemeClr val="accent2"/>
+    </dgm:fillClrLst>
+    <dgm:linClrLst meth="repeat">
+      <a:schemeClr val="accent2">
+        <a:shade val="80000"/>
+      </a:schemeClr>
+    </dgm:linClrLst>
+    <dgm:effectClrLst/>
+    <dgm:txLinClrLst/>
+    <dgm:txFillClrLst meth="repeat">
+      <a:schemeClr val="tx1"/>
+    </dgm:txFillClrLst>
+    <dgm:txEffectClrLst/>
+  </dgm:styleLbl>
+  <dgm:styleLbl name="fgAcc1">
+    <dgm:fillClrLst meth="repeat">
+      <a:schemeClr val="lt1">
+        <a:alpha val="90000"/>
+      </a:schemeClr>
+    </dgm:fillClrLst>
+    <dgm:linClrLst meth="repeat">
+      <a:schemeClr val="accent2"/>
+    </dgm:linClrLst>
+    <dgm:effectClrLst/>
+    <dgm:txLinClrLst/>
+    <dgm:txFillClrLst meth="repeat">
+      <a:schemeClr val="dk1"/>
+    </dgm:txFillClrLst>
+    <dgm:txEffectClrLst/>
+  </dgm:styleLbl>
+  <dgm:styleLbl name="conFgAcc1">
+    <dgm:fillClrLst meth="repeat">
+      <a:schemeClr val="lt1">
+        <a:alpha val="90000"/>
+      </a:schemeClr>
+    </dgm:fillClrLst>
+    <dgm:linClrLst meth="repeat">
+      <a:schemeClr val="accent2"/>
+    </dgm:linClrLst>
+    <dgm:effectClrLst/>
+    <dgm:txLinClrLst/>
+    <dgm:txFillClrLst meth="repeat">
+      <a:schemeClr val="dk1"/>
+    </dgm:txFillClrLst>
+    <dgm:txEffectClrLst/>
+  </dgm:styleLbl>
+  <dgm:styleLbl name="alignAcc1">
+    <dgm:fillClrLst meth="repeat">
+      <a:schemeClr val="lt1">
+        <a:alpha val="90000"/>
+      </a:schemeClr>
+    </dgm:fillClrLst>
+    <dgm:linClrLst meth="repeat">
+      <a:schemeClr val="accent2"/>
+    </dgm:linClrLst>
+    <dgm:effectClrLst/>
+    <dgm:txLinClrLst/>
+    <dgm:txFillClrLst meth="repeat">
+      <a:schemeClr val="dk1"/>
+    </dgm:txFillClrLst>
+    <dgm:txEffectClrLst/>
+  </dgm:styleLbl>
+  <dgm:styleLbl name="trAlignAcc1">
+    <dgm:fillClrLst meth="repeat">
+      <a:schemeClr val="lt1">
+        <a:alpha val="40000"/>
+      </a:schemeClr>
+    </dgm:fillClrLst>
+    <dgm:linClrLst meth="repeat">
+      <a:schemeClr val="accent2"/>
+    </dgm:linClrLst>
+    <dgm:effectClrLst/>
+    <dgm:txLinClrLst/>
+    <dgm:txFillClrLst meth="repeat">
+      <a:schemeClr val="dk1"/>
+    </dgm:txFillClrLst>
+    <dgm:txEffectClrLst/>
+  </dgm:styleLbl>
+  <dgm:styleLbl name="bgAcc1">
+    <dgm:fillClrLst meth="repeat">
+      <a:schemeClr val="lt1">
+        <a:alpha val="90000"/>
+      </a:schemeClr>
+    </dgm:fillClrLst>
+    <dgm:linClrLst meth="repeat">
+      <a:schemeClr val="accent2"/>
+    </dgm:linClrLst>
+    <dgm:effectClrLst/>
+    <dgm:txLinClrLst/>
+    <dgm:txFillClrLst meth="repeat">
+      <a:schemeClr val="dk1"/>
+    </dgm:txFillClrLst>
+    <dgm:txEffectClrLst/>
+  </dgm:styleLbl>
+  <dgm:styleLbl name="solidFgAcc1">
+    <dgm:fillClrLst meth="repeat">
+      <a:schemeClr val="lt1"/>
+    </dgm:fillClrLst>
+    <dgm:linClrLst meth="repeat">
+      <a:schemeClr val="accent2"/>
+    </dgm:linClrLst>
+    <dgm:effectClrLst/>
+    <dgm:txLinClrLst/>
+    <dgm:txFillClrLst meth="repeat">
+      <a:schemeClr val="dk1"/>
+    </dgm:txFillClrLst>
+    <dgm:txEffectClrLst/>
+  </dgm:styleLbl>
+  <dgm:styleLbl name="solidAlignAcc1">
+    <dgm:fillClrLst meth="repeat">
+      <a:schemeClr val="lt1"/>
+    </dgm:fillClrLst>
+    <dgm:linClrLst meth="repeat">
+      <a:schemeClr val="accent2"/>
+    </dgm:linClrLst>
+    <dgm:effectClrLst/>
+    <dgm:txLinClrLst/>
+    <dgm:txFillClrLst meth="repeat">
+      <a:schemeClr val="dk1"/>
+    </dgm:txFillClrLst>
+    <dgm:txEffectClrLst/>
+  </dgm:styleLbl>
+  <dgm:styleLbl name="solidBgAcc1">
+    <dgm:fillClrLst meth="repeat">
+      <a:schemeClr val="lt1"/>
+    </dgm:fillClrLst>
+    <dgm:linClrLst meth="repeat">
+      <a:schemeClr val="accent2"/>
+    </dgm:linClrLst>
+    <dgm:effectClrLst/>
+    <dgm:txLinClrLst/>
+    <dgm:txFillClrLst meth="repeat">
+      <a:schemeClr val="dk1"/>
+    </dgm:txFillClrLst>
+    <dgm:txEffectClrLst/>
+  </dgm:styleLbl>
+  <dgm:styleLbl name="fgAccFollowNode1">
+    <dgm:fillClrLst meth="repeat">
+      <a:schemeClr val="accent2">
+        <a:alpha val="90000"/>
+        <a:tint val="40000"/>
+      </a:schemeClr>
+    </dgm:fillClrLst>
+    <dgm:linClrLst meth="repeat">
+      <a:schemeClr val="accent2">
+        <a:alpha val="90000"/>
+        <a:tint val="40000"/>
+      </a:schemeClr>
+    </dgm:linClrLst>
+    <dgm:effectClrLst/>
+    <dgm:txLinClrLst/>
+    <dgm:txFillClrLst meth="repeat">
+      <a:schemeClr val="dk1"/>
+    </dgm:txFillClrLst>
+    <dgm:txEffectClrLst/>
+  </dgm:styleLbl>
+  <dgm:styleLbl name="alignAccFollowNode1">
+    <dgm:fillClrLst meth="repeat">
+      <a:schemeClr val="accent2">
+        <a:alpha val="90000"/>
+        <a:tint val="40000"/>
+      </a:schemeClr>
+    </dgm:fillClrLst>
+    <dgm:linClrLst meth="repeat">
+      <a:schemeClr val="accent2">
+        <a:alpha val="90000"/>
+        <a:tint val="40000"/>
+      </a:schemeClr>
+    </dgm:linClrLst>
+    <dgm:effectClrLst/>
+    <dgm:txLinClrLst/>
+    <dgm:txFillClrLst meth="repeat">
+      <a:schemeClr val="dk1"/>
+    </dgm:txFillClrLst>
+    <dgm:txEffectClrLst/>
+  </dgm:styleLbl>
+  <dgm:styleLbl name="bgAccFollowNode1">
+    <dgm:fillClrLst meth="repeat">
+      <a:schemeClr val="accent2">
+        <a:alpha val="90000"/>
+        <a:tint val="40000"/>
+      </a:schemeClr>
+    </dgm:fillClrLst>
+    <dgm:linClrLst meth="repeat">
+      <a:schemeClr val="accent2">
+        <a:alpha val="90000"/>
+        <a:tint val="40000"/>
+      </a:schemeClr>
+    </dgm:linClrLst>
+    <dgm:effectClrLst/>
+    <dgm:txLinClrLst/>
+    <dgm:txFillClrLst meth="repeat">
+      <a:schemeClr val="dk1"/>
+    </dgm:txFillClrLst>
+    <dgm:txEffectClrLst/>
+  </dgm:styleLbl>
+  <dgm:styleLbl name="fgAcc0">
+    <dgm:fillClrLst meth="repeat">
+      <a:schemeClr val="lt1">
+        <a:alpha val="90000"/>
+      </a:schemeClr>
+    </dgm:fillClrLst>
+    <dgm:linClrLst meth="repeat">
+      <a:schemeClr val="accent2"/>
+    </dgm:linClrLst>
+    <dgm:effectClrLst/>
+    <dgm:txLinClrLst/>
+    <dgm:txFillClrLst meth="repeat">
+      <a:schemeClr val="dk1"/>
+    </dgm:txFillClrLst>
+    <dgm:txEffectClrLst/>
+  </dgm:styleLbl>
+  <dgm:styleLbl name="fgAcc2">
+    <dgm:fillClrLst meth="repeat">
+      <a:schemeClr val="lt1">
+        <a:alpha val="90000"/>
+      </a:schemeClr>
+    </dgm:fillClrLst>
+    <dgm:linClrLst meth="repeat">
+      <a:schemeClr val="accent2"/>
+    </dgm:linClrLst>
+    <dgm:effectClrLst/>
+    <dgm:txLinClrLst/>
+    <dgm:txFillClrLst meth="repeat">
+      <a:schemeClr val="dk1"/>
+    </dgm:txFillClrLst>
+    <dgm:txEffectClrLst/>
+  </dgm:styleLbl>
+  <dgm:styleLbl name="fgAcc3">
+    <dgm:fillClrLst meth="repeat">
+      <a:schemeClr val="lt1">
+        <a:alpha val="90000"/>
+      </a:schemeClr>
+    </dgm:fillClrLst>
+    <dgm:linClrLst meth="repeat">
+      <a:schemeClr val="accent2"/>
+    </dgm:linClrLst>
+    <dgm:effectClrLst/>
+    <dgm:txLinClrLst/>
+    <dgm:txFillClrLst meth="repeat">
+      <a:schemeClr val="dk1"/>
+    </dgm:txFillClrLst>
+    <dgm:txEffectClrLst/>
+  </dgm:styleLbl>
+  <dgm:styleLbl name="fgAcc4">
+    <dgm:fillClrLst meth="repeat">
+      <a:schemeClr val="lt1">
+        <a:alpha val="90000"/>
+      </a:schemeClr>
+    </dgm:fillClrLst>
+    <dgm:linClrLst meth="repeat">
+      <a:schemeClr val="accent2"/>
+    </dgm:linClrLst>
+    <dgm:effectClrLst/>
+    <dgm:txLinClrLst/>
+    <dgm:txFillClrLst meth="repeat">
+      <a:schemeClr val="dk1"/>
+    </dgm:txFillClrLst>
+    <dgm:txEffectClrLst/>
+  </dgm:styleLbl>
+  <dgm:styleLbl name="bgShp">
+    <dgm:fillClrLst meth="repeat">
+      <a:schemeClr val="accent2">
+        <a:tint val="40000"/>
+      </a:schemeClr>
+    </dgm:fillClrLst>
+    <dgm:linClrLst meth="repeat">
+      <a:schemeClr val="accent2"/>
+    </dgm:linClrLst>
+    <dgm:effectClrLst/>
+    <dgm:txLinClrLst/>
+    <dgm:txFillClrLst meth="repeat">
+      <a:schemeClr val="dk1"/>
+    </dgm:txFillClrLst>
+    <dgm:txEffectClrLst/>
+  </dgm:styleLbl>
+  <dgm:styleLbl name="dkBgShp">
+    <dgm:fillClrLst meth="repeat">
+      <a:schemeClr val="accent2">
+        <a:shade val="80000"/>
+      </a:schemeClr>
+    </dgm:fillClrLst>
+    <dgm:linClrLst meth="repeat">
+      <a:schemeClr val="accent2"/>
+    </dgm:linClrLst>
+    <dgm:effectClrLst/>
+    <dgm:txLinClrLst/>
+    <dgm:txFillClrLst meth="repeat">
+      <a:schemeClr val="lt1"/>
+    </dgm:txFillClrLst>
+    <dgm:txEffectClrLst/>
+  </dgm:styleLbl>
+  <dgm:styleLbl name="trBgShp">
+    <dgm:fillClrLst meth="repeat">
+      <a:schemeClr val="accent2">
+        <a:tint val="50000"/>
+        <a:alpha val="40000"/>
+      </a:schemeClr>
+    </dgm:fillClrLst>
+    <dgm:linClrLst meth="repeat">
+      <a:schemeClr val="accent2"/>
+    </dgm:linClrLst>
+    <dgm:effectClrLst/>
+    <dgm:txLinClrLst/>
+    <dgm:txFillClrLst meth="repeat">
+      <a:schemeClr val="lt1"/>
+    </dgm:txFillClrLst>
+    <dgm:txEffectClrLst/>
+  </dgm:styleLbl>
+  <dgm:styleLbl name="fgShp">
+    <dgm:fillClrLst meth="repeat">
+      <a:schemeClr val="accent2">
+        <a:tint val="60000"/>
+      </a:schemeClr>
+    </dgm:fillClrLst>
+    <dgm:linClrLst meth="repeat">
+      <a:schemeClr val="lt1"/>
+    </dgm:linClrLst>
+    <dgm:effectClrLst/>
+    <dgm:txLinClrLst/>
+    <dgm:txFillClrLst meth="repeat">
+      <a:schemeClr val="dk1"/>
+    </dgm:txFillClrLst>
+    <dgm:txEffectClrLst/>
+  </dgm:styleLbl>
+  <dgm:styleLbl name="revTx">
+    <dgm:fillClrLst meth="repeat">
+      <a:schemeClr val="lt1">
+        <a:alpha val="0"/>
+      </a:schemeClr>
+    </dgm:fillClrLst>
+    <dgm:linClrLst meth="repeat">
+      <a:schemeClr val="dk1">
+        <a:alpha val="0"/>
+      </a:schemeClr>
+    </dgm:linClrLst>
+    <dgm:effectClrLst/>
+    <dgm:txLinClrLst/>
+    <dgm:txFillClrLst meth="repeat">
+      <a:schemeClr val="tx1"/>
+    </dgm:txFillClrLst>
+    <dgm:txEffectClrLst/>
+  </dgm:styleLbl>
+</dgm:colorsDef>
+</file>
+
+<file path=ppt/diagrams/data1.xml><?xml version="1.0" encoding="utf-8"?>
+<dgm:dataModel xmlns:dgm="http://schemas.openxmlformats.org/drawingml/2006/diagram" xmlns:a="http://schemas.openxmlformats.org/drawingml/2006/main">
+  <dgm:ptLst>
+    <dgm:pt modelId="{E0B8C201-3BB1-40B7-9D25-BFCE553C908B}" type="doc">
+      <dgm:prSet loTypeId="urn:microsoft.com/office/officeart/2005/8/layout/vProcess5" loCatId="process" qsTypeId="urn:microsoft.com/office/officeart/2005/8/quickstyle/simple1" qsCatId="simple" csTypeId="urn:microsoft.com/office/officeart/2005/8/colors/accent2_2" csCatId="accent2" phldr="1"/>
+      <dgm:spPr/>
+      <dgm:t>
+        <a:bodyPr/>
+        <a:lstStyle/>
+        <a:p>
+          <a:endParaRPr lang="en-US"/>
+        </a:p>
+      </dgm:t>
+    </dgm:pt>
+    <dgm:pt modelId="{B5E076A9-24A0-4504-979B-B720F1779ECC}">
+      <dgm:prSet phldrT="[Text]" custT="1"/>
+      <dgm:spPr/>
+      <dgm:t>
+        <a:bodyPr/>
+        <a:lstStyle/>
+        <a:p>
+          <a:r>
+            <a:rPr lang="en-US" sz="2000" dirty="0" smtClean="0"/>
+            <a:t>Join data sets</a:t>
+          </a:r>
+          <a:endParaRPr lang="en-US" sz="2000" dirty="0"/>
+        </a:p>
+      </dgm:t>
+    </dgm:pt>
+    <dgm:pt modelId="{91000BA3-30D4-42D1-A425-017E29AF81C7}" type="parTrans" cxnId="{F919C951-E379-4BB9-8F1F-4DDB3FDF9D07}">
+      <dgm:prSet/>
+      <dgm:spPr/>
+      <dgm:t>
+        <a:bodyPr/>
+        <a:lstStyle/>
+        <a:p>
+          <a:endParaRPr lang="en-US" sz="2000"/>
+        </a:p>
+      </dgm:t>
+    </dgm:pt>
+    <dgm:pt modelId="{DFBF2FAF-5424-41AB-BBDD-1ECBF19ECD71}" type="sibTrans" cxnId="{F919C951-E379-4BB9-8F1F-4DDB3FDF9D07}">
+      <dgm:prSet custT="1"/>
+      <dgm:spPr/>
+      <dgm:t>
+        <a:bodyPr/>
+        <a:lstStyle/>
+        <a:p>
+          <a:endParaRPr lang="en-US" sz="2000"/>
+        </a:p>
+      </dgm:t>
+    </dgm:pt>
+    <dgm:pt modelId="{E81A3DE1-662E-4C64-8253-650AA282E81D}">
+      <dgm:prSet phldrT="[Text]" custT="1"/>
+      <dgm:spPr/>
+      <dgm:t>
+        <a:bodyPr/>
+        <a:lstStyle/>
+        <a:p>
+          <a:r>
+            <a:rPr lang="en-US" sz="2000" dirty="0" smtClean="0"/>
+            <a:t>Encode categorical data</a:t>
+          </a:r>
+          <a:endParaRPr lang="en-US" sz="2000" dirty="0"/>
+        </a:p>
+      </dgm:t>
+    </dgm:pt>
+    <dgm:pt modelId="{081EABDE-99C4-43F4-B726-F27C7038D615}" type="parTrans" cxnId="{466B2B13-A64F-41EF-9B65-66FDDB49C134}">
+      <dgm:prSet/>
+      <dgm:spPr/>
+      <dgm:t>
+        <a:bodyPr/>
+        <a:lstStyle/>
+        <a:p>
+          <a:endParaRPr lang="en-US" sz="2000"/>
+        </a:p>
+      </dgm:t>
+    </dgm:pt>
+    <dgm:pt modelId="{BA74737B-2AD1-4EF4-8EC5-2A3189414714}" type="sibTrans" cxnId="{466B2B13-A64F-41EF-9B65-66FDDB49C134}">
+      <dgm:prSet custT="1"/>
+      <dgm:spPr/>
+      <dgm:t>
+        <a:bodyPr/>
+        <a:lstStyle/>
+        <a:p>
+          <a:endParaRPr lang="en-US" sz="2000"/>
+        </a:p>
+      </dgm:t>
+    </dgm:pt>
+    <dgm:pt modelId="{AD000368-A9DC-476D-B85F-1C6468BD4301}">
+      <dgm:prSet phldrT="[Text]" custT="1"/>
+      <dgm:spPr/>
+      <dgm:t>
+        <a:bodyPr/>
+        <a:lstStyle/>
+        <a:p>
+          <a:r>
+            <a:rPr lang="en-US" sz="2000" dirty="0" smtClean="0"/>
+            <a:t>Train classifier to detect slave ships</a:t>
+          </a:r>
+          <a:endParaRPr lang="en-US" sz="2000" dirty="0"/>
+        </a:p>
+      </dgm:t>
+    </dgm:pt>
+    <dgm:pt modelId="{A4C3ED9E-D7EF-4D4F-8C36-E7CC77937656}" type="parTrans" cxnId="{A52D5367-8EAD-4CB5-AF29-C1F2F56F3732}">
+      <dgm:prSet/>
+      <dgm:spPr/>
+      <dgm:t>
+        <a:bodyPr/>
+        <a:lstStyle/>
+        <a:p>
+          <a:endParaRPr lang="en-US" sz="2000"/>
+        </a:p>
+      </dgm:t>
+    </dgm:pt>
+    <dgm:pt modelId="{C716173C-5C03-44E6-AD5E-FABB63AAC0F9}" type="sibTrans" cxnId="{A52D5367-8EAD-4CB5-AF29-C1F2F56F3732}">
+      <dgm:prSet custT="1"/>
+      <dgm:spPr/>
+      <dgm:t>
+        <a:bodyPr/>
+        <a:lstStyle/>
+        <a:p>
+          <a:endParaRPr lang="en-US" sz="2000"/>
+        </a:p>
+      </dgm:t>
+    </dgm:pt>
+    <dgm:pt modelId="{F310FAA6-3613-4C42-9C48-9F19B082946B}">
+      <dgm:prSet custT="1"/>
+      <dgm:spPr/>
+      <dgm:t>
+        <a:bodyPr/>
+        <a:lstStyle/>
+        <a:p>
+          <a:r>
+            <a:rPr lang="en-US" sz="2000" dirty="0" smtClean="0"/>
+            <a:t>Visualize trends in classified data</a:t>
+          </a:r>
+          <a:endParaRPr lang="en-US" sz="2000" dirty="0"/>
+        </a:p>
+      </dgm:t>
+    </dgm:pt>
+    <dgm:pt modelId="{3BDDE805-D1EF-46C9-9A85-D591C6B23F10}" type="parTrans" cxnId="{5DDC81E9-901F-498D-A30F-85C8FBC85755}">
+      <dgm:prSet/>
+      <dgm:spPr/>
+      <dgm:t>
+        <a:bodyPr/>
+        <a:lstStyle/>
+        <a:p>
+          <a:endParaRPr lang="en-US" sz="2000"/>
+        </a:p>
+      </dgm:t>
+    </dgm:pt>
+    <dgm:pt modelId="{4DD05FDF-5E47-4FA1-8631-EF017BF114EC}" type="sibTrans" cxnId="{5DDC81E9-901F-498D-A30F-85C8FBC85755}">
+      <dgm:prSet/>
+      <dgm:spPr/>
+      <dgm:t>
+        <a:bodyPr/>
+        <a:lstStyle/>
+        <a:p>
+          <a:endParaRPr lang="en-US" sz="2000"/>
+        </a:p>
+      </dgm:t>
+    </dgm:pt>
+    <dgm:pt modelId="{4DCDA107-2F98-4FA1-B658-E9B9723CD02E}" type="pres">
+      <dgm:prSet presAssocID="{E0B8C201-3BB1-40B7-9D25-BFCE553C908B}" presName="outerComposite" presStyleCnt="0">
+        <dgm:presLayoutVars>
+          <dgm:chMax val="5"/>
+          <dgm:dir/>
+          <dgm:resizeHandles val="exact"/>
+        </dgm:presLayoutVars>
+      </dgm:prSet>
+      <dgm:spPr/>
+    </dgm:pt>
+    <dgm:pt modelId="{0559EE16-65E3-446A-B9FE-50FD257D7892}" type="pres">
+      <dgm:prSet presAssocID="{E0B8C201-3BB1-40B7-9D25-BFCE553C908B}" presName="dummyMaxCanvas" presStyleCnt="0">
+        <dgm:presLayoutVars/>
+      </dgm:prSet>
+      <dgm:spPr/>
+    </dgm:pt>
+    <dgm:pt modelId="{AD48A2BC-922B-4EC8-A5E9-BD753A189EB4}" type="pres">
+      <dgm:prSet presAssocID="{E0B8C201-3BB1-40B7-9D25-BFCE553C908B}" presName="FourNodes_1" presStyleLbl="node1" presStyleIdx="0" presStyleCnt="4">
+        <dgm:presLayoutVars>
+          <dgm:bulletEnabled val="1"/>
+        </dgm:presLayoutVars>
+      </dgm:prSet>
+      <dgm:spPr/>
+    </dgm:pt>
+    <dgm:pt modelId="{C40E236B-8E46-452B-97C2-1FC363744BE8}" type="pres">
+      <dgm:prSet presAssocID="{E0B8C201-3BB1-40B7-9D25-BFCE553C908B}" presName="FourNodes_2" presStyleLbl="node1" presStyleIdx="1" presStyleCnt="4">
+        <dgm:presLayoutVars>
+          <dgm:bulletEnabled val="1"/>
+        </dgm:presLayoutVars>
+      </dgm:prSet>
+      <dgm:spPr/>
+    </dgm:pt>
+    <dgm:pt modelId="{1E3E33AD-CDDC-4355-91F7-6A92A680D8CE}" type="pres">
+      <dgm:prSet presAssocID="{E0B8C201-3BB1-40B7-9D25-BFCE553C908B}" presName="FourNodes_3" presStyleLbl="node1" presStyleIdx="2" presStyleCnt="4">
+        <dgm:presLayoutVars>
+          <dgm:bulletEnabled val="1"/>
+        </dgm:presLayoutVars>
+      </dgm:prSet>
+      <dgm:spPr/>
+    </dgm:pt>
+    <dgm:pt modelId="{83F8AA61-AF12-40F9-B77D-147BFAB46FDF}" type="pres">
+      <dgm:prSet presAssocID="{E0B8C201-3BB1-40B7-9D25-BFCE553C908B}" presName="FourNodes_4" presStyleLbl="node1" presStyleIdx="3" presStyleCnt="4">
+        <dgm:presLayoutVars>
+          <dgm:bulletEnabled val="1"/>
+        </dgm:presLayoutVars>
+      </dgm:prSet>
+      <dgm:spPr/>
+    </dgm:pt>
+    <dgm:pt modelId="{D305FDA9-EBF3-47D6-9BF6-73ACBC597A64}" type="pres">
+      <dgm:prSet presAssocID="{E0B8C201-3BB1-40B7-9D25-BFCE553C908B}" presName="FourConn_1-2" presStyleLbl="fgAccFollowNode1" presStyleIdx="0" presStyleCnt="3">
+        <dgm:presLayoutVars>
+          <dgm:bulletEnabled val="1"/>
+        </dgm:presLayoutVars>
+      </dgm:prSet>
+      <dgm:spPr/>
+    </dgm:pt>
+    <dgm:pt modelId="{7E53521D-707B-4FB9-9FFC-3CF2ED048FF7}" type="pres">
+      <dgm:prSet presAssocID="{E0B8C201-3BB1-40B7-9D25-BFCE553C908B}" presName="FourConn_2-3" presStyleLbl="fgAccFollowNode1" presStyleIdx="1" presStyleCnt="3">
+        <dgm:presLayoutVars>
+          <dgm:bulletEnabled val="1"/>
+        </dgm:presLayoutVars>
+      </dgm:prSet>
+      <dgm:spPr/>
+    </dgm:pt>
+    <dgm:pt modelId="{1AB0F289-22F3-4301-94F2-D57EAED308A4}" type="pres">
+      <dgm:prSet presAssocID="{E0B8C201-3BB1-40B7-9D25-BFCE553C908B}" presName="FourConn_3-4" presStyleLbl="fgAccFollowNode1" presStyleIdx="2" presStyleCnt="3">
+        <dgm:presLayoutVars>
+          <dgm:bulletEnabled val="1"/>
+        </dgm:presLayoutVars>
+      </dgm:prSet>
+      <dgm:spPr/>
+    </dgm:pt>
+    <dgm:pt modelId="{7B4D9936-45E6-4BB3-B261-ED88B64A649B}" type="pres">
+      <dgm:prSet presAssocID="{E0B8C201-3BB1-40B7-9D25-BFCE553C908B}" presName="FourNodes_1_text" presStyleLbl="node1" presStyleIdx="3" presStyleCnt="4">
+        <dgm:presLayoutVars>
+          <dgm:bulletEnabled val="1"/>
+        </dgm:presLayoutVars>
+      </dgm:prSet>
+      <dgm:spPr/>
+    </dgm:pt>
+    <dgm:pt modelId="{EF972CC6-1D48-48E0-8D27-D860F6EAAB7C}" type="pres">
+      <dgm:prSet presAssocID="{E0B8C201-3BB1-40B7-9D25-BFCE553C908B}" presName="FourNodes_2_text" presStyleLbl="node1" presStyleIdx="3" presStyleCnt="4">
+        <dgm:presLayoutVars>
+          <dgm:bulletEnabled val="1"/>
+        </dgm:presLayoutVars>
+      </dgm:prSet>
+      <dgm:spPr/>
+    </dgm:pt>
+    <dgm:pt modelId="{D23C8DDB-6DAE-4314-9939-5AB60D95CBFA}" type="pres">
+      <dgm:prSet presAssocID="{E0B8C201-3BB1-40B7-9D25-BFCE553C908B}" presName="FourNodes_3_text" presStyleLbl="node1" presStyleIdx="3" presStyleCnt="4">
+        <dgm:presLayoutVars>
+          <dgm:bulletEnabled val="1"/>
+        </dgm:presLayoutVars>
+      </dgm:prSet>
+      <dgm:spPr/>
+    </dgm:pt>
+    <dgm:pt modelId="{C0A68C04-BC12-408C-B31D-590691242AD7}" type="pres">
+      <dgm:prSet presAssocID="{E0B8C201-3BB1-40B7-9D25-BFCE553C908B}" presName="FourNodes_4_text" presStyleLbl="node1" presStyleIdx="3" presStyleCnt="4">
+        <dgm:presLayoutVars>
+          <dgm:bulletEnabled val="1"/>
+        </dgm:presLayoutVars>
+      </dgm:prSet>
+      <dgm:spPr/>
+    </dgm:pt>
+  </dgm:ptLst>
+  <dgm:cxnLst>
+    <dgm:cxn modelId="{A52D5367-8EAD-4CB5-AF29-C1F2F56F3732}" srcId="{E0B8C201-3BB1-40B7-9D25-BFCE553C908B}" destId="{AD000368-A9DC-476D-B85F-1C6468BD4301}" srcOrd="2" destOrd="0" parTransId="{A4C3ED9E-D7EF-4D4F-8C36-E7CC77937656}" sibTransId="{C716173C-5C03-44E6-AD5E-FABB63AAC0F9}"/>
+    <dgm:cxn modelId="{944C7FE8-C85E-4E95-812A-699CD6786B6E}" type="presOf" srcId="{DFBF2FAF-5424-41AB-BBDD-1ECBF19ECD71}" destId="{D305FDA9-EBF3-47D6-9BF6-73ACBC597A64}" srcOrd="0" destOrd="0" presId="urn:microsoft.com/office/officeart/2005/8/layout/vProcess5"/>
+    <dgm:cxn modelId="{37D0A215-50C1-4A72-9695-92591F4F103B}" type="presOf" srcId="{F310FAA6-3613-4C42-9C48-9F19B082946B}" destId="{C0A68C04-BC12-408C-B31D-590691242AD7}" srcOrd="1" destOrd="0" presId="urn:microsoft.com/office/officeart/2005/8/layout/vProcess5"/>
+    <dgm:cxn modelId="{BE62B6D3-CE34-4698-AC21-0E132D25CD5C}" type="presOf" srcId="{BA74737B-2AD1-4EF4-8EC5-2A3189414714}" destId="{7E53521D-707B-4FB9-9FFC-3CF2ED048FF7}" srcOrd="0" destOrd="0" presId="urn:microsoft.com/office/officeart/2005/8/layout/vProcess5"/>
+    <dgm:cxn modelId="{3DBFC785-5FDD-42F6-8762-B012DAB68C4F}" type="presOf" srcId="{E0B8C201-3BB1-40B7-9D25-BFCE553C908B}" destId="{4DCDA107-2F98-4FA1-B658-E9B9723CD02E}" srcOrd="0" destOrd="0" presId="urn:microsoft.com/office/officeart/2005/8/layout/vProcess5"/>
+    <dgm:cxn modelId="{466B2B13-A64F-41EF-9B65-66FDDB49C134}" srcId="{E0B8C201-3BB1-40B7-9D25-BFCE553C908B}" destId="{E81A3DE1-662E-4C64-8253-650AA282E81D}" srcOrd="1" destOrd="0" parTransId="{081EABDE-99C4-43F4-B726-F27C7038D615}" sibTransId="{BA74737B-2AD1-4EF4-8EC5-2A3189414714}"/>
+    <dgm:cxn modelId="{21DD8B13-5239-4E3E-ACDA-81608DDD9D02}" type="presOf" srcId="{F310FAA6-3613-4C42-9C48-9F19B082946B}" destId="{83F8AA61-AF12-40F9-B77D-147BFAB46FDF}" srcOrd="0" destOrd="0" presId="urn:microsoft.com/office/officeart/2005/8/layout/vProcess5"/>
+    <dgm:cxn modelId="{36FA4669-A8C2-4575-BDF7-92BC10867160}" type="presOf" srcId="{C716173C-5C03-44E6-AD5E-FABB63AAC0F9}" destId="{1AB0F289-22F3-4301-94F2-D57EAED308A4}" srcOrd="0" destOrd="0" presId="urn:microsoft.com/office/officeart/2005/8/layout/vProcess5"/>
+    <dgm:cxn modelId="{F919C951-E379-4BB9-8F1F-4DDB3FDF9D07}" srcId="{E0B8C201-3BB1-40B7-9D25-BFCE553C908B}" destId="{B5E076A9-24A0-4504-979B-B720F1779ECC}" srcOrd="0" destOrd="0" parTransId="{91000BA3-30D4-42D1-A425-017E29AF81C7}" sibTransId="{DFBF2FAF-5424-41AB-BBDD-1ECBF19ECD71}"/>
+    <dgm:cxn modelId="{E895D0C3-811A-4C73-A335-78B1D9F37630}" type="presOf" srcId="{AD000368-A9DC-476D-B85F-1C6468BD4301}" destId="{1E3E33AD-CDDC-4355-91F7-6A92A680D8CE}" srcOrd="0" destOrd="0" presId="urn:microsoft.com/office/officeart/2005/8/layout/vProcess5"/>
+    <dgm:cxn modelId="{5DDC81E9-901F-498D-A30F-85C8FBC85755}" srcId="{E0B8C201-3BB1-40B7-9D25-BFCE553C908B}" destId="{F310FAA6-3613-4C42-9C48-9F19B082946B}" srcOrd="3" destOrd="0" parTransId="{3BDDE805-D1EF-46C9-9A85-D591C6B23F10}" sibTransId="{4DD05FDF-5E47-4FA1-8631-EF017BF114EC}"/>
+    <dgm:cxn modelId="{55DB3314-FE0D-4E4B-AAD0-9C9FEBE65087}" type="presOf" srcId="{AD000368-A9DC-476D-B85F-1C6468BD4301}" destId="{D23C8DDB-6DAE-4314-9939-5AB60D95CBFA}" srcOrd="1" destOrd="0" presId="urn:microsoft.com/office/officeart/2005/8/layout/vProcess5"/>
+    <dgm:cxn modelId="{701E564B-4508-4F42-A660-A6BA7C28588E}" type="presOf" srcId="{B5E076A9-24A0-4504-979B-B720F1779ECC}" destId="{AD48A2BC-922B-4EC8-A5E9-BD753A189EB4}" srcOrd="0" destOrd="0" presId="urn:microsoft.com/office/officeart/2005/8/layout/vProcess5"/>
+    <dgm:cxn modelId="{40B8D8F2-7F91-442C-8F5E-0729796FAEC5}" type="presOf" srcId="{B5E076A9-24A0-4504-979B-B720F1779ECC}" destId="{7B4D9936-45E6-4BB3-B261-ED88B64A649B}" srcOrd="1" destOrd="0" presId="urn:microsoft.com/office/officeart/2005/8/layout/vProcess5"/>
+    <dgm:cxn modelId="{3AF19631-C2DA-4C22-96E5-B03D78009CC6}" type="presOf" srcId="{E81A3DE1-662E-4C64-8253-650AA282E81D}" destId="{EF972CC6-1D48-48E0-8D27-D860F6EAAB7C}" srcOrd="1" destOrd="0" presId="urn:microsoft.com/office/officeart/2005/8/layout/vProcess5"/>
+    <dgm:cxn modelId="{BD9DBCB1-E396-4C13-AF11-B444B64D1BBD}" type="presOf" srcId="{E81A3DE1-662E-4C64-8253-650AA282E81D}" destId="{C40E236B-8E46-452B-97C2-1FC363744BE8}" srcOrd="0" destOrd="0" presId="urn:microsoft.com/office/officeart/2005/8/layout/vProcess5"/>
+    <dgm:cxn modelId="{58280105-5EC3-407B-A44B-B8DB52CD865A}" type="presParOf" srcId="{4DCDA107-2F98-4FA1-B658-E9B9723CD02E}" destId="{0559EE16-65E3-446A-B9FE-50FD257D7892}" srcOrd="0" destOrd="0" presId="urn:microsoft.com/office/officeart/2005/8/layout/vProcess5"/>
+    <dgm:cxn modelId="{F0958553-4B2B-43AB-B45E-AE2A96AD2147}" type="presParOf" srcId="{4DCDA107-2F98-4FA1-B658-E9B9723CD02E}" destId="{AD48A2BC-922B-4EC8-A5E9-BD753A189EB4}" srcOrd="1" destOrd="0" presId="urn:microsoft.com/office/officeart/2005/8/layout/vProcess5"/>
+    <dgm:cxn modelId="{147A323A-E22C-4B07-812B-F432ED7BDA00}" type="presParOf" srcId="{4DCDA107-2F98-4FA1-B658-E9B9723CD02E}" destId="{C40E236B-8E46-452B-97C2-1FC363744BE8}" srcOrd="2" destOrd="0" presId="urn:microsoft.com/office/officeart/2005/8/layout/vProcess5"/>
+    <dgm:cxn modelId="{806F3664-CAA9-4F48-AA45-DDB30CCB9D50}" type="presParOf" srcId="{4DCDA107-2F98-4FA1-B658-E9B9723CD02E}" destId="{1E3E33AD-CDDC-4355-91F7-6A92A680D8CE}" srcOrd="3" destOrd="0" presId="urn:microsoft.com/office/officeart/2005/8/layout/vProcess5"/>
+    <dgm:cxn modelId="{B0E2BFC4-2885-4E38-B04A-DC9190AE28FF}" type="presParOf" srcId="{4DCDA107-2F98-4FA1-B658-E9B9723CD02E}" destId="{83F8AA61-AF12-40F9-B77D-147BFAB46FDF}" srcOrd="4" destOrd="0" presId="urn:microsoft.com/office/officeart/2005/8/layout/vProcess5"/>
+    <dgm:cxn modelId="{B4AFFEC0-EBEE-430B-8834-CFE882E79EDA}" type="presParOf" srcId="{4DCDA107-2F98-4FA1-B658-E9B9723CD02E}" destId="{D305FDA9-EBF3-47D6-9BF6-73ACBC597A64}" srcOrd="5" destOrd="0" presId="urn:microsoft.com/office/officeart/2005/8/layout/vProcess5"/>
+    <dgm:cxn modelId="{30B5302F-642D-418B-844A-8F50BD3B659D}" type="presParOf" srcId="{4DCDA107-2F98-4FA1-B658-E9B9723CD02E}" destId="{7E53521D-707B-4FB9-9FFC-3CF2ED048FF7}" srcOrd="6" destOrd="0" presId="urn:microsoft.com/office/officeart/2005/8/layout/vProcess5"/>
+    <dgm:cxn modelId="{4D0C734B-A1C6-4405-8484-FDBEB72779D9}" type="presParOf" srcId="{4DCDA107-2F98-4FA1-B658-E9B9723CD02E}" destId="{1AB0F289-22F3-4301-94F2-D57EAED308A4}" srcOrd="7" destOrd="0" presId="urn:microsoft.com/office/officeart/2005/8/layout/vProcess5"/>
+    <dgm:cxn modelId="{305A68F9-E68A-4ACA-A673-29B102627682}" type="presParOf" srcId="{4DCDA107-2F98-4FA1-B658-E9B9723CD02E}" destId="{7B4D9936-45E6-4BB3-B261-ED88B64A649B}" srcOrd="8" destOrd="0" presId="urn:microsoft.com/office/officeart/2005/8/layout/vProcess5"/>
+    <dgm:cxn modelId="{9C7928B1-E5BA-4026-A1A6-DF276E92DB21}" type="presParOf" srcId="{4DCDA107-2F98-4FA1-B658-E9B9723CD02E}" destId="{EF972CC6-1D48-48E0-8D27-D860F6EAAB7C}" srcOrd="9" destOrd="0" presId="urn:microsoft.com/office/officeart/2005/8/layout/vProcess5"/>
+    <dgm:cxn modelId="{25A1D65C-4A77-4DF1-9433-7FB24F082C07}" type="presParOf" srcId="{4DCDA107-2F98-4FA1-B658-E9B9723CD02E}" destId="{D23C8DDB-6DAE-4314-9939-5AB60D95CBFA}" srcOrd="10" destOrd="0" presId="urn:microsoft.com/office/officeart/2005/8/layout/vProcess5"/>
+    <dgm:cxn modelId="{4135D042-0226-424E-825B-37D2F265DA9A}" type="presParOf" srcId="{4DCDA107-2F98-4FA1-B658-E9B9723CD02E}" destId="{C0A68C04-BC12-408C-B31D-590691242AD7}" srcOrd="11" destOrd="0" presId="urn:microsoft.com/office/officeart/2005/8/layout/vProcess5"/>
+  </dgm:cxnLst>
+  <dgm:bg/>
+  <dgm:whole/>
+  <dgm:extLst>
+    <a:ext uri="http://schemas.microsoft.com/office/drawing/2008/diagram">
+      <dsp:dataModelExt xmlns:dsp="http://schemas.microsoft.com/office/drawing/2008/diagram" relId="rId6" minVer="http://schemas.openxmlformats.org/drawingml/2006/diagram"/>
+    </a:ext>
+  </dgm:extLst>
+</dgm:dataModel>
+</file>
+
+<file path=ppt/diagrams/drawing1.xml><?xml version="1.0" encoding="utf-8"?>
+<dsp:drawing xmlns:dgm="http://schemas.openxmlformats.org/drawingml/2006/diagram" xmlns:dsp="http://schemas.microsoft.com/office/drawing/2008/diagram" xmlns:a="http://schemas.openxmlformats.org/drawingml/2006/main">
+  <dsp:spTree>
+    <dsp:nvGrpSpPr>
+      <dsp:cNvPr id="0" name=""/>
+      <dsp:cNvGrpSpPr/>
+    </dsp:nvGrpSpPr>
+    <dsp:grpSpPr/>
+    <dsp:sp modelId="{AD48A2BC-922B-4EC8-A5E9-BD753A189EB4}">
+      <dsp:nvSpPr>
+        <dsp:cNvPr id="0" name=""/>
+        <dsp:cNvSpPr/>
+      </dsp:nvSpPr>
+      <dsp:spPr>
+        <a:xfrm>
+          <a:off x="0" y="0"/>
+          <a:ext cx="3614056" cy="857099"/>
+        </a:xfrm>
+        <a:prstGeom prst="roundRect">
+          <a:avLst>
+            <a:gd name="adj" fmla="val 10000"/>
+          </a:avLst>
+        </a:prstGeom>
+        <a:solidFill>
+          <a:schemeClr val="accent2">
+            <a:hueOff val="0"/>
+            <a:satOff val="0"/>
+            <a:lumOff val="0"/>
+            <a:alphaOff val="0"/>
+          </a:schemeClr>
+        </a:solidFill>
+        <a:ln w="12700" cap="flat" cmpd="sng" algn="ctr">
+          <a:solidFill>
+            <a:schemeClr val="lt1">
+              <a:hueOff val="0"/>
+              <a:satOff val="0"/>
+              <a:lumOff val="0"/>
+              <a:alphaOff val="0"/>
+            </a:schemeClr>
+          </a:solidFill>
+          <a:prstDash val="solid"/>
+          <a:miter lim="800000"/>
+        </a:ln>
+        <a:effectLst/>
+      </dsp:spPr>
+      <dsp:style>
+        <a:lnRef idx="2">
+          <a:scrgbClr r="0" g="0" b="0"/>
+        </a:lnRef>
+        <a:fillRef idx="1">
+          <a:scrgbClr r="0" g="0" b="0"/>
+        </a:fillRef>
+        <a:effectRef idx="0">
+          <a:scrgbClr r="0" g="0" b="0"/>
+        </a:effectRef>
+        <a:fontRef idx="minor">
+          <a:schemeClr val="lt1"/>
+        </a:fontRef>
+      </dsp:style>
+      <dsp:txBody>
+        <a:bodyPr spcFirstLastPara="0" vert="horz" wrap="square" lIns="76200" tIns="76200" rIns="76200" bIns="76200" numCol="1" spcCol="1270" anchor="ctr" anchorCtr="0">
+          <a:noAutofit/>
+        </a:bodyPr>
+        <a:lstStyle/>
+        <a:p>
+          <a:pPr lvl="0" algn="l" defTabSz="889000">
+            <a:lnSpc>
+              <a:spcPct val="90000"/>
+            </a:lnSpc>
+            <a:spcBef>
+              <a:spcPct val="0"/>
+            </a:spcBef>
+            <a:spcAft>
+              <a:spcPct val="35000"/>
+            </a:spcAft>
+          </a:pPr>
+          <a:r>
+            <a:rPr lang="en-US" sz="2000" kern="1200" dirty="0" smtClean="0"/>
+            <a:t>Join data sets</a:t>
+          </a:r>
+          <a:endParaRPr lang="en-US" sz="2000" kern="1200" dirty="0"/>
+        </a:p>
+      </dsp:txBody>
+      <dsp:txXfrm>
+        <a:off x="25104" y="25104"/>
+        <a:ext cx="2616754" cy="806891"/>
+      </dsp:txXfrm>
+    </dsp:sp>
+    <dsp:sp modelId="{C40E236B-8E46-452B-97C2-1FC363744BE8}">
+      <dsp:nvSpPr>
+        <dsp:cNvPr id="0" name=""/>
+        <dsp:cNvSpPr/>
+      </dsp:nvSpPr>
+      <dsp:spPr>
+        <a:xfrm>
+          <a:off x="302677" y="1012935"/>
+          <a:ext cx="3614056" cy="857099"/>
+        </a:xfrm>
+        <a:prstGeom prst="roundRect">
+          <a:avLst>
+            <a:gd name="adj" fmla="val 10000"/>
+          </a:avLst>
+        </a:prstGeom>
+        <a:solidFill>
+          <a:schemeClr val="accent2">
+            <a:hueOff val="0"/>
+            <a:satOff val="0"/>
+            <a:lumOff val="0"/>
+            <a:alphaOff val="0"/>
+          </a:schemeClr>
+        </a:solidFill>
+        <a:ln w="12700" cap="flat" cmpd="sng" algn="ctr">
+          <a:solidFill>
+            <a:schemeClr val="lt1">
+              <a:hueOff val="0"/>
+              <a:satOff val="0"/>
+              <a:lumOff val="0"/>
+              <a:alphaOff val="0"/>
+            </a:schemeClr>
+          </a:solidFill>
+          <a:prstDash val="solid"/>
+          <a:miter lim="800000"/>
+        </a:ln>
+        <a:effectLst/>
+      </dsp:spPr>
+      <dsp:style>
+        <a:lnRef idx="2">
+          <a:scrgbClr r="0" g="0" b="0"/>
+        </a:lnRef>
+        <a:fillRef idx="1">
+          <a:scrgbClr r="0" g="0" b="0"/>
+        </a:fillRef>
+        <a:effectRef idx="0">
+          <a:scrgbClr r="0" g="0" b="0"/>
+        </a:effectRef>
+        <a:fontRef idx="minor">
+          <a:schemeClr val="lt1"/>
+        </a:fontRef>
+      </dsp:style>
+      <dsp:txBody>
+        <a:bodyPr spcFirstLastPara="0" vert="horz" wrap="square" lIns="76200" tIns="76200" rIns="76200" bIns="76200" numCol="1" spcCol="1270" anchor="ctr" anchorCtr="0">
+          <a:noAutofit/>
+        </a:bodyPr>
+        <a:lstStyle/>
+        <a:p>
+          <a:pPr lvl="0" algn="l" defTabSz="889000">
+            <a:lnSpc>
+              <a:spcPct val="90000"/>
+            </a:lnSpc>
+            <a:spcBef>
+              <a:spcPct val="0"/>
+            </a:spcBef>
+            <a:spcAft>
+              <a:spcPct val="35000"/>
+            </a:spcAft>
+          </a:pPr>
+          <a:r>
+            <a:rPr lang="en-US" sz="2000" kern="1200" dirty="0" smtClean="0"/>
+            <a:t>Encode categorical data</a:t>
+          </a:r>
+          <a:endParaRPr lang="en-US" sz="2000" kern="1200" dirty="0"/>
+        </a:p>
+      </dsp:txBody>
+      <dsp:txXfrm>
+        <a:off x="327781" y="1038039"/>
+        <a:ext cx="2704056" cy="806891"/>
+      </dsp:txXfrm>
+    </dsp:sp>
+    <dsp:sp modelId="{1E3E33AD-CDDC-4355-91F7-6A92A680D8CE}">
+      <dsp:nvSpPr>
+        <dsp:cNvPr id="0" name=""/>
+        <dsp:cNvSpPr/>
+      </dsp:nvSpPr>
+      <dsp:spPr>
+        <a:xfrm>
+          <a:off x="600836" y="2025871"/>
+          <a:ext cx="3614056" cy="857099"/>
+        </a:xfrm>
+        <a:prstGeom prst="roundRect">
+          <a:avLst>
+            <a:gd name="adj" fmla="val 10000"/>
+          </a:avLst>
+        </a:prstGeom>
+        <a:solidFill>
+          <a:schemeClr val="accent2">
+            <a:hueOff val="0"/>
+            <a:satOff val="0"/>
+            <a:lumOff val="0"/>
+            <a:alphaOff val="0"/>
+          </a:schemeClr>
+        </a:solidFill>
+        <a:ln w="12700" cap="flat" cmpd="sng" algn="ctr">
+          <a:solidFill>
+            <a:schemeClr val="lt1">
+              <a:hueOff val="0"/>
+              <a:satOff val="0"/>
+              <a:lumOff val="0"/>
+              <a:alphaOff val="0"/>
+            </a:schemeClr>
+          </a:solidFill>
+          <a:prstDash val="solid"/>
+          <a:miter lim="800000"/>
+        </a:ln>
+        <a:effectLst/>
+      </dsp:spPr>
+      <dsp:style>
+        <a:lnRef idx="2">
+          <a:scrgbClr r="0" g="0" b="0"/>
+        </a:lnRef>
+        <a:fillRef idx="1">
+          <a:scrgbClr r="0" g="0" b="0"/>
+        </a:fillRef>
+        <a:effectRef idx="0">
+          <a:scrgbClr r="0" g="0" b="0"/>
+        </a:effectRef>
+        <a:fontRef idx="minor">
+          <a:schemeClr val="lt1"/>
+        </a:fontRef>
+      </dsp:style>
+      <dsp:txBody>
+        <a:bodyPr spcFirstLastPara="0" vert="horz" wrap="square" lIns="76200" tIns="76200" rIns="76200" bIns="76200" numCol="1" spcCol="1270" anchor="ctr" anchorCtr="0">
+          <a:noAutofit/>
+        </a:bodyPr>
+        <a:lstStyle/>
+        <a:p>
+          <a:pPr lvl="0" algn="l" defTabSz="889000">
+            <a:lnSpc>
+              <a:spcPct val="90000"/>
+            </a:lnSpc>
+            <a:spcBef>
+              <a:spcPct val="0"/>
+            </a:spcBef>
+            <a:spcAft>
+              <a:spcPct val="35000"/>
+            </a:spcAft>
+          </a:pPr>
+          <a:r>
+            <a:rPr lang="en-US" sz="2000" kern="1200" dirty="0" smtClean="0"/>
+            <a:t>Train classifier to detect slave ships</a:t>
+          </a:r>
+          <a:endParaRPr lang="en-US" sz="2000" kern="1200" dirty="0"/>
+        </a:p>
+      </dsp:txBody>
+      <dsp:txXfrm>
+        <a:off x="625940" y="2050975"/>
+        <a:ext cx="2708574" cy="806891"/>
+      </dsp:txXfrm>
+    </dsp:sp>
+    <dsp:sp modelId="{83F8AA61-AF12-40F9-B77D-147BFAB46FDF}">
+      <dsp:nvSpPr>
+        <dsp:cNvPr id="0" name=""/>
+        <dsp:cNvSpPr/>
+      </dsp:nvSpPr>
+      <dsp:spPr>
+        <a:xfrm>
+          <a:off x="903514" y="3038806"/>
+          <a:ext cx="3614056" cy="857099"/>
+        </a:xfrm>
+        <a:prstGeom prst="roundRect">
+          <a:avLst>
+            <a:gd name="adj" fmla="val 10000"/>
+          </a:avLst>
+        </a:prstGeom>
+        <a:solidFill>
+          <a:schemeClr val="accent2">
+            <a:hueOff val="0"/>
+            <a:satOff val="0"/>
+            <a:lumOff val="0"/>
+            <a:alphaOff val="0"/>
+          </a:schemeClr>
+        </a:solidFill>
+        <a:ln w="12700" cap="flat" cmpd="sng" algn="ctr">
+          <a:solidFill>
+            <a:schemeClr val="lt1">
+              <a:hueOff val="0"/>
+              <a:satOff val="0"/>
+              <a:lumOff val="0"/>
+              <a:alphaOff val="0"/>
+            </a:schemeClr>
+          </a:solidFill>
+          <a:prstDash val="solid"/>
+          <a:miter lim="800000"/>
+        </a:ln>
+        <a:effectLst/>
+      </dsp:spPr>
+      <dsp:style>
+        <a:lnRef idx="2">
+          <a:scrgbClr r="0" g="0" b="0"/>
+        </a:lnRef>
+        <a:fillRef idx="1">
+          <a:scrgbClr r="0" g="0" b="0"/>
+        </a:fillRef>
+        <a:effectRef idx="0">
+          <a:scrgbClr r="0" g="0" b="0"/>
+        </a:effectRef>
+        <a:fontRef idx="minor">
+          <a:schemeClr val="lt1"/>
+        </a:fontRef>
+      </dsp:style>
+      <dsp:txBody>
+        <a:bodyPr spcFirstLastPara="0" vert="horz" wrap="square" lIns="76200" tIns="76200" rIns="76200" bIns="76200" numCol="1" spcCol="1270" anchor="ctr" anchorCtr="0">
+          <a:noAutofit/>
+        </a:bodyPr>
+        <a:lstStyle/>
+        <a:p>
+          <a:pPr lvl="0" algn="l" defTabSz="889000">
+            <a:lnSpc>
+              <a:spcPct val="90000"/>
+            </a:lnSpc>
+            <a:spcBef>
+              <a:spcPct val="0"/>
+            </a:spcBef>
+            <a:spcAft>
+              <a:spcPct val="35000"/>
+            </a:spcAft>
+          </a:pPr>
+          <a:r>
+            <a:rPr lang="en-US" sz="2000" kern="1200" dirty="0" smtClean="0"/>
+            <a:t>Visualize trends in classified data</a:t>
+          </a:r>
+          <a:endParaRPr lang="en-US" sz="2000" kern="1200" dirty="0"/>
+        </a:p>
+      </dsp:txBody>
+      <dsp:txXfrm>
+        <a:off x="928618" y="3063910"/>
+        <a:ext cx="2704056" cy="806891"/>
+      </dsp:txXfrm>
+    </dsp:sp>
+    <dsp:sp modelId="{D305FDA9-EBF3-47D6-9BF6-73ACBC597A64}">
+      <dsp:nvSpPr>
+        <dsp:cNvPr id="0" name=""/>
+        <dsp:cNvSpPr/>
+      </dsp:nvSpPr>
+      <dsp:spPr>
+        <a:xfrm>
+          <a:off x="3056942" y="656460"/>
+          <a:ext cx="557114" cy="557114"/>
+        </a:xfrm>
+        <a:prstGeom prst="downArrow">
+          <a:avLst>
+            <a:gd name="adj1" fmla="val 55000"/>
+            <a:gd name="adj2" fmla="val 45000"/>
+          </a:avLst>
+        </a:prstGeom>
+        <a:solidFill>
+          <a:schemeClr val="accent2">
+            <a:alpha val="90000"/>
+            <a:tint val="40000"/>
+            <a:hueOff val="0"/>
+            <a:satOff val="0"/>
+            <a:lumOff val="0"/>
+            <a:alphaOff val="0"/>
+          </a:schemeClr>
+        </a:solidFill>
+        <a:ln w="12700" cap="flat" cmpd="sng" algn="ctr">
+          <a:solidFill>
+            <a:schemeClr val="accent2">
+              <a:alpha val="90000"/>
+              <a:tint val="40000"/>
+              <a:hueOff val="0"/>
+              <a:satOff val="0"/>
+              <a:lumOff val="0"/>
+              <a:alphaOff val="0"/>
+            </a:schemeClr>
+          </a:solidFill>
+          <a:prstDash val="solid"/>
+          <a:miter lim="800000"/>
+        </a:ln>
+        <a:effectLst/>
+      </dsp:spPr>
+      <dsp:style>
+        <a:lnRef idx="2">
+          <a:scrgbClr r="0" g="0" b="0"/>
+        </a:lnRef>
+        <a:fillRef idx="1">
+          <a:scrgbClr r="0" g="0" b="0"/>
+        </a:fillRef>
+        <a:effectRef idx="0">
+          <a:scrgbClr r="0" g="0" b="0"/>
+        </a:effectRef>
+        <a:fontRef idx="minor"/>
+      </dsp:style>
+      <dsp:txBody>
+        <a:bodyPr spcFirstLastPara="0" vert="horz" wrap="square" lIns="25400" tIns="25400" rIns="25400" bIns="25400" numCol="1" spcCol="1270" anchor="ctr" anchorCtr="0">
+          <a:noAutofit/>
+        </a:bodyPr>
+        <a:lstStyle/>
+        <a:p>
+          <a:pPr lvl="0" algn="ctr" defTabSz="889000">
+            <a:lnSpc>
+              <a:spcPct val="90000"/>
+            </a:lnSpc>
+            <a:spcBef>
+              <a:spcPct val="0"/>
+            </a:spcBef>
+            <a:spcAft>
+              <a:spcPct val="35000"/>
+            </a:spcAft>
+          </a:pPr>
+          <a:endParaRPr lang="en-US" sz="2000" kern="1200"/>
+        </a:p>
+      </dsp:txBody>
+      <dsp:txXfrm>
+        <a:off x="3182293" y="656460"/>
+        <a:ext cx="306412" cy="419228"/>
+      </dsp:txXfrm>
+    </dsp:sp>
+    <dsp:sp modelId="{7E53521D-707B-4FB9-9FFC-3CF2ED048FF7}">
+      <dsp:nvSpPr>
+        <dsp:cNvPr id="0" name=""/>
+        <dsp:cNvSpPr/>
+      </dsp:nvSpPr>
+      <dsp:spPr>
+        <a:xfrm>
+          <a:off x="3359619" y="1669395"/>
+          <a:ext cx="557114" cy="557114"/>
+        </a:xfrm>
+        <a:prstGeom prst="downArrow">
+          <a:avLst>
+            <a:gd name="adj1" fmla="val 55000"/>
+            <a:gd name="adj2" fmla="val 45000"/>
+          </a:avLst>
+        </a:prstGeom>
+        <a:solidFill>
+          <a:schemeClr val="accent2">
+            <a:alpha val="90000"/>
+            <a:tint val="40000"/>
+            <a:hueOff val="0"/>
+            <a:satOff val="0"/>
+            <a:lumOff val="0"/>
+            <a:alphaOff val="0"/>
+          </a:schemeClr>
+        </a:solidFill>
+        <a:ln w="12700" cap="flat" cmpd="sng" algn="ctr">
+          <a:solidFill>
+            <a:schemeClr val="accent2">
+              <a:alpha val="90000"/>
+              <a:tint val="40000"/>
+              <a:hueOff val="0"/>
+              <a:satOff val="0"/>
+              <a:lumOff val="0"/>
+              <a:alphaOff val="0"/>
+            </a:schemeClr>
+          </a:solidFill>
+          <a:prstDash val="solid"/>
+          <a:miter lim="800000"/>
+        </a:ln>
+        <a:effectLst/>
+      </dsp:spPr>
+      <dsp:style>
+        <a:lnRef idx="2">
+          <a:scrgbClr r="0" g="0" b="0"/>
+        </a:lnRef>
+        <a:fillRef idx="1">
+          <a:scrgbClr r="0" g="0" b="0"/>
+        </a:fillRef>
+        <a:effectRef idx="0">
+          <a:scrgbClr r="0" g="0" b="0"/>
+        </a:effectRef>
+        <a:fontRef idx="minor"/>
+      </dsp:style>
+      <dsp:txBody>
+        <a:bodyPr spcFirstLastPara="0" vert="horz" wrap="square" lIns="25400" tIns="25400" rIns="25400" bIns="25400" numCol="1" spcCol="1270" anchor="ctr" anchorCtr="0">
+          <a:noAutofit/>
+        </a:bodyPr>
+        <a:lstStyle/>
+        <a:p>
+          <a:pPr lvl="0" algn="ctr" defTabSz="889000">
+            <a:lnSpc>
+              <a:spcPct val="90000"/>
+            </a:lnSpc>
+            <a:spcBef>
+              <a:spcPct val="0"/>
+            </a:spcBef>
+            <a:spcAft>
+              <a:spcPct val="35000"/>
+            </a:spcAft>
+          </a:pPr>
+          <a:endParaRPr lang="en-US" sz="2000" kern="1200"/>
+        </a:p>
+      </dsp:txBody>
+      <dsp:txXfrm>
+        <a:off x="3484970" y="1669395"/>
+        <a:ext cx="306412" cy="419228"/>
+      </dsp:txXfrm>
+    </dsp:sp>
+    <dsp:sp modelId="{1AB0F289-22F3-4301-94F2-D57EAED308A4}">
+      <dsp:nvSpPr>
+        <dsp:cNvPr id="0" name=""/>
+        <dsp:cNvSpPr/>
+      </dsp:nvSpPr>
+      <dsp:spPr>
+        <a:xfrm>
+          <a:off x="3657779" y="2682331"/>
+          <a:ext cx="557114" cy="557114"/>
+        </a:xfrm>
+        <a:prstGeom prst="downArrow">
+          <a:avLst>
+            <a:gd name="adj1" fmla="val 55000"/>
+            <a:gd name="adj2" fmla="val 45000"/>
+          </a:avLst>
+        </a:prstGeom>
+        <a:solidFill>
+          <a:schemeClr val="accent2">
+            <a:alpha val="90000"/>
+            <a:tint val="40000"/>
+            <a:hueOff val="0"/>
+            <a:satOff val="0"/>
+            <a:lumOff val="0"/>
+            <a:alphaOff val="0"/>
+          </a:schemeClr>
+        </a:solidFill>
+        <a:ln w="12700" cap="flat" cmpd="sng" algn="ctr">
+          <a:solidFill>
+            <a:schemeClr val="accent2">
+              <a:alpha val="90000"/>
+              <a:tint val="40000"/>
+              <a:hueOff val="0"/>
+              <a:satOff val="0"/>
+              <a:lumOff val="0"/>
+              <a:alphaOff val="0"/>
+            </a:schemeClr>
+          </a:solidFill>
+          <a:prstDash val="solid"/>
+          <a:miter lim="800000"/>
+        </a:ln>
+        <a:effectLst/>
+      </dsp:spPr>
+      <dsp:style>
+        <a:lnRef idx="2">
+          <a:scrgbClr r="0" g="0" b="0"/>
+        </a:lnRef>
+        <a:fillRef idx="1">
+          <a:scrgbClr r="0" g="0" b="0"/>
+        </a:fillRef>
+        <a:effectRef idx="0">
+          <a:scrgbClr r="0" g="0" b="0"/>
+        </a:effectRef>
+        <a:fontRef idx="minor"/>
+      </dsp:style>
+      <dsp:txBody>
+        <a:bodyPr spcFirstLastPara="0" vert="horz" wrap="square" lIns="25400" tIns="25400" rIns="25400" bIns="25400" numCol="1" spcCol="1270" anchor="ctr" anchorCtr="0">
+          <a:noAutofit/>
+        </a:bodyPr>
+        <a:lstStyle/>
+        <a:p>
+          <a:pPr lvl="0" algn="ctr" defTabSz="889000">
+            <a:lnSpc>
+              <a:spcPct val="90000"/>
+            </a:lnSpc>
+            <a:spcBef>
+              <a:spcPct val="0"/>
+            </a:spcBef>
+            <a:spcAft>
+              <a:spcPct val="35000"/>
+            </a:spcAft>
+          </a:pPr>
+          <a:endParaRPr lang="en-US" sz="2000" kern="1200"/>
+        </a:p>
+      </dsp:txBody>
+      <dsp:txXfrm>
+        <a:off x="3783130" y="2682331"/>
+        <a:ext cx="306412" cy="419228"/>
+      </dsp:txXfrm>
+    </dsp:sp>
+  </dsp:spTree>
+</dsp:drawing>
+</file>
+
+<file path=ppt/diagrams/layout1.xml><?xml version="1.0" encoding="utf-8"?>
+<dgm:layoutDef xmlns:dgm="http://schemas.openxmlformats.org/drawingml/2006/diagram" xmlns:a="http://schemas.openxmlformats.org/drawingml/2006/main" uniqueId="urn:microsoft.com/office/officeart/2005/8/layout/vProcess5">
+  <dgm:title val=""/>
+  <dgm:desc val=""/>
+  <dgm:catLst>
+    <dgm:cat type="process" pri="14000"/>
+  </dgm:catLst>
+  <dgm:sampData>
+    <dgm:dataModel>
+      <dgm:ptLst>
+        <dgm:pt modelId="0" type="doc"/>
+        <dgm:pt modelId="1">
+          <dgm:prSet phldr="1"/>
+        </dgm:pt>
+        <dgm:pt modelId="2">
+          <dgm:prSet phldr="1"/>
+        </dgm:pt>
+        <dgm:pt modelId="3">
+          <dgm:prSet phldr="1"/>
+        </dgm:pt>
+      </dgm:ptLst>
+      <dgm:cxnLst>
+        <dgm:cxn modelId="5" srcId="0" destId="1" srcOrd="0" destOrd="0"/>
+        <dgm:cxn modelId="6" srcId="0" destId="2" srcOrd="1" destOrd="0"/>
+        <dgm:cxn modelId="7" srcId="0" destId="3" srcOrd="2" destOrd="0"/>
+      </dgm:cxnLst>
+      <dgm:bg/>
+      <dgm:whole/>
+    </dgm:dataModel>
+  </dgm:sampData>
+  <dgm:styleData>
+    <dgm:dataModel>
+      <dgm:ptLst>
+        <dgm:pt modelId="0" type="doc"/>
+        <dgm:pt modelId="1"/>
+        <dgm:pt modelId="2"/>
+      </dgm:ptLst>
+      <dgm:cxnLst>
+        <dgm:cxn modelId="3" srcId="0" destId="1" srcOrd="0" destOrd="0"/>
+        <dgm:cxn modelId="4" srcId="0" destId="2" srcOrd="1" destOrd="0"/>
+      </dgm:cxnLst>
+      <dgm:bg/>
+      <dgm:whole/>
+    </dgm:dataModel>
+  </dgm:styleData>
+  <dgm:clrData>
+    <dgm:dataModel>
+      <dgm:ptLst>
+        <dgm:pt modelId="0" type="doc"/>
+        <dgm:pt modelId="1"/>
+        <dgm:pt modelId="2"/>
+        <dgm:pt modelId="3"/>
+        <dgm:pt modelId="4"/>
+      </dgm:ptLst>
+      <dgm:cxnLst>
+        <dgm:cxn modelId="6" srcId="0" destId="1" srcOrd="0" destOrd="0"/>
+        <dgm:cxn modelId="7" srcId="0" destId="2" srcOrd="1" destOrd="0"/>
+        <dgm:cxn modelId="8" srcId="0" destId="3" srcOrd="2" destOrd="0"/>
+        <dgm:cxn modelId="9" srcId="0" destId="4" srcOrd="3" destOrd="0"/>
+      </dgm:cxnLst>
+      <dgm:bg/>
+      <dgm:whole/>
+    </dgm:dataModel>
+  </dgm:clrData>
+  <dgm:layoutNode name="outerComposite">
+    <dgm:varLst>
+      <dgm:chMax val="5"/>
+      <dgm:dir/>
+      <dgm:resizeHandles val="exact"/>
+    </dgm:varLst>
+    <dgm:alg type="composite"/>
+    <dgm:shape xmlns:r="http://schemas.openxmlformats.org/officeDocument/2006/relationships" r:blip="">
+      <dgm:adjLst/>
+    </dgm:shape>
+    <dgm:presOf/>
+    <dgm:choose name="Name0">
+      <dgm:if name="Name1" func="var" arg="dir" op="equ" val="norm">
+        <dgm:constrLst>
+          <dgm:constr type="primFontSz" for="ch" ptType="node" op="equ" val="65"/>
+          <dgm:constr type="w" for="ch" forName="dummyMaxCanvas" refType="w"/>
+          <dgm:constr type="h" for="ch" forName="dummyMaxCanvas" refType="h"/>
+          <dgm:constr type="w" for="ch" forName="OneNode_1" refType="w"/>
+          <dgm:constr type="h" for="ch" forName="OneNode_1" refType="h" fact="0.5"/>
+          <dgm:constr type="ctrY" for="ch" forName="OneNode_1" refType="h" fact="0.5"/>
+          <dgm:constr type="w" for="ch" forName="TwoNodes_1" refType="w" fact="0.85"/>
+          <dgm:constr type="h" for="ch" forName="TwoNodes_1" refType="h" fact="0.45"/>
+          <dgm:constr type="t" for="ch" forName="TwoNodes_1"/>
+          <dgm:constr type="l" for="ch" forName="TwoNodes_1"/>
+          <dgm:constr type="w" for="ch" forName="TwoNodes_2" refType="w" fact="0.85"/>
+          <dgm:constr type="h" for="ch" forName="TwoNodes_2" refType="h" fact="0.45"/>
+          <dgm:constr type="b" for="ch" forName="TwoNodes_2" refType="h"/>
+          <dgm:constr type="r" for="ch" forName="TwoNodes_2" refType="w"/>
+          <dgm:constr type="w" for="ch" forName="TwoConn_1-2" refType="h" refFor="ch" refForName="TwoNodes_1" fact="0.65"/>
+          <dgm:constr type="h" for="ch" forName="TwoConn_1-2" refType="h" refFor="ch" refForName="TwoNodes_1" fact="0.65"/>
+          <dgm:constr type="ctrY" for="ch" forName="TwoConn_1-2" refType="h" fact="0.5"/>
+          <dgm:constr type="r" for="ch" forName="TwoConn_1-2" refType="r" refFor="ch" refForName="TwoNodes_1"/>
+          <dgm:constr type="r" for="ch" forName="TwoNodes_1_text" refType="l" refFor="ch" refForName="TwoConn_1-2"/>
+          <dgm:constr type="rOff" for="ch" forName="TwoNodes_1_text" refType="w" refFor="ch" refForName="TwoConn_1-2" fact="-0.5"/>
+          <dgm:constr type="t" for="ch" forName="TwoNodes_1_text" refType="t" refFor="ch" refForName="TwoNodes_1"/>
+          <dgm:constr type="b" for="ch" forName="TwoNodes_1_text" refType="b" refFor="ch" refForName="TwoNodes_1"/>
+          <dgm:constr type="l" for="ch" forName="TwoNodes_1_text" refType="l" refFor="ch" refForName="TwoNodes_1"/>
+          <dgm:constr type="r" for="ch" forName="TwoNodes_2_text" refType="l" refFor="ch" refForName="TwoConn_1-2"/>
+          <dgm:constr type="t" for="ch" forName="TwoNodes_2_text" refType="t" refFor="ch" refForName="TwoNodes_2"/>
+          <dgm:constr type="b" for="ch" forName="TwoNodes_2_text" refType="b" refFor="ch" refForName="TwoNodes_2"/>
+          <dgm:constr type="l" for="ch" forName="TwoNodes_2_text" refType="l" refFor="ch" refForName="TwoNodes_2"/>
+          <dgm:constr type="w" for="ch" forName="ThreeNodes_1" refType="w" fact="0.85"/>
+          <dgm:constr type="h" for="ch" forName="ThreeNodes_1" refType="h" fact="0.3"/>
+          <dgm:constr type="t" for="ch" forName="ThreeNodes_1"/>
+          <dgm:constr type="l" for="ch" forName="ThreeNodes_1"/>
+          <dgm:constr type="w" for="ch" forName="ThreeNodes_2" refType="w" fact="0.85"/>
+          <dgm:constr type="h" for="ch" forName="ThreeNodes_2" refType="h" fact="0.3"/>
+          <dgm:constr type="ctrY" for="ch" forName="ThreeNodes_2" refType="h" fact="0.5"/>
+          <dgm:constr type="ctrX" for="ch" forName="ThreeNodes_2" refType="w" fact="0.5"/>
+          <dgm:constr type="w" for="ch" forName="ThreeNodes_3" refType="w" fact="0.85"/>
+          <dgm:constr type="h" for="ch" forName="ThreeNodes_3" refType="h" fact="0.3"/>
+          <dgm:constr type="b" for="ch" forName="ThreeNodes_3" refType="h"/>
+          <dgm:constr type="r" for="ch" forName="ThreeNodes_3" refType="w"/>
+          <dgm:constr type="w" for="ch" forName="ThreeConn_1-2" refType="h" refFor="ch" refForName="ThreeNodes_1" fact="0.65"/>
+          <dgm:constr type="h" for="ch" forName="ThreeConn_1-2" refType="h" refFor="ch" refForName="ThreeNodes_1" fact="0.65"/>
+          <dgm:constr type="ctrY" for="ch" forName="ThreeConn_1-2" refType="h" fact="0.325"/>
+          <dgm:constr type="r" for="ch" forName="ThreeConn_1-2" refType="r" refFor="ch" refForName="ThreeNodes_1"/>
+          <dgm:constr type="w" for="ch" forName="ThreeConn_2-3" refType="h" refFor="ch" refForName="ThreeNodes_2" fact="0.65"/>
+          <dgm:constr type="h" for="ch" forName="ThreeConn_2-3" refType="h" refFor="ch" refForName="ThreeNodes_2" fact="0.65"/>
+          <dgm:constr type="ctrY" for="ch" forName="ThreeConn_2-3" refType="h" fact="0.673"/>
+          <dgm:constr type="r" for="ch" forName="ThreeConn_2-3" refType="r" refFor="ch" refForName="ThreeNodes_2"/>
+          <dgm:constr type="r" for="ch" forName="ThreeNodes_1_text" refType="l" refFor="ch" refForName="ThreeConn_1-2"/>
+          <dgm:constr type="rOff" for="ch" forName="ThreeNodes_1_text" refType="w" refFor="ch" refForName="ThreeConn_1-2" fact="-0.57"/>
+          <dgm:constr type="t" for="ch" forName="ThreeNodes_1_text" refType="t" refFor="ch" refForName="ThreeNodes_1"/>
+          <dgm:constr type="b" for="ch" forName="ThreeNodes_1_text" refType="b" refFor="ch" refForName="ThreeNodes_1"/>
+          <dgm:constr type="l" for="ch" forName="ThreeNodes_1_text" refType="l" refFor="ch" refForName="ThreeNodes_1"/>
+          <dgm:constr type="r" for="ch" forName="ThreeNodes_2_text" refType="l" refFor="ch" refForName="ThreeConn_1-2"/>
+          <dgm:constr type="t" for="ch" forName="ThreeNodes_2_text" refType="t" refFor="ch" refForName="ThreeNodes_2"/>
+          <dgm:constr type="b" for="ch" forName="ThreeNodes_2_text" refType="b" refFor="ch" refForName="ThreeNodes_2"/>
+          <dgm:constr type="l" for="ch" forName="ThreeNodes_2_text" refType="l" refFor="ch" refForName="ThreeNodes_2"/>
+          <dgm:constr type="r" for="ch" forName="ThreeNodes_3_text" refType="l" refFor="ch" refForName="ThreeConn_2-3"/>
+          <dgm:constr type="t" for="ch" forName="ThreeNodes_3_text" refType="t" refFor="ch" refForName="ThreeNodes_3"/>
+          <dgm:constr type="b" for="ch" forName="ThreeNodes_3_text" refType="b" refFor="ch" refForName="ThreeNodes_3"/>
+          <dgm:constr type="l" for="ch" forName="ThreeNodes_3_text" refType="l" refFor="ch" refForName="ThreeNodes_3"/>
+          <dgm:constr type="w" for="ch" forName="FourNodes_1" refType="w" fact="0.8"/>
+          <dgm:constr type="h" for="ch" forName="FourNodes_1" refType="h" fact="0.22"/>
+          <dgm:constr type="t" for="ch" forName="FourNodes_1"/>
+          <dgm:constr type="l" for="ch" forName="FourNodes_1"/>
+          <dgm:constr type="w" for="ch" forName="FourNodes_2" refType="w" fact="0.8"/>
+          <dgm:constr type="h" for="ch" forName="FourNodes_2" refType="h" fact="0.22"/>
+          <dgm:constr type="ctrY" for="ch" forName="FourNodes_2" refType="h" fact="0.37"/>
+          <dgm:constr type="ctrX" for="ch" forName="FourNodes_2" refType="w" fact="0.467"/>
+          <dgm:constr type="w" for="ch" forName="FourNodes_3" refType="w" fact="0.8"/>
+          <dgm:constr type="h" for="ch" forName="FourNodes_3" refType="h" fact="0.22"/>
+          <dgm:constr type="ctrY" for="ch" forName="FourNodes_3" refType="h" fact="0.63"/>
+          <dgm:constr type="ctrX" for="ch" forName="FourNodes_3" refType="w" fact="0.533"/>
+          <dgm:constr type="w" for="ch" forName="FourNodes_4" refType="w" fact="0.8"/>
+          <dgm:constr type="h" for="ch" forName="FourNodes_4" refType="h" fact="0.22"/>
+          <dgm:constr type="b" for="ch" forName="FourNodes_4" refType="h"/>
+          <dgm:constr type="r" for="ch" forName="FourNodes_4" refType="w"/>
+          <dgm:constr type="w" for="ch" forName="FourConn_1-2" refType="h" refFor="ch" refForName="FourNodes_1" fact="0.65"/>
+          <dgm:constr type="h" for="ch" forName="FourConn_1-2" refType="h" refFor="ch" refForName="FourNodes_1" fact="0.65"/>
+          <dgm:constr type="ctrY" for="ch" forName="FourConn_1-2" refType="h" fact="0.24"/>
+          <dgm:constr type="r" for="ch" forName="FourConn_1-2" refType="r" refFor="ch" refForName="FourNodes_1"/>
+          <dgm:constr type="w" for="ch" forName="FourConn_2-3" refType="h" refFor="ch" refForName="FourNodes_2" fact="0.65"/>
+          <dgm:constr type="h" for="ch" forName="FourConn_2-3" refType="h" refFor="ch" refForName="FourNodes_2" fact="0.65"/>
+          <dgm:constr type="ctrY" for="ch" forName="FourConn_2-3" refType="h" fact="0.5"/>
+          <dgm:constr type="r" for="ch" forName="FourConn_2-3" refType="r" refFor="ch" refForName="FourNodes_2"/>
+          <dgm:constr type="w" for="ch" forName="FourConn_3-4" refType="h" refFor="ch" refForName="FourNodes_3" fact="0.65"/>
+          <dgm:constr type="h" for="ch" forName="FourConn_3-4" refType="h" refFor="ch" refForName="FourNodes_3" fact="0.65"/>
+          <dgm:constr type="ctrY" for="ch" forName="FourConn_3-4" refType="h" fact="0.76"/>
+          <dgm:constr type="r" for="ch" forName="FourConn_3-4" refType="r" refFor="ch" refForName="FourNodes_3"/>
+          <dgm:constr type="r" for="ch" forName="FourNodes_1_text" refType="l" refFor="ch" refForName="FourConn_1-2"/>
+          <dgm:constr type="rOff" for="ch" forName="FourNodes_1_text" refType="w" refFor="ch" refForName="FourConn_1-2" fact="-0.7"/>
+          <dgm:constr type="t" for="ch" forName="FourNodes_1_text" refType="t" refFor="ch" refForName="FourNodes_1"/>
+          <dgm:constr type="b" for="ch" forName="FourNodes_1_text" refType="b" refFor="ch" refForName="FourNodes_1"/>
+          <dgm:constr type="l" for="ch" forName="FourNodes_1_text" refType="l" refFor="ch" refForName="FourNodes_1"/>
+          <dgm:constr type="r" for="ch" forName="FourNodes_2_text" refType="l" refFor="ch" refForName="FourConn_1-2"/>
+          <dgm:constr type="t" for="ch" forName="FourNodes_2_text" refType="t" refFor="ch" refForName="FourNodes_2"/>
+          <dgm:constr type="b" for="ch" forName="FourNodes_2_text" refType="b" refFor="ch" refForName="FourNodes_2"/>
+          <dgm:constr type="l" for="ch" forName="FourNodes_2_text" refType="l" refFor="ch" refForName="FourNodes_2"/>
+          <dgm:constr type="r" for="ch" forName="FourNodes_3_text" refType="l" refFor="ch" refForName="FourConn_2-3"/>
+          <dgm:constr type="t" for="ch" forName="FourNodes_3_text" refType="t" refFor="ch" refForName="FourNodes_3"/>
+          <dgm:constr type="b" for="ch" forName="FourNodes_3_text" refType="b" refFor="ch" refForName="FourNodes_3"/>
+          <dgm:constr type="l" for="ch" forName="FourNodes_3_text" refType="l" refFor="ch" refForName="FourNodes_3"/>
+          <dgm:constr type="r" for="ch" forName="FourNodes_4_text" refType="l" refFor="ch" refForName="FourConn_3-4"/>
+          <dgm:constr type="t" for="ch" forName="FourNodes_4_text" refType="t" refFor="ch" refForName="FourNodes_4"/>
+          <dgm:constr type="b" for="ch" forName="FourNodes_4_text" refType="b" refFor="ch" refForName="FourNodes_4"/>
+          <dgm:constr type="l" for="ch" forName="FourNodes_4_text" refType="l" refFor="ch" refForName="FourNodes_4"/>
+          <dgm:constr type="w" for="ch" forName="FiveNodes_1" refType="w" fact="0.77"/>
+          <dgm:constr type="h" for="ch" forName="FiveNodes_1" refType="h" fact="0.18"/>
+          <dgm:constr type="t" for="ch" forName="FiveNodes_1"/>
+          <dgm:constr type="l" for="ch" forName="FiveNodes_1"/>
+          <dgm:constr type="w" for="ch" forName="FiveNodes_2" refType="w" fact="0.77"/>
+          <dgm:constr type="h" for="ch" forName="FiveNodes_2" refType="h" fact="0.18"/>
+          <dgm:constr type="ctrY" for="ch" forName="FiveNodes_2" refType="h" fact="0.295"/>
+          <dgm:constr type="ctrX" for="ch" forName="FiveNodes_2" refType="w" fact="0.4425"/>
+          <dgm:constr type="w" for="ch" forName="FiveNodes_3" refType="w" fact="0.77"/>
+          <dgm:constr type="h" for="ch" forName="FiveNodes_3" refType="h" fact="0.18"/>
+          <dgm:constr type="ctrY" for="ch" forName="FiveNodes_3" refType="h" fact="0.5"/>
+          <dgm:constr type="ctrX" for="ch" forName="FiveNodes_3" refType="w" fact="0.5"/>
+          <dgm:constr type="w" for="ch" forName="FiveNodes_4" refType="w" fact="0.77"/>
+          <dgm:constr type="h" for="ch" forName="FiveNodes_4" refType="h" fact="0.18"/>
+          <dgm:constr type="ctrY" for="ch" forName="FiveNodes_4" refType="h" fact="0.705"/>
+          <dgm:constr type="ctrX" for="ch" forName="FiveNodes_4" refType="w" fact="0.5575"/>
+          <dgm:constr type="w" for="ch" forName="FiveNodes_5" refType="w" fact="0.77"/>
+          <dgm:constr type="h" for="ch" forName="FiveNodes_5" refType="h" fact="0.18"/>
+          <dgm:constr type="b" for="ch" forName="FiveNodes_5" refType="h"/>
+          <dgm:constr type="r" for="ch" forName="FiveNodes_5" refType="w"/>
+          <dgm:constr type="w" for="ch" forName="FiveConn_1-2" refType="h" refFor="ch" refForName="FiveNodes_1" fact="0.65"/>
+          <dgm:constr type="h" for="ch" forName="FiveConn_1-2" refType="h" refFor="ch" refForName="FiveNodes_1" fact="0.65"/>
+          <dgm:constr type="ctrY" for="ch" forName="FiveConn_1-2" refType="h" fact="0.19"/>
+          <dgm:constr type="r" for="ch" forName="FiveConn_1-2" refType="r" refFor="ch" refForName="FiveNodes_1"/>
+          <dgm:constr type="w" for="ch" forName="FiveConn_2-3" refType="h" refFor="ch" refForName="FiveNodes_2" fact="0.65"/>
+          <dgm:constr type="h" for="ch" forName="FiveConn_2-3" refType="h" refFor="ch" refForName="FiveNodes_2" fact="0.65"/>
+          <dgm:constr type="ctrY" for="ch" forName="FiveConn_2-3" refType="h" fact="0.395"/>
+          <dgm:constr type="r" for="ch" forName="FiveConn_2-3" refType="r" refFor="ch" refForName="FiveNodes_2"/>
+          <dgm:constr type="w" for="ch" forName="FiveConn_3-4" refType="h" refFor="ch" refForName="FiveNodes_3" fact="0.65"/>
+          <dgm:constr type="h" for="ch" forName="FiveConn_3-4" refType="h" refFor="ch" refForName="FiveNodes_3" fact="0.65"/>
+          <dgm:constr type="ctrY" for="ch" forName="FiveConn_3-4" refType="h" fact="0.597"/>
+          <dgm:constr type="r" for="ch" forName="FiveConn_3-4" refType="r" refFor="ch" refForName="FiveNodes_3"/>
+          <dgm:constr type="w" for="ch" forName="FiveConn_4-5" refType="h" refFor="ch" refForName="FiveNodes_4" fact="0.65"/>
+          <dgm:constr type="h" for="ch" forName="FiveConn_4-5" refType="h" refFor="ch" refForName="FiveNodes_4" fact="0.65"/>
+          <dgm:constr type="ctrY" for="ch" forName="FiveConn_4-5" refType="h" fact="0.804"/>
+          <dgm:constr type="r" for="ch" forName="FiveConn_4-5" refType="r" refFor="ch" refForName="FiveNodes_4"/>
+          <dgm:constr type="r" for="ch" forName="FiveNodes_1_text" refType="l" refFor="ch" refForName="FiveConn_1-2"/>
+          <dgm:constr type="rOff" for="ch" forName="FiveNodes_1_text" refType="w" refFor="ch" refForName="FiveConn_1-2" fact="-0.75"/>
+          <dgm:constr type="t" for="ch" forName="FiveNodes_1_text" refType="t" refFor="ch" refForName="FiveNodes_1"/>
+          <dgm:constr type="b" for="ch" forName="FiveNodes_1_text" refType="b" refFor="ch" refForName="FiveNodes_1"/>
+          <dgm:constr type="l" for="ch" forName="FiveNodes_1_text" refType="l" refFor="ch" refForName="FiveNodes_1"/>
+          <dgm:constr type="r" for="ch" forName="FiveNodes_2_text" refType="l" refFor="ch" refForName="FiveConn_1-2"/>
+          <dgm:constr type="t" for="ch" forName="FiveNodes_2_text" refType="t" refFor="ch" refForName="FiveNodes_2"/>
+          <dgm:constr type="b" for="ch" forName="FiveNodes_2_text" refType="b" refFor="ch" refForName="FiveNodes_2"/>
+          <dgm:constr type="l" for="ch" forName="FiveNodes_2_text" refType="l" refFor="ch" refForName="FiveNodes_2"/>
+          <dgm:constr type="r" for="ch" forName="FiveNodes_3_text" refType="l" refFor="ch" refForName="FiveConn_2-3"/>
+          <dgm:constr type="t" for="ch" forName="FiveNodes_3_text" refType="t" refFor="ch" refForName="FiveNodes_3"/>
+          <dgm:constr type="b" for="ch" forName="FiveNodes_3_text" refType="b" refFor="ch" refForName="FiveNodes_3"/>
+          <dgm:constr type="l" for="ch" forName="FiveNodes_3_text" refType="l" refFor="ch" refForName="FiveNodes_3"/>
+          <dgm:constr type="r" for="ch" forName="FiveNodes_4_text" refType="l" refFor="ch" refForName="FiveConn_3-4"/>
+          <dgm:constr type="t" for="ch" forName="FiveNodes_4_text" refType="t" refFor="ch" refForName="FiveNodes_4"/>
+          <dgm:constr type="b" for="ch" forName="FiveNodes_4_text" refType="b" refFor="ch" refForName="FiveNodes_4"/>
+          <dgm:constr type="l" for="ch" forName="FiveNodes_4_text" refType="l" refFor="ch" refForName="FiveNodes_4"/>
+          <dgm:constr type="r" for="ch" forName="FiveNodes_5_text" refType="l" refFor="ch" refForName="FiveConn_4-5"/>
+          <dgm:constr type="t" for="ch" forName="FiveNodes_5_text" refType="t" refFor="ch" refForName="FiveNodes_5"/>
+          <dgm:constr type="b" for="ch" forName="FiveNodes_5_text" refType="b" refFor="ch" refForName="FiveNodes_5"/>
+          <dgm:constr type="l" for="ch" forName="FiveNodes_5_text" refType="l" refFor="ch" refForName="FiveNodes_5"/>
+        </dgm:constrLst>
+      </dgm:if>
+      <dgm:else name="Name2">
+        <dgm:constrLst>
+          <dgm:constr type="primFontSz" for="ch" ptType="node" op="equ" val="65"/>
+          <dgm:constr type="w" for="ch" forName="dummyMaxCanvas" refType="w"/>
+          <dgm:constr type="h" for="ch" forName="dummyMaxCanvas" refType="h"/>
+          <dgm:constr type="w" for="ch" forName="OneNode_1" refType="w"/>
+          <dgm:constr type="h" for="ch" forName="OneNode_1" refType="h" fact="0.5"/>
+          <dgm:constr type="ctrY" for="ch" forName="OneNode_1" refType="h" fact="0.5"/>
+          <dgm:constr type="w" for="ch" forName="TwoNodes_1" refType="w" fact="0.85"/>
+          <dgm:constr type="h" for="ch" forName="TwoNodes_1" refType="h" fact="0.45"/>
+          <dgm:constr type="t" for="ch" forName="TwoNodes_1"/>
+          <dgm:constr type="r" for="ch" forName="TwoNodes_1" refType="w"/>
+          <dgm:constr type="w" for="ch" forName="TwoNodes_2" refType="w" fact="0.85"/>
+          <dgm:constr type="h" for="ch" forName="TwoNodes_2" refType="h" fact="0.45"/>
+          <dgm:constr type="b" for="ch" forName="TwoNodes_2" refType="h"/>
+          <dgm:constr type="l" for="ch" forName="TwoNodes_2"/>
+          <dgm:constr type="w" for="ch" forName="TwoConn_1-2" refType="h" refFor="ch" refForName="TwoNodes_1" fact="0.65"/>
+          <dgm:constr type="h" for="ch" forName="TwoConn_1-2" refType="h" refFor="ch" refForName="TwoNodes_1" fact="0.65"/>
+          <dgm:constr type="ctrY" for="ch" forName="TwoConn_1-2" refType="h" fact="0.5"/>
+          <dgm:constr type="l" for="ch" forName="TwoConn_1-2" refType="l" refFor="ch" refForName="TwoNodes_1"/>
+          <dgm:constr type="l" for="ch" forName="TwoNodes_1_text" refType="r" refFor="ch" refForName="TwoConn_1-2"/>
+          <dgm:constr type="lOff" for="ch" forName="TwoNodes_1_text" refType="w" refFor="ch" refForName="TwoConn_1-2" fact="0.5"/>
+          <dgm:constr type="t" for="ch" forName="TwoNodes_1_text" refType="t" refFor="ch" refForName="TwoNodes_1"/>
+          <dgm:constr type="b" for="ch" forName="TwoNodes_1_text" refType="b" refFor="ch" refForName="TwoNodes_1"/>
+          <dgm:constr type="r" for="ch" forName="TwoNodes_1_text" refType="r" refFor="ch" refForName="TwoNodes_1"/>
+          <dgm:constr type="l" for="ch" forName="TwoNodes_2_text" refType="r" refFor="ch" refForName="TwoConn_1-2"/>
+          <dgm:constr type="t" for="ch" forName="TwoNodes_2_text" refType="t" refFor="ch" refForName="TwoNodes_2"/>
+          <dgm:constr type="b" for="ch" forName="TwoNodes_2_text" refType="b" refFor="ch" refForName="TwoNodes_2"/>
+          <dgm:constr type="r" for="ch" forName="TwoNodes_2_text" refType="r" refFor="ch" refForName="TwoNodes_2"/>
+          <dgm:constr type="w" for="ch" forName="ThreeNodes_1" refType="w" fact="0.85"/>
+          <dgm:constr type="h" for="ch" forName="ThreeNodes_1" refType="h" fact="0.3"/>
+          <dgm:constr type="t" for="ch" forName="ThreeNodes_1"/>
+          <dgm:constr type="r" for="ch" forName="ThreeNodes_1" refType="w"/>
+          <dgm:constr type="w" for="ch" forName="ThreeNodes_2" refType="w" fact="0.85"/>
+          <dgm:constr type="h" for="ch" forName="ThreeNodes_2" refType="h" fact="0.3"/>
+          <dgm:constr type="ctrY" for="ch" forName="ThreeNodes_2" refType="h" fact="0.5"/>
+          <dgm:constr type="ctrX" for="ch" forName="ThreeNodes_2" refType="w" fact="0.5"/>
+          <dgm:constr type="w" for="ch" forName="ThreeNodes_3" refType="w" fact="0.85"/>
+          <dgm:constr type="h" for="ch" forName="ThreeNodes_3" refType="h" fact="0.3"/>
+          <dgm:constr type="b" for="ch" forName="ThreeNodes_3" refType="h"/>
+          <dgm:constr type="l" for="ch" forName="ThreeNodes_3"/>
+          <dgm:constr type="w" for="ch" forName="ThreeConn_1-2" refType="h" refFor="ch" refForName="ThreeNodes_1" fact="0.65"/>
+          <dgm:constr type="h" for="ch" forName="ThreeConn_1-2" refType="h" refFor="ch" refForName="ThreeNodes_1" fact="0.65"/>
+          <dgm:constr type="ctrY" for="ch" forName="ThreeConn_1-2" refType="h" fact="0.325"/>
+          <dgm:constr type="l" for="ch" forName="ThreeConn_1-2" refType="l" refFor="ch" refForName="ThreeNodes_1"/>
+          <dgm:constr type="w" for="ch" forName="ThreeConn_2-3" refType="h" refFor="ch" refForName="ThreeNodes_2" fact="0.65"/>
+          <dgm:constr type="h" for="ch" forName="ThreeConn_2-3" refType="h" refFor="ch" refForName="ThreeNodes_2" fact="0.65"/>
+          <dgm:constr type="ctrY" for="ch" forName="ThreeConn_2-3" refType="h" fact="0.673"/>
+          <dgm:constr type="l" for="ch" forName="ThreeConn_2-3" refType="l" refFor="ch" refForName="ThreeNodes_2"/>
+          <dgm:constr type="l" for="ch" forName="ThreeNodes_1_text" refType="r" refFor="ch" refForName="ThreeConn_1-2"/>
+          <dgm:constr type="lOff" for="ch" forName="ThreeNodes_1_text" refType="w" refFor="ch" refForName="ThreeConn_1-2" fact="0.55"/>
+          <dgm:constr type="t" for="ch" forName="ThreeNodes_1_text" refType="t" refFor="ch" refForName="ThreeNodes_1"/>
+          <dgm:constr type="b" for="ch" forName="ThreeNodes_1_text" refType="b" refFor="ch" refForName="ThreeNodes_1"/>
+          <dgm:constr type="r" for="ch" forName="ThreeNodes_1_text" refType="r" refFor="ch" refForName="ThreeNodes_1"/>
+          <dgm:constr type="l" for="ch" forName="ThreeNodes_2_text" refType="r" refFor="ch" refForName="ThreeConn_1-2"/>
+          <dgm:constr type="t" for="ch" forName="ThreeNodes_2_text" refType="t" refFor="ch" refForName="ThreeNodes_2"/>
+          <dgm:constr type="b" for="ch" forName="ThreeNodes_2_text" refType="b" refFor="ch" refForName="ThreeNodes_2"/>
+          <dgm:constr type="r" for="ch" forName="ThreeNodes_2_text" refType="r" refFor="ch" refForName="ThreeNodes_2"/>
+          <dgm:constr type="l" for="ch" forName="ThreeNodes_3_text" refType="r" refFor="ch" refForName="ThreeConn_2-3"/>
+          <dgm:constr type="t" for="ch" forName="ThreeNodes_3_text" refType="t" refFor="ch" refForName="ThreeNodes_3"/>
+          <dgm:constr type="b" for="ch" forName="ThreeNodes_3_text" refType="b" refFor="ch" refForName="ThreeNodes_3"/>
+          <dgm:constr type="r" for="ch" forName="ThreeNodes_3_text" refType="r" refFor="ch" refForName="ThreeNodes_3"/>
+          <dgm:constr type="w" for="ch" forName="FourNodes_1" refType="w" fact="0.8"/>
+          <dgm:constr type="h" for="ch" forName="FourNodes_1" refType="h" fact="0.22"/>
+          <dgm:constr type="t" for="ch" forName="FourNodes_1"/>
+          <dgm:constr type="r" for="ch" forName="FourNodes_1" refType="w"/>
+          <dgm:constr type="w" for="ch" forName="FourNodes_2" refType="w" fact="0.8"/>
+          <dgm:constr type="h" for="ch" forName="FourNodes_2" refType="h" fact="0.22"/>
+          <dgm:constr type="ctrY" for="ch" forName="FourNodes_2" refType="h" fact="0.37"/>
+          <dgm:constr type="ctrX" for="ch" forName="FourNodes_2" refType="w" fact="0.533"/>
+          <dgm:constr type="w" for="ch" forName="FourNodes_3" refType="w" fact="0.8"/>
+          <dgm:constr type="h" for="ch" forName="FourNodes_3" refType="h" fact="0.22"/>
+          <dgm:constr type="ctrY" for="ch" forName="FourNodes_3" refType="h" fact="0.63"/>
+          <dgm:constr type="ctrX" for="ch" forName="FourNodes_3" refType="w" fact="0.467"/>
+          <dgm:constr type="w" for="ch" forName="FourNodes_4" refType="w" fact="0.8"/>
+          <dgm:constr type="h" for="ch" forName="FourNodes_4" refType="h" fact="0.22"/>
+          <dgm:constr type="b" for="ch" forName="FourNodes_4" refType="h"/>
+          <dgm:constr type="l" for="ch" forName="FourNodes_4"/>
+          <dgm:constr type="w" for="ch" forName="FourConn_1-2" refType="h" refFor="ch" refForName="FourNodes_1" fact="0.65"/>
+          <dgm:constr type="h" for="ch" forName="FourConn_1-2" refType="h" refFor="ch" refForName="FourNodes_1" fact="0.65"/>
+          <dgm:constr type="ctrY" for="ch" forName="FourConn_1-2" refType="h" fact="0.24"/>
+          <dgm:constr type="l" for="ch" forName="FourConn_1-2" refType="l" refFor="ch" refForName="FourNodes_1"/>
+          <dgm:constr type="w" for="ch" forName="FourConn_2-3" refType="h" refFor="ch" refForName="FourNodes_2" fact="0.65"/>
+          <dgm:constr type="h" for="ch" forName="FourConn_2-3" refType="h" refFor="ch" refForName="FourNodes_2" fact="0.65"/>
+          <dgm:constr type="ctrY" for="ch" forName="FourConn_2-3" refType="h" fact="0.5"/>
+          <dgm:constr type="l" for="ch" forName="FourConn_2-3" refType="l" refFor="ch" refForName="FourNodes_2"/>
+          <dgm:constr type="w" for="ch" forName="FourConn_3-4" refType="h" refFor="ch" refForName="FourNodes_3" fact="0.65"/>
+          <dgm:constr type="h" for="ch" forName="FourConn_3-4" refType="h" refFor="ch" refForName="FourNodes_3" fact="0.65"/>
+          <dgm:constr type="ctrY" for="ch" forName="FourConn_3-4" refType="h" fact="0.76"/>
+          <dgm:constr type="l" for="ch" forName="FourConn_3-4" refType="l" refFor="ch" refForName="FourNodes_3"/>
+          <dgm:constr type="l" for="ch" forName="FourNodes_1_text" refType="r" refFor="ch" refForName="FourConn_1-2"/>
+          <dgm:constr type="lOff" for="ch" forName="FourNodes_1_text" refType="w" refFor="ch" refForName="FourConn_1-2" fact="0.69"/>
+          <dgm:constr type="t" for="ch" forName="FourNodes_1_text" refType="t" refFor="ch" refForName="FourNodes_1"/>
+          <dgm:constr type="b" for="ch" forName="FourNodes_1_text" refType="b" refFor="ch" refForName="FourNodes_1"/>
+          <dgm:constr type="r" for="ch" forName="FourNodes_1_text" refType="r" refFor="ch" refForName="FourNodes_1"/>
+          <dgm:constr type="l" for="ch" forName="FourNodes_2_text" refType="r" refFor="ch" refForName="FourConn_1-2"/>
+          <dgm:constr type="t" for="ch" forName="FourNodes_2_text" refType="t" refFor="ch" refForName="FourNodes_2"/>
+          <dgm:constr type="b" for="ch" forName="FourNodes_2_text" refType="b" refFor="ch" refForName="FourNodes_2"/>
+          <dgm:constr type="r" for="ch" forName="FourNodes_2_text" refType="r" refFor="ch" refForName="FourNodes_2"/>
+          <dgm:constr type="l" for="ch" forName="FourNodes_3_text" refType="r" refFor="ch" refForName="FourConn_2-3"/>
+          <dgm:constr type="t" for="ch" forName="FourNodes_3_text" refType="t" refFor="ch" refForName="FourNodes_3"/>
+          <dgm:constr type="b" for="ch" forName="FourNodes_3_text" refType="b" refFor="ch" refForName="FourNodes_3"/>
+          <dgm:constr type="r" for="ch" forName="FourNodes_3_text" refType="r" refFor="ch" refForName="FourNodes_3"/>
+          <dgm:constr type="l" for="ch" forName="FourNodes_4_text" refType="r" refFor="ch" refForName="FourConn_3-4"/>
+          <dgm:constr type="t" for="ch" forName="FourNodes_4_text" refType="t" refFor="ch" refForName="FourNodes_4"/>
+          <dgm:constr type="b" for="ch" forName="FourNodes_4_text" refType="b" refFor="ch" refForName="FourNodes_4"/>
+          <dgm:constr type="r" for="ch" forName="FourNodes_4_text" refType="r" refFor="ch" refForName="FourNodes_4"/>
+          <dgm:constr type="w" for="ch" forName="FiveNodes_1" refType="w" fact="0.77"/>
+          <dgm:constr type="h" for="ch" forName="FiveNodes_1" refType="h" fact="0.18"/>
+          <dgm:constr type="t" for="ch" forName="FiveNodes_1"/>
+          <dgm:constr type="r" for="ch" forName="FiveNodes_1" refType="w"/>
+          <dgm:constr type="w" for="ch" forName="FiveNodes_2" refType="w" fact="0.77"/>
+          <dgm:constr type="h" for="ch" forName="FiveNodes_2" refType="h" fact="0.18"/>
+          <dgm:constr type="ctrY" for="ch" forName="FiveNodes_2" refType="h" fact="0.295"/>
+          <dgm:constr type="ctrX" for="ch" forName="FiveNodes_2" refType="w" fact="0.5575"/>
+          <dgm:constr type="w" for="ch" forName="FiveNodes_3" refType="w" fact="0.77"/>
+          <dgm:constr type="h" for="ch" forName="FiveNodes_3" refType="h" fact="0.18"/>
+          <dgm:constr type="ctrY" for="ch" forName="FiveNodes_3" refType="h" fact="0.5"/>
+          <dgm:constr type="ctrX" for="ch" forName="FiveNodes_3" refType="w" fact="0.5"/>
+          <dgm:constr type="w" for="ch" forName="FiveNodes_4" refType="w" fact="0.77"/>
+          <dgm:constr type="h" for="ch" forName="FiveNodes_4" refType="h" fact="0.18"/>
+          <dgm:constr type="ctrY" for="ch" forName="FiveNodes_4" refType="h" fact="0.705"/>
+          <dgm:constr type="ctrX" for="ch" forName="FiveNodes_4" refType="w" fact="0.4425"/>
+          <dgm:constr type="w" for="ch" forName="FiveNodes_5" refType="w" fact="0.77"/>
+          <dgm:constr type="h" for="ch" forName="FiveNodes_5" refType="h" fact="0.18"/>
+          <dgm:constr type="b" for="ch" forName="FiveNodes_5" refType="h"/>
+          <dgm:constr type="l" for="ch" forName="FiveNodes_5"/>
+          <dgm:constr type="w" for="ch" forName="FiveConn_1-2" refType="h" refFor="ch" refForName="FiveNodes_1" fact="0.65"/>
+          <dgm:constr type="h" for="ch" forName="FiveConn_1-2" refType="h" refFor="ch" refForName="FiveNodes_1" fact="0.65"/>
+          <dgm:constr type="ctrY" for="ch" forName="FiveConn_1-2" refType="h" fact="0.19"/>
+          <dgm:constr type="l" for="ch" forName="FiveConn_1-2" refType="l" refFor="ch" refForName="FiveNodes_1"/>
+          <dgm:constr type="w" for="ch" forName="FiveConn_2-3" refType="h" refFor="ch" refForName="FiveNodes_2" fact="0.65"/>
+          <dgm:constr type="h" for="ch" forName="FiveConn_2-3" refType="h" refFor="ch" refForName="FiveNodes_2" fact="0.65"/>
+          <dgm:constr type="ctrY" for="ch" forName="FiveConn_2-3" refType="h" fact="0.395"/>
+          <dgm:constr type="l" for="ch" forName="FiveConn_2-3" refType="l" refFor="ch" refForName="FiveNodes_2"/>
+          <dgm:constr type="w" for="ch" forName="FiveConn_3-4" refType="h" refFor="ch" refForName="FiveNodes_3" fact="0.65"/>
+          <dgm:constr type="h" for="ch" forName="FiveConn_3-4" refType="h" refFor="ch" refForName="FiveNodes_3" fact="0.65"/>
+          <dgm:constr type="ctrY" for="ch" forName="FiveConn_3-4" refType="h" fact="0.597"/>
+          <dgm:constr type="l" for="ch" forName="FiveConn_3-4" refType="l" refFor="ch" refForName="FiveNodes_3"/>
+          <dgm:constr type="w" for="ch" forName="FiveConn_4-5" refType="h" refFor="ch" refForName="FiveNodes_4" fact="0.65"/>
+          <dgm:constr type="h" for="ch" forName="FiveConn_4-5" refType="h" refFor="ch" refForName="FiveNodes_4" fact="0.65"/>
+          <dgm:constr type="ctrY" for="ch" forName="FiveConn_4-5" refType="h" fact="0.804"/>
+          <dgm:constr type="l" for="ch" forName="FiveConn_4-5" refType="l" refFor="ch" refForName="FiveNodes_4"/>
+          <dgm:constr type="l" for="ch" forName="FiveNodes_1_text" refType="r" refFor="ch" refForName="FiveConn_1-2"/>
+          <dgm:constr type="lOff" for="ch" forName="FiveNodes_1_text" refType="w" refFor="ch" refForName="FiveConn_1-2" fact="0.73"/>
+          <dgm:constr type="t" for="ch" forName="FiveNodes_1_text" refType="t" refFor="ch" refForName="FiveNodes_1"/>
+          <dgm:constr type="b" for="ch" forName="FiveNodes_1_text" refType="b" refFor="ch" refForName="FiveNodes_1"/>
+          <dgm:constr type="r" for="ch" forName="FiveNodes_1_text" refType="r" refFor="ch" refForName="FiveNodes_1"/>
+          <dgm:constr type="l" for="ch" forName="FiveNodes_2_text" refType="r" refFor="ch" refForName="FiveConn_1-2"/>
+          <dgm:constr type="t" for="ch" forName="FiveNodes_2_text" refType="t" refFor="ch" refForName="FiveNodes_2"/>
+          <dgm:constr type="b" for="ch" forName="FiveNodes_2_text" refType="b" refFor="ch" refForName="FiveNodes_2"/>
+          <dgm:constr type="r" for="ch" forName="FiveNodes_2_text" refType="r" refFor="ch" refForName="FiveNodes_2"/>
+          <dgm:constr type="l" for="ch" forName="FiveNodes_3_text" refType="r" refFor="ch" refForName="FiveConn_2-3"/>
+          <dgm:constr type="t" for="ch" forName="FiveNodes_3_text" refType="t" refFor="ch" refForName="FiveNodes_3"/>
+          <dgm:constr type="b" for="ch" forName="FiveNodes_3_text" refType="b" refFor="ch" refForName="FiveNodes_3"/>
+          <dgm:constr type="r" for="ch" forName="FiveNodes_3_text" refType="r" refFor="ch" refForName="FiveNodes_3"/>
+          <dgm:constr type="l" for="ch" forName="FiveNodes_4_text" refType="r" refFor="ch" refForName="FiveConn_3-4"/>
+          <dgm:constr type="t" for="ch" forName="FiveNodes_4_text" refType="t" refFor="ch" refForName="FiveNodes_4"/>
+          <dgm:constr type="b" for="ch" forName="FiveNodes_4_text" refType="b" refFor="ch" refForName="FiveNodes_4"/>
+          <dgm:constr type="r" for="ch" forName="FiveNodes_4_text" refType="r" refFor="ch" refForName="FiveNodes_4"/>
+          <dgm:constr type="l" for="ch" forName="FiveNodes_5_text" refType="r" refFor="ch" refForName="FiveConn_4-5"/>
+          <dgm:constr type="t" for="ch" forName="FiveNodes_5_text" refType="t" refFor="ch" refForName="FiveNodes_5"/>
+          <dgm:constr type="b" for="ch" forName="FiveNodes_5_text" refType="b" refFor="ch" refForName="FiveNodes_5"/>
+          <dgm:constr type="r" for="ch" forName="FiveNodes_5_text" refType="r" refFor="ch" refForName="FiveNodes_5"/>
+        </dgm:constrLst>
+      </dgm:else>
+    </dgm:choose>
+    <dgm:ruleLst/>
+    <dgm:layoutNode name="dummyMaxCanvas">
+      <dgm:varLst/>
+      <dgm:alg type="sp"/>
+      <dgm:shape xmlns:r="http://schemas.openxmlformats.org/officeDocument/2006/relationships" r:blip="">
+        <dgm:adjLst/>
+      </dgm:shape>
+      <dgm:presOf/>
+      <dgm:constrLst/>
+      <dgm:ruleLst/>
+    </dgm:layoutNode>
+    <dgm:choose name="Name3">
+      <dgm:if name="Name4" axis="ch" ptType="node" func="cnt" op="equ" val="1">
+        <dgm:layoutNode name="OneNode_1">
+          <dgm:varLst>
+            <dgm:bulletEnabled val="1"/>
+          </dgm:varLst>
+          <dgm:alg type="tx"/>
+          <dgm:shape xmlns:r="http://schemas.openxmlformats.org/officeDocument/2006/relationships" type="roundRect" r:blip="">
+            <dgm:adjLst>
+              <dgm:adj idx="1" val="0.1"/>
+            </dgm:adjLst>
+          </dgm:shape>
+          <dgm:presOf axis="ch desOrSelf" ptType="node node" st="1 1" cnt="1 0"/>
+          <dgm:constrLst>
+            <dgm:constr type="lMarg" refType="primFontSz" fact="0.3"/>
+            <dgm:constr type="rMarg" refType="primFontSz" fact="0.3"/>
+            <dgm:constr type="tMarg" refType="primFontSz" fact="0.3"/>
+            <dgm:constr type="bMarg" refType="primFontSz" fact="0.3"/>
+          </dgm:constrLst>
+          <dgm:ruleLst>
+            <dgm:rule type="primFontSz" val="5" fact="NaN" max="NaN"/>
+          </dgm:ruleLst>
+        </dgm:layoutNode>
+      </dgm:if>
+      <dgm:else name="Name5">
+        <dgm:choose name="Name6">
+          <dgm:if name="Name7" axis="ch" ptType="node" func="cnt" op="equ" val="2">
+            <dgm:layoutNode name="TwoNodes_1">
+              <dgm:varLst>
+                <dgm:bulletEnabled val="1"/>
+              </dgm:varLst>
+              <dgm:alg type="sp"/>
+              <dgm:shape xmlns:r="http://schemas.openxmlformats.org/officeDocument/2006/relationships" type="roundRect" r:blip="">
+                <dgm:adjLst>
+                  <dgm:adj idx="1" val="0.1"/>
+                </dgm:adjLst>
+              </dgm:shape>
+              <dgm:presOf axis="ch desOrSelf" ptType="node node" st="1 1" cnt="1 0"/>
+              <dgm:constrLst/>
+              <dgm:ruleLst/>
+            </dgm:layoutNode>
+            <dgm:layoutNode name="TwoNodes_2">
+              <dgm:varLst>
+                <dgm:bulletEnabled val="1"/>
+              </dgm:varLst>
+              <dgm:alg type="sp"/>
+              <dgm:shape xmlns:r="http://schemas.openxmlformats.org/officeDocument/2006/relationships" type="roundRect" r:blip="">
+                <dgm:adjLst>
+                  <dgm:adj idx="1" val="0.1"/>
+                </dgm:adjLst>
+              </dgm:shape>
+              <dgm:presOf axis="ch desOrSelf" ptType="node node" st="2 1" cnt="1 0"/>
+              <dgm:constrLst/>
+              <dgm:ruleLst/>
+            </dgm:layoutNode>
+            <dgm:layoutNode name="TwoConn_1-2" styleLbl="fgAccFollowNode1">
+              <dgm:varLst>
+                <dgm:bulletEnabled val="1"/>
+              </dgm:varLst>
+              <dgm:alg type="tx"/>
+              <dgm:shape xmlns:r="http://schemas.openxmlformats.org/officeDocument/2006/relationships" type="downArrow" r:blip="">
+                <dgm:adjLst>
+                  <dgm:adj idx="1" val="0.55"/>
+                  <dgm:adj idx="2" val="0.45"/>
+                </dgm:adjLst>
+              </dgm:shape>
+              <dgm:presOf axis="ch" ptType="sibTrans" cnt="1"/>
+              <dgm:constrLst>
+                <dgm:constr type="lMarg" refType="primFontSz" fact="0.1"/>
+                <dgm:constr type="rMarg" refType="primFontSz" fact="0.1"/>
+                <dgm:constr type="tMarg" refType="primFontSz" fact="0.1"/>
+                <dgm:constr type="bMarg" refType="primFontSz" fact="0.1"/>
+              </dgm:constrLst>
+              <dgm:ruleLst>
+                <dgm:rule type="primFontSz" val="5" fact="NaN" max="NaN"/>
+              </dgm:ruleLst>
+            </dgm:layoutNode>
+            <dgm:layoutNode name="TwoNodes_1_text">
+              <dgm:varLst>
+                <dgm:bulletEnabled val="1"/>
+              </dgm:varLst>
+              <dgm:alg type="tx">
+                <dgm:param type="parTxLTRAlign" val="l"/>
+                <dgm:param type="txAnchorVertCh" val="mid"/>
+              </dgm:alg>
+              <dgm:shape xmlns:r="http://schemas.openxmlformats.org/officeDocument/2006/relationships" type="roundRect" r:blip="" hideGeom="1">
+                <dgm:adjLst>
+                  <dgm:adj idx="1" val="0.1"/>
+                </dgm:adjLst>
+              </dgm:shape>
+              <dgm:presOf axis="ch desOrSelf" ptType="node node" st="1 1" cnt="1 0"/>
+              <dgm:constrLst>
+                <dgm:constr type="lMarg" refType="primFontSz" fact="0.3"/>
+                <dgm:constr type="rMarg" refType="primFontSz" fact="0.3"/>
+                <dgm:constr type="tMarg" refType="primFontSz" fact="0.3"/>
+                <dgm:constr type="bMarg" refType="primFontSz" fact="0.3"/>
+              </dgm:constrLst>
+              <dgm:ruleLst>
+                <dgm:rule type="primFontSz" val="5" fact="NaN" max="NaN"/>
+              </dgm:ruleLst>
+            </dgm:layoutNode>
+            <dgm:layoutNode name="TwoNodes_2_text">
+              <dgm:varLst>
+                <dgm:bulletEnabled val="1"/>
+              </dgm:varLst>
+              <dgm:alg type="tx">
+                <dgm:param type="parTxLTRAlign" val="l"/>
+                <dgm:param type="txAnchorVertCh" val="mid"/>
+              </dgm:alg>
+              <dgm:shape xmlns:r="http://schemas.openxmlformats.org/officeDocument/2006/relationships" type="roundRect" r:blip="" hideGeom="1">
+                <dgm:adjLst>
+                  <dgm:adj idx="1" val="0.1"/>
+                </dgm:adjLst>
+              </dgm:shape>
+              <dgm:presOf axis="ch desOrSelf" ptType="node node" st="2 1" cnt="1 0"/>
+              <dgm:constrLst>
+                <dgm:constr type="lMarg" refType="primFontSz" fact="0.3"/>
+                <dgm:constr type="rMarg" refType="primFontSz" fact="0.3"/>
+                <dgm:constr type="tMarg" refType="primFontSz" fact="0.3"/>
+                <dgm:constr type="bMarg" refType="primFontSz" fact="0.3"/>
+              </dgm:constrLst>
+              <dgm:ruleLst>
+                <dgm:rule type="primFontSz" val="5" fact="NaN" max="NaN"/>
+              </dgm:ruleLst>
+            </dgm:layoutNode>
+          </dgm:if>
+          <dgm:else name="Name8">
+            <dgm:choose name="Name9">
+              <dgm:if name="Name10" axis="ch" ptType="node" func="cnt" op="equ" val="3">
+                <dgm:layoutNode name="ThreeNodes_1">
+                  <dgm:varLst>
+                    <dgm:bulletEnabled val="1"/>
+                  </dgm:varLst>
+                  <dgm:alg type="sp"/>
+                  <dgm:shape xmlns:r="http://schemas.openxmlformats.org/officeDocument/2006/relationships" type="roundRect" r:blip="">
+                    <dgm:adjLst>
+                      <dgm:adj idx="1" val="0.1"/>
+                    </dgm:adjLst>
+                  </dgm:shape>
+                  <dgm:presOf axis="ch desOrSelf" ptType="node node" st="1 1" cnt="1 0"/>
+                  <dgm:constrLst/>
+                  <dgm:ruleLst/>
+                </dgm:layoutNode>
+                <dgm:layoutNode name="ThreeNodes_2">
+                  <dgm:varLst>
+                    <dgm:bulletEnabled val="1"/>
+                  </dgm:varLst>
+                  <dgm:alg type="sp"/>
+                  <dgm:shape xmlns:r="http://schemas.openxmlformats.org/officeDocument/2006/relationships" type="roundRect" r:blip="">
+                    <dgm:adjLst>
+                      <dgm:adj idx="1" val="0.1"/>
+                    </dgm:adjLst>
+                  </dgm:shape>
+                  <dgm:presOf axis="ch desOrSelf" ptType="node node" st="2 1" cnt="1 0"/>
+                  <dgm:constrLst/>
+                  <dgm:ruleLst/>
+                </dgm:layoutNode>
+                <dgm:layoutNode name="ThreeNodes_3">
+                  <dgm:varLst>
+                    <dgm:bulletEnabled val="1"/>
+                  </dgm:varLst>
+                  <dgm:alg type="sp"/>
+                  <dgm:shape xmlns:r="http://schemas.openxmlformats.org/officeDocument/2006/relationships" type="roundRect" r:blip="">
+                    <dgm:adjLst>
+                      <dgm:adj idx="1" val="0.1"/>
+                    </dgm:adjLst>
+                  </dgm:shape>
+                  <dgm:presOf axis="ch desOrSelf" ptType="node node" st="3 1" cnt="1 0"/>
+                  <dgm:constrLst/>
+                  <dgm:ruleLst/>
+                </dgm:layoutNode>
+                <dgm:layoutNode name="ThreeConn_1-2" styleLbl="fgAccFollowNode1">
+                  <dgm:varLst>
+                    <dgm:bulletEnabled val="1"/>
+                  </dgm:varLst>
+                  <dgm:alg type="tx"/>
+                  <dgm:shape xmlns:r="http://schemas.openxmlformats.org/officeDocument/2006/relationships" type="downArrow" r:blip="">
+                    <dgm:adjLst>
+                      <dgm:adj idx="1" val="0.55"/>
+                      <dgm:adj idx="2" val="0.45"/>
+                    </dgm:adjLst>
+                  </dgm:shape>
+                  <dgm:presOf axis="ch" ptType="sibTrans" cnt="1"/>
+                  <dgm:constrLst>
+                    <dgm:constr type="lMarg" refType="primFontSz" fact="0.1"/>
+                    <dgm:constr type="rMarg" refType="primFontSz" fact="0.1"/>
+                    <dgm:constr type="tMarg" refType="primFontSz" fact="0.1"/>
+                    <dgm:constr type="bMarg" refType="primFontSz" fact="0.1"/>
+                  </dgm:constrLst>
+                  <dgm:ruleLst>
+                    <dgm:rule type="primFontSz" val="5" fact="NaN" max="NaN"/>
+                  </dgm:ruleLst>
+                </dgm:layoutNode>
+                <dgm:layoutNode name="ThreeConn_2-3" styleLbl="fgAccFollowNode1">
+                  <dgm:varLst>
+                    <dgm:bulletEnabled val="1"/>
+                  </dgm:varLst>
+                  <dgm:alg type="tx"/>
+                  <dgm:shape xmlns:r="http://schemas.openxmlformats.org/officeDocument/2006/relationships" type="downArrow" r:blip="">
+                    <dgm:adjLst>
+                      <dgm:adj idx="1" val="0.55"/>
+                      <dgm:adj idx="2" val="0.45"/>
+                    </dgm:adjLst>
+                  </dgm:shape>
+                  <dgm:presOf axis="ch" ptType="sibTrans" st="2" cnt="1"/>
+                  <dgm:constrLst>
+                    <dgm:constr type="lMarg" refType="primFontSz" fact="0.1"/>
+                    <dgm:constr type="rMarg" refType="primFontSz" fact="0.1"/>
+                    <dgm:constr type="tMarg" refType="primFontSz" fact="0.1"/>
+                    <dgm:constr type="bMarg" refType="primFontSz" fact="0.1"/>
+                  </dgm:constrLst>
+                  <dgm:ruleLst>
+                    <dgm:rule type="primFontSz" val="5" fact="NaN" max="NaN"/>
+                  </dgm:ruleLst>
+                </dgm:layoutNode>
+                <dgm:layoutNode name="ThreeNodes_1_text">
+                  <dgm:varLst>
+                    <dgm:bulletEnabled val="1"/>
+                  </dgm:varLst>
+                  <dgm:alg type="tx">
+                    <dgm:param type="parTxLTRAlign" val="l"/>
+                    <dgm:param type="txAnchorVertCh" val="mid"/>
+                  </dgm:alg>
+                  <dgm:shape xmlns:r="http://schemas.openxmlformats.org/officeDocument/2006/relationships" type="roundRect" r:blip="" hideGeom="1">
+                    <dgm:adjLst>
+                      <dgm:adj idx="1" val="0.1"/>
+                    </dgm:adjLst>
+                  </dgm:shape>
+                  <dgm:presOf axis="ch desOrSelf" ptType="node node" st="1 1" cnt="1 0"/>
+                  <dgm:constrLst>
+                    <dgm:constr type="lMarg" refType="primFontSz" fact="0.3"/>
+                    <dgm:constr type="rMarg" refType="primFontSz" fact="0.3"/>
+                    <dgm:constr type="tMarg" refType="primFontSz" fact="0.3"/>
+                    <dgm:constr type="bMarg" refType="primFontSz" fact="0.3"/>
+                  </dgm:constrLst>
+                  <dgm:ruleLst>
+                    <dgm:rule type="primFontSz" val="5" fact="NaN" max="NaN"/>
+                  </dgm:ruleLst>
+                </dgm:layoutNode>
+                <dgm:layoutNode name="ThreeNodes_2_text">
+                  <dgm:varLst>
+                    <dgm:bulletEnabled val="1"/>
+                  </dgm:varLst>
+                  <dgm:alg type="tx">
+                    <dgm:param type="parTxLTRAlign" val="l"/>
+                    <dgm:param type="txAnchorVertCh" val="mid"/>
+                  </dgm:alg>
+                  <dgm:shape xmlns:r="http://schemas.openxmlformats.org/officeDocument/2006/relationships" type="roundRect" r:blip="" hideGeom="1">
+                    <dgm:adjLst>
+                      <dgm:adj idx="1" val="0.1"/>
+                    </dgm:adjLst>
+                  </dgm:shape>
+                  <dgm:presOf axis="ch desOrSelf" ptType="node node" st="2 1" cnt="1 0"/>
+                  <dgm:constrLst>
+                    <dgm:constr type="lMarg" refType="primFontSz" fact="0.3"/>
+                    <dgm:constr type="rMarg" refType="primFontSz" fact="0.3"/>
+                    <dgm:constr type="tMarg" refType="primFontSz" fact="0.3"/>
+                    <dgm:constr type="bMarg" refType="primFontSz" fact="0.3"/>
+                  </dgm:constrLst>
+                  <dgm:ruleLst>
+                    <dgm:rule type="primFontSz" val="5" fact="NaN" max="NaN"/>
+                  </dgm:ruleLst>
+                </dgm:layoutNode>
+                <dgm:layoutNode name="ThreeNodes_3_text">
+                  <dgm:varLst>
+                    <dgm:bulletEnabled val="1"/>
+                  </dgm:varLst>
+                  <dgm:alg type="tx">
+                    <dgm:param type="parTxLTRAlign" val="l"/>
+                    <dgm:param type="txAnchorVertCh" val="mid"/>
+                  </dgm:alg>
+                  <dgm:shape xmlns:r="http://schemas.openxmlformats.org/officeDocument/2006/relationships" type="roundRect" r:blip="" hideGeom="1">
+                    <dgm:adjLst>
+                      <dgm:adj idx="1" val="0.1"/>
+                    </dgm:adjLst>
+                  </dgm:shape>
+                  <dgm:presOf axis="ch desOrSelf" ptType="node node" st="3 1" cnt="1 0"/>
+                  <dgm:constrLst>
+                    <dgm:constr type="lMarg" refType="primFontSz" fact="0.3"/>
+                    <dgm:constr type="rMarg" refType="primFontSz" fact="0.3"/>
+                    <dgm:constr type="tMarg" refType="primFontSz" fact="0.3"/>
+                    <dgm:constr type="bMarg" refType="primFontSz" fact="0.3"/>
+                  </dgm:constrLst>
+                  <dgm:ruleLst>
+                    <dgm:rule type="primFontSz" val="5" fact="NaN" max="NaN"/>
+                  </dgm:ruleLst>
+                </dgm:layoutNode>
+              </dgm:if>
+              <dgm:else name="Name11">
+                <dgm:choose name="Name12">
+                  <dgm:if name="Name13" axis="ch" ptType="node" func="cnt" op="equ" val="4">
+                    <dgm:layoutNode name="FourNodes_1">
+                      <dgm:varLst>
+                        <dgm:bulletEnabled val="1"/>
+                      </dgm:varLst>
+                      <dgm:alg type="sp"/>
+                      <dgm:shape xmlns:r="http://schemas.openxmlformats.org/officeDocument/2006/relationships" type="roundRect" r:blip="">
+                        <dgm:adjLst>
+                          <dgm:adj idx="1" val="0.1"/>
+                        </dgm:adjLst>
+                      </dgm:shape>
+                      <dgm:presOf axis="ch desOrSelf" ptType="node node" st="1 1" cnt="1 0"/>
+                      <dgm:constrLst/>
+                      <dgm:ruleLst/>
+                    </dgm:layoutNode>
+                    <dgm:layoutNode name="FourNodes_2">
+                      <dgm:varLst>
+                        <dgm:bulletEnabled val="1"/>
+                      </dgm:varLst>
+                      <dgm:alg type="sp"/>
+                      <dgm:shape xmlns:r="http://schemas.openxmlformats.org/officeDocument/2006/relationships" type="roundRect" r:blip="">
+                        <dgm:adjLst>
+                          <dgm:adj idx="1" val="0.1"/>
+                        </dgm:adjLst>
+                      </dgm:shape>
+                      <dgm:presOf axis="ch desOrSelf" ptType="node node" st="2 1" cnt="1 0"/>
+                      <dgm:constrLst/>
+                      <dgm:ruleLst/>
+                    </dgm:layoutNode>
+                    <dgm:layoutNode name="FourNodes_3">
+                      <dgm:varLst>
+                        <dgm:bulletEnabled val="1"/>
+                      </dgm:varLst>
+                      <dgm:alg type="sp"/>
+                      <dgm:shape xmlns:r="http://schemas.openxmlformats.org/officeDocument/2006/relationships" type="roundRect" r:blip="">
+                        <dgm:adjLst>
+                          <dgm:adj idx="1" val="0.1"/>
+                        </dgm:adjLst>
+                      </dgm:shape>
+                      <dgm:presOf axis="ch desOrSelf" ptType="node node" st="3 1" cnt="1 0"/>
+                      <dgm:constrLst/>
+                      <dgm:ruleLst/>
+                    </dgm:layoutNode>
+                    <dgm:layoutNode name="FourNodes_4">
+                      <dgm:varLst>
+                        <dgm:bulletEnabled val="1"/>
+                      </dgm:varLst>
+                      <dgm:alg type="sp"/>
+                      <dgm:shape xmlns:r="http://schemas.openxmlformats.org/officeDocument/2006/relationships" type="roundRect" r:blip="">
+                        <dgm:adjLst>
+                          <dgm:adj idx="1" val="0.1"/>
+                        </dgm:adjLst>
+                      </dgm:shape>
+                      <dgm:presOf axis="ch desOrSelf" ptType="node node" st="4 1" cnt="1 0"/>
+                      <dgm:constrLst/>
+                      <dgm:ruleLst/>
+                    </dgm:layoutNode>
+                    <dgm:layoutNode name="FourConn_1-2" styleLbl="fgAccFollowNode1">
+                      <dgm:varLst>
+                        <dgm:bulletEnabled val="1"/>
+                      </dgm:varLst>
+                      <dgm:alg type="tx"/>
+                      <dgm:shape xmlns:r="http://schemas.openxmlformats.org/officeDocument/2006/relationships" type="downArrow" r:blip="">
+                        <dgm:adjLst>
+                          <dgm:adj idx="1" val="0.55"/>
+                          <dgm:adj idx="2" val="0.45"/>
+                        </dgm:adjLst>
+                      </dgm:shape>
+                      <dgm:presOf axis="ch" ptType="sibTrans" cnt="1"/>
+                      <dgm:constrLst>
+                        <dgm:constr type="lMarg" refType="primFontSz" fact="0.1"/>
+                        <dgm:constr type="rMarg" refType="primFontSz" fact="0.1"/>
+                        <dgm:constr type="tMarg" refType="primFontSz" fact="0.1"/>
+                        <dgm:constr type="bMarg" refType="primFontSz" fact="0.1"/>
+                      </dgm:constrLst>
+                      <dgm:ruleLst>
+                        <dgm:rule type="primFontSz" val="5" fact="NaN" max="NaN"/>
+                      </dgm:ruleLst>
+                    </dgm:layoutNode>
+                    <dgm:layoutNode name="FourConn_2-3" styleLbl="fgAccFollowNode1">
+                      <dgm:varLst>
+                        <dgm:bulletEnabled val="1"/>
+                      </dgm:varLst>
+                      <dgm:alg type="tx"/>
+                      <dgm:shape xmlns:r="http://schemas.openxmlformats.org/officeDocument/2006/relationships" type="downArrow" r:blip="">
+                        <dgm:adjLst>
+                          <dgm:adj idx="1" val="0.55"/>
+                          <dgm:adj idx="2" val="0.45"/>
+                        </dgm:adjLst>
+                      </dgm:shape>
+                      <dgm:presOf axis="ch" ptType="sibTrans" st="2" cnt="1"/>
+                      <dgm:constrLst>
+                        <dgm:constr type="lMarg" refType="primFontSz" fact="0.1"/>
+                        <dgm:constr type="rMarg" refType="primFontSz" fact="0.1"/>
+                        <dgm:constr type="tMarg" refType="primFontSz" fact="0.1"/>
+                        <dgm:constr type="bMarg" refType="primFontSz" fact="0.1"/>
+                      </dgm:constrLst>
+                      <dgm:ruleLst>
+                        <dgm:rule type="primFontSz" val="5" fact="NaN" max="NaN"/>
+                      </dgm:ruleLst>
+                    </dgm:layoutNode>
+                    <dgm:layoutNode name="FourConn_3-4" styleLbl="fgAccFollowNode1">
+                      <dgm:varLst>
+                        <dgm:bulletEnabled val="1"/>
+                      </dgm:varLst>
+                      <dgm:alg type="tx"/>
+                      <dgm:shape xmlns:r="http://schemas.openxmlformats.org/officeDocument/2006/relationships" type="downArrow" r:blip="">
+                        <dgm:adjLst>
+                          <dgm:adj idx="1" val="0.55"/>
+                          <dgm:adj idx="2" val="0.45"/>
+                        </dgm:adjLst>
+                      </dgm:shape>
+                      <dgm:presOf axis="ch" ptType="sibTrans" st="3" cnt="1"/>
+                      <dgm:constrLst>
+                        <dgm:constr type="lMarg" refType="primFontSz" fact="0.1"/>
+                        <dgm:constr type="rMarg" refType="primFontSz" fact="0.1"/>
+                        <dgm:constr type="tMarg" refType="primFontSz" fact="0.1"/>
+                        <dgm:constr type="bMarg" refType="primFontSz" fact="0.1"/>
+                      </dgm:constrLst>
+                      <dgm:ruleLst>
+                        <dgm:rule type="primFontSz" val="5" fact="NaN" max="NaN"/>
+                      </dgm:ruleLst>
+                    </dgm:layoutNode>
+                    <dgm:layoutNode name="FourNodes_1_text">
+                      <dgm:varLst>
+                        <dgm:bulletEnabled val="1"/>
+                      </dgm:varLst>
+                      <dgm:alg type="tx">
+                        <dgm:param type="parTxLTRAlign" val="l"/>
+                        <dgm:param type="txAnchorVertCh" val="mid"/>
+                      </dgm:alg>
+                      <dgm:shape xmlns:r="http://schemas.openxmlformats.org/officeDocument/2006/relationships" type="roundRect" r:blip="" hideGeom="1">
+                        <dgm:adjLst>
+                          <dgm:adj idx="1" val="0.1"/>
+                        </dgm:adjLst>
+                      </dgm:shape>
+                      <dgm:presOf axis="ch desOrSelf" ptType="node node" st="1 1" cnt="1 0"/>
+                      <dgm:constrLst>
+                        <dgm:constr type="lMarg" refType="primFontSz" fact="0.3"/>
+                        <dgm:constr type="rMarg" refType="primFontSz" fact="0.3"/>
+                        <dgm:constr type="tMarg" refType="primFontSz" fact="0.3"/>
+                        <dgm:constr type="bMarg" refType="primFontSz" fact="0.3"/>
+                      </dgm:constrLst>
+                      <dgm:ruleLst>
+                        <dgm:rule type="primFontSz" val="5" fact="NaN" max="NaN"/>
+                      </dgm:ruleLst>
+                    </dgm:layoutNode>
+                    <dgm:layoutNode name="FourNodes_2_text">
+                      <dgm:varLst>
+                        <dgm:bulletEnabled val="1"/>
+                      </dgm:varLst>
+                      <dgm:alg type="tx">
+                        <dgm:param type="parTxLTRAlign" val="l"/>
+                        <dgm:param type="txAnchorVertCh" val="mid"/>
+                      </dgm:alg>
+                      <dgm:shape xmlns:r="http://schemas.openxmlformats.org/officeDocument/2006/relationships" type="roundRect" r:blip="" hideGeom="1">
+                        <dgm:adjLst>
+                          <dgm:adj idx="1" val="0.1"/>
+                        </dgm:adjLst>
+                      </dgm:shape>
+                      <dgm:presOf axis="ch desOrSelf" ptType="node node" st="2 1" cnt="1 0"/>
+                      <dgm:constrLst>
+                        <dgm:constr type="lMarg" refType="primFontSz" fact="0.3"/>
+                        <dgm:constr type="rMarg" refType="primFontSz" fact="0.3"/>
+                        <dgm:constr type="tMarg" refType="primFontSz" fact="0.3"/>
+                        <dgm:constr type="bMarg" refType="primFontSz" fact="0.3"/>
+                      </dgm:constrLst>
+                      <dgm:ruleLst>
+                        <dgm:rule type="primFontSz" val="5" fact="NaN" max="NaN"/>
+                      </dgm:ruleLst>
+                    </dgm:layoutNode>
+                    <dgm:layoutNode name="FourNodes_3_text">
+                      <dgm:varLst>
+                        <dgm:bulletEnabled val="1"/>
+                      </dgm:varLst>
+                      <dgm:alg type="tx">
+                        <dgm:param type="parTxLTRAlign" val="l"/>
+                        <dgm:param type="txAnchorVertCh" val="mid"/>
+                      </dgm:alg>
+                      <dgm:shape xmlns:r="http://schemas.openxmlformats.org/officeDocument/2006/relationships" type="roundRect" r:blip="" hideGeom="1">
+                        <dgm:adjLst>
+                          <dgm:adj idx="1" val="0.1"/>
+                        </dgm:adjLst>
+                      </dgm:shape>
+                      <dgm:presOf axis="ch desOrSelf" ptType="node node" st="3 1" cnt="1 0"/>
+                      <dgm:constrLst>
+                        <dgm:constr type="lMarg" refType="primFontSz" fact="0.3"/>
+                        <dgm:constr type="rMarg" refType="primFontSz" fact="0.3"/>
+                        <dgm:constr type="tMarg" refType="primFontSz" fact="0.3"/>
+                        <dgm:constr type="bMarg" refType="primFontSz" fact="0.3"/>
+                      </dgm:constrLst>
+                      <dgm:ruleLst>
+                        <dgm:rule type="primFontSz" val="5" fact="NaN" max="NaN"/>
+                      </dgm:ruleLst>
+                    </dgm:layoutNode>
+                    <dgm:layoutNode name="FourNodes_4_text">
+                      <dgm:varLst>
+                        <dgm:bulletEnabled val="1"/>
+                      </dgm:varLst>
+                      <dgm:alg type="tx">
+                        <dgm:param type="parTxLTRAlign" val="l"/>
+                        <dgm:param type="txAnchorVertCh" val="mid"/>
+                      </dgm:alg>
+                      <dgm:shape xmlns:r="http://schemas.openxmlformats.org/officeDocument/2006/relationships" type="roundRect" r:blip="" hideGeom="1">
+                        <dgm:adjLst>
+                          <dgm:adj idx="1" val="0.1"/>
+                        </dgm:adjLst>
+                      </dgm:shape>
+                      <dgm:presOf axis="ch desOrSelf" ptType="node node" st="4 1" cnt="1 0"/>
+                      <dgm:constrLst>
+                        <dgm:constr type="lMarg" refType="primFontSz" fact="0.3"/>
+                        <dgm:constr type="rMarg" refType="primFontSz" fact="0.3"/>
+                        <dgm:constr type="tMarg" refType="primFontSz" fact="0.3"/>
+                        <dgm:constr type="bMarg" refType="primFontSz" fact="0.3"/>
+                      </dgm:constrLst>
+                      <dgm:ruleLst>
+                        <dgm:rule type="primFontSz" val="5" fact="NaN" max="NaN"/>
+                      </dgm:ruleLst>
+                    </dgm:layoutNode>
+                  </dgm:if>
+                  <dgm:else name="Name14">
+                    <dgm:choose name="Name15">
+                      <dgm:if name="Name16" axis="ch" ptType="node" func="cnt" op="gte" val="5">
+                        <dgm:layoutNode name="FiveNodes_1">
+                          <dgm:varLst>
+                            <dgm:bulletEnabled val="1"/>
+                          </dgm:varLst>
+                          <dgm:alg type="sp"/>
+                          <dgm:shape xmlns:r="http://schemas.openxmlformats.org/officeDocument/2006/relationships" type="roundRect" r:blip="">
+                            <dgm:adjLst>
+                              <dgm:adj idx="1" val="0.1"/>
+                            </dgm:adjLst>
+                          </dgm:shape>
+                          <dgm:presOf axis="ch desOrSelf" ptType="node node" st="1 1" cnt="1 0"/>
+                          <dgm:constrLst/>
+                          <dgm:ruleLst/>
+                        </dgm:layoutNode>
+                        <dgm:layoutNode name="FiveNodes_2">
+                          <dgm:varLst>
+                            <dgm:bulletEnabled val="1"/>
+                          </dgm:varLst>
+                          <dgm:alg type="sp"/>
+                          <dgm:shape xmlns:r="http://schemas.openxmlformats.org/officeDocument/2006/relationships" type="roundRect" r:blip="">
+                            <dgm:adjLst>
+                              <dgm:adj idx="1" val="0.1"/>
+                            </dgm:adjLst>
+                          </dgm:shape>
+                          <dgm:presOf axis="ch desOrSelf" ptType="node node" st="2 1" cnt="1 0"/>
+                          <dgm:constrLst/>
+                          <dgm:ruleLst/>
+                        </dgm:layoutNode>
+                        <dgm:layoutNode name="FiveNodes_3">
+                          <dgm:varLst>
+                            <dgm:bulletEnabled val="1"/>
+                          </dgm:varLst>
+                          <dgm:alg type="sp"/>
+                          <dgm:shape xmlns:r="http://schemas.openxmlformats.org/officeDocument/2006/relationships" type="roundRect" r:blip="">
+                            <dgm:adjLst>
+                              <dgm:adj idx="1" val="0.1"/>
+                            </dgm:adjLst>
+                          </dgm:shape>
+                          <dgm:presOf axis="ch desOrSelf" ptType="node node" st="3 1" cnt="1 0"/>
+                          <dgm:constrLst/>
+                          <dgm:ruleLst/>
+                        </dgm:layoutNode>
+                        <dgm:layoutNode name="FiveNodes_4">
+                          <dgm:varLst>
+                            <dgm:bulletEnabled val="1"/>
+                          </dgm:varLst>
+                          <dgm:alg type="sp"/>
+                          <dgm:shape xmlns:r="http://schemas.openxmlformats.org/officeDocument/2006/relationships" type="roundRect" r:blip="">
+                            <dgm:adjLst>
+                              <dgm:adj idx="1" val="0.1"/>
+                            </dgm:adjLst>
+                          </dgm:shape>
+                          <dgm:presOf axis="ch desOrSelf" ptType="node node" st="4 1" cnt="1 0"/>
+                          <dgm:constrLst/>
+                          <dgm:ruleLst/>
+                        </dgm:layoutNode>
+                        <dgm:layoutNode name="FiveNodes_5">
+                          <dgm:varLst>
+                            <dgm:bulletEnabled val="1"/>
+                          </dgm:varLst>
+                          <dgm:alg type="sp"/>
+                          <dgm:shape xmlns:r="http://schemas.openxmlformats.org/officeDocument/2006/relationships" type="roundRect" r:blip="">
+                            <dgm:adjLst>
+                              <dgm:adj idx="1" val="0.1"/>
+                            </dgm:adjLst>
+                          </dgm:shape>
+                          <dgm:presOf axis="ch desOrSelf" ptType="node node" st="5 1" cnt="1 0"/>
+                          <dgm:constrLst/>
+                          <dgm:ruleLst/>
+                        </dgm:layoutNode>
+                        <dgm:layoutNode name="FiveConn_1-2" styleLbl="fgAccFollowNode1">
+                          <dgm:varLst>
+                            <dgm:bulletEnabled val="1"/>
+                          </dgm:varLst>
+                          <dgm:alg type="tx"/>
+                          <dgm:shape xmlns:r="http://schemas.openxmlformats.org/officeDocument/2006/relationships" type="downArrow" r:blip="">
+                            <dgm:adjLst>
+                              <dgm:adj idx="1" val="0.55"/>
+                              <dgm:adj idx="2" val="0.45"/>
+                            </dgm:adjLst>
+                          </dgm:shape>
+                          <dgm:presOf axis="ch" ptType="sibTrans" cnt="1"/>
+                          <dgm:constrLst>
+                            <dgm:constr type="lMarg" refType="primFontSz" fact="0.1"/>
+                            <dgm:constr type="rMarg" refType="primFontSz" fact="0.1"/>
+                            <dgm:constr type="tMarg" refType="primFontSz" fact="0.1"/>
+                            <dgm:constr type="bMarg" refType="primFontSz" fact="0.1"/>
+                          </dgm:constrLst>
+                          <dgm:ruleLst>
+                            <dgm:rule type="primFontSz" val="5" fact="NaN" max="NaN"/>
+                          </dgm:ruleLst>
+                        </dgm:layoutNode>
+                        <dgm:layoutNode name="FiveConn_2-3" styleLbl="fgAccFollowNode1">
+                          <dgm:varLst>
+                            <dgm:bulletEnabled val="1"/>
+                          </dgm:varLst>
+                          <dgm:alg type="tx"/>
+                          <dgm:shape xmlns:r="http://schemas.openxmlformats.org/officeDocument/2006/relationships" type="downArrow" r:blip="">
+                            <dgm:adjLst>
+                              <dgm:adj idx="1" val="0.55"/>
+                              <dgm:adj idx="2" val="0.45"/>
+                            </dgm:adjLst>
+                          </dgm:shape>
+                          <dgm:presOf axis="ch" ptType="sibTrans" st="2" cnt="1"/>
+                          <dgm:constrLst>
+                            <dgm:constr type="lMarg" refType="primFontSz" fact="0.1"/>
+                            <dgm:constr type="rMarg" refType="primFontSz" fact="0.1"/>
+                            <dgm:constr type="tMarg" refType="primFontSz" fact="0.1"/>
+                            <dgm:constr type="bMarg" refType="primFontSz" fact="0.1"/>
+                          </dgm:constrLst>
+                          <dgm:ruleLst>
+                            <dgm:rule type="primFontSz" val="5" fact="NaN" max="NaN"/>
+                          </dgm:ruleLst>
+                        </dgm:layoutNode>
+                        <dgm:layoutNode name="FiveConn_3-4" styleLbl="fgAccFollowNode1">
+                          <dgm:varLst>
+                            <dgm:bulletEnabled val="1"/>
+                          </dgm:varLst>
+                          <dgm:alg type="tx"/>
+                          <dgm:shape xmlns:r="http://schemas.openxmlformats.org/officeDocument/2006/relationships" type="downArrow" r:blip="">
+                            <dgm:adjLst>
+                              <dgm:adj idx="1" val="0.55"/>
+                              <dgm:adj idx="2" val="0.45"/>
+                            </dgm:adjLst>
+                          </dgm:shape>
+                          <dgm:presOf axis="ch" ptType="sibTrans" st="3" cnt="1"/>
+                          <dgm:constrLst>
+                            <dgm:constr type="lMarg" refType="primFontSz" fact="0.1"/>
+                            <dgm:constr type="rMarg" refType="primFontSz" fact="0.1"/>
+                            <dgm:constr type="tMarg" refType="primFontSz" fact="0.1"/>
+                            <dgm:constr type="bMarg" refType="primFontSz" fact="0.1"/>
+                          </dgm:constrLst>
+                          <dgm:ruleLst>
+                            <dgm:rule type="primFontSz" val="5" fact="NaN" max="NaN"/>
+                          </dgm:ruleLst>
+                        </dgm:layoutNode>
+                        <dgm:layoutNode name="FiveConn_4-5" styleLbl="fgAccFollowNode1">
+                          <dgm:varLst>
+                            <dgm:bulletEnabled val="1"/>
+                          </dgm:varLst>
+                          <dgm:alg type="tx"/>
+                          <dgm:shape xmlns:r="http://schemas.openxmlformats.org/officeDocument/2006/relationships" type="downArrow" r:blip="">
+                            <dgm:adjLst>
+                              <dgm:adj idx="1" val="0.55"/>
+                              <dgm:adj idx="2" val="0.45"/>
+                            </dgm:adjLst>
+                          </dgm:shape>
+                          <dgm:presOf axis="ch" ptType="sibTrans" st="4" cnt="1"/>
+                          <dgm:constrLst>
+                            <dgm:constr type="lMarg" refType="primFontSz" fact="0.1"/>
+                            <dgm:constr type="rMarg" refType="primFontSz" fact="0.1"/>
+                            <dgm:constr type="tMarg" refType="primFontSz" fact="0.1"/>
+                            <dgm:constr type="bMarg" refType="primFontSz" fact="0.1"/>
+                          </dgm:constrLst>
+                          <dgm:ruleLst>
+                            <dgm:rule type="primFontSz" val="5" fact="NaN" max="NaN"/>
+                          </dgm:ruleLst>
+                        </dgm:layoutNode>
+                        <dgm:layoutNode name="FiveNodes_1_text">
+                          <dgm:varLst>
+                            <dgm:bulletEnabled val="1"/>
+                          </dgm:varLst>
+                          <dgm:alg type="tx">
+                            <dgm:param type="parTxLTRAlign" val="l"/>
+                            <dgm:param type="txAnchorVertCh" val="mid"/>
+                          </dgm:alg>
+                          <dgm:shape xmlns:r="http://schemas.openxmlformats.org/officeDocument/2006/relationships" type="roundRect" r:blip="" hideGeom="1">
+                            <dgm:adjLst>
+                              <dgm:adj idx="1" val="0.1"/>
+                            </dgm:adjLst>
+                          </dgm:shape>
+                          <dgm:presOf axis="ch desOrSelf" ptType="node node" st="1 1" cnt="1 0"/>
+                          <dgm:constrLst>
+                            <dgm:constr type="lMarg" refType="primFontSz" fact="0.3"/>
+                            <dgm:constr type="rMarg" refType="primFontSz" fact="0.3"/>
+                            <dgm:constr type="tMarg" refType="primFontSz" fact="0.3"/>
+                            <dgm:constr type="bMarg" refType="primFontSz" fact="0.3"/>
+                          </dgm:constrLst>
+                          <dgm:ruleLst>
+                            <dgm:rule type="primFontSz" val="5" fact="NaN" max="NaN"/>
+                          </dgm:ruleLst>
+                        </dgm:layoutNode>
+                        <dgm:layoutNode name="FiveNodes_2_text">
+                          <dgm:varLst>
+                            <dgm:bulletEnabled val="1"/>
+                          </dgm:varLst>
+                          <dgm:alg type="tx">
+                            <dgm:param type="parTxLTRAlign" val="l"/>
+                            <dgm:param type="txAnchorVertCh" val="mid"/>
+                          </dgm:alg>
+                          <dgm:shape xmlns:r="http://schemas.openxmlformats.org/officeDocument/2006/relationships" type="roundRect" r:blip="" hideGeom="1">
+                            <dgm:adjLst>
+                              <dgm:adj idx="1" val="0.1"/>
+                            </dgm:adjLst>
+                          </dgm:shape>
+                          <dgm:presOf axis="ch desOrSelf" ptType="node node" st="2 1" cnt="1 0"/>
+                          <dgm:constrLst>
+                            <dgm:constr type="lMarg" refType="primFontSz" fact="0.3"/>
+                            <dgm:constr type="rMarg" refType="primFontSz" fact="0.3"/>
+                            <dgm:constr type="tMarg" refType="primFontSz" fact="0.3"/>
+                            <dgm:constr type="bMarg" refType="primFontSz" fact="0.3"/>
+                          </dgm:constrLst>
+                          <dgm:ruleLst>
+                            <dgm:rule type="primFontSz" val="5" fact="NaN" max="NaN"/>
+                          </dgm:ruleLst>
+                        </dgm:layoutNode>
+                        <dgm:layoutNode name="FiveNodes_3_text">
+                          <dgm:varLst>
+                            <dgm:bulletEnabled val="1"/>
+                          </dgm:varLst>
+                          <dgm:alg type="tx">
+                            <dgm:param type="parTxLTRAlign" val="l"/>
+                            <dgm:param type="txAnchorVertCh" val="mid"/>
+                          </dgm:alg>
+                          <dgm:shape xmlns:r="http://schemas.openxmlformats.org/officeDocument/2006/relationships" type="roundRect" r:blip="" hideGeom="1">
+                            <dgm:adjLst>
+                              <dgm:adj idx="1" val="0.1"/>
+                            </dgm:adjLst>
+                          </dgm:shape>
+                          <dgm:presOf axis="ch desOrSelf" ptType="node node" st="3 1" cnt="1 0"/>
+                          <dgm:constrLst>
+                            <dgm:constr type="lMarg" refType="primFontSz" fact="0.3"/>
+                            <dgm:constr type="rMarg" refType="primFontSz" fact="0.3"/>
+                            <dgm:constr type="tMarg" refType="primFontSz" fact="0.3"/>
+                            <dgm:constr type="bMarg" refType="primFontSz" fact="0.3"/>
+                          </dgm:constrLst>
+                          <dgm:ruleLst>
+                            <dgm:rule type="primFontSz" val="5" fact="NaN" max="NaN"/>
+                          </dgm:ruleLst>
+                        </dgm:layoutNode>
+                        <dgm:layoutNode name="FiveNodes_4_text">
+                          <dgm:varLst>
+                            <dgm:bulletEnabled val="1"/>
+                          </dgm:varLst>
+                          <dgm:alg type="tx">
+                            <dgm:param type="parTxLTRAlign" val="l"/>
+                            <dgm:param type="txAnchorVertCh" val="mid"/>
+                          </dgm:alg>
+                          <dgm:shape xmlns:r="http://schemas.openxmlformats.org/officeDocument/2006/relationships" type="roundRect" r:blip="" hideGeom="1">
+                            <dgm:adjLst>
+                              <dgm:adj idx="1" val="0.1"/>
+                            </dgm:adjLst>
+                          </dgm:shape>
+                          <dgm:presOf axis="ch desOrSelf" ptType="node node" st="4 1" cnt="1 0"/>
+                          <dgm:constrLst>
+                            <dgm:constr type="lMarg" refType="primFontSz" fact="0.3"/>
+                            <dgm:constr type="rMarg" refType="primFontSz" fact="0.3"/>
+                            <dgm:constr type="tMarg" refType="primFontSz" fact="0.3"/>
+                            <dgm:constr type="bMarg" refType="primFontSz" fact="0.3"/>
+                          </dgm:constrLst>
+                          <dgm:ruleLst>
+                            <dgm:rule type="primFontSz" val="5" fact="NaN" max="NaN"/>
+                          </dgm:ruleLst>
+                        </dgm:layoutNode>
+                        <dgm:layoutNode name="FiveNodes_5_text">
+                          <dgm:varLst>
+                            <dgm:bulletEnabled val="1"/>
+                          </dgm:varLst>
+                          <dgm:alg type="tx">
+                            <dgm:param type="parTxLTRAlign" val="l"/>
+                            <dgm:param type="txAnchorVertCh" val="mid"/>
+                          </dgm:alg>
+                          <dgm:shape xmlns:r="http://schemas.openxmlformats.org/officeDocument/2006/relationships" type="roundRect" r:blip="" hideGeom="1">
+                            <dgm:adjLst>
+                              <dgm:adj idx="1" val="0.1"/>
+                            </dgm:adjLst>
+                          </dgm:shape>
+                          <dgm:presOf axis="ch desOrSelf" ptType="node node" st="5 1" cnt="1 0"/>
+                          <dgm:constrLst>
+                            <dgm:constr type="lMarg" refType="primFontSz" fact="0.3"/>
+                            <dgm:constr type="rMarg" refType="primFontSz" fact="0.3"/>
+                            <dgm:constr type="tMarg" refType="primFontSz" fact="0.3"/>
+                            <dgm:constr type="bMarg" refType="primFontSz" fact="0.3"/>
+                          </dgm:constrLst>
+                          <dgm:ruleLst>
+                            <dgm:rule type="primFontSz" val="5" fact="NaN" max="NaN"/>
+                          </dgm:ruleLst>
+                        </dgm:layoutNode>
+                      </dgm:if>
+                      <dgm:else name="Name17"/>
+                    </dgm:choose>
+                  </dgm:else>
+                </dgm:choose>
+              </dgm:else>
+            </dgm:choose>
+          </dgm:else>
+        </dgm:choose>
+      </dgm:else>
+    </dgm:choose>
+  </dgm:layoutNode>
+</dgm:layoutDef>
+</file>
+
+<file path=ppt/diagrams/quickStyle1.xml><?xml version="1.0" encoding="utf-8"?>
+<dgm:styleDef xmlns:dgm="http://schemas.openxmlformats.org/drawingml/2006/diagram" xmlns:a="http://schemas.openxmlformats.org/drawingml/2006/main" uniqueId="urn:microsoft.com/office/officeart/2005/8/quickstyle/simple1">
+  <dgm:title val=""/>
+  <dgm:desc val=""/>
+  <dgm:catLst>
+    <dgm:cat type="simple" pri="10100"/>
+  </dgm:catLst>
+  <dgm:scene3d>
+    <a:camera prst="orthographicFront"/>
+    <a:lightRig rig="threePt" dir="t"/>
+  </dgm:scene3d>
+  <dgm:styleLbl name="node0">
+    <dgm:scene3d>
+      <a:camera prst="orthographicFront"/>
+      <a:lightRig rig="threePt" dir="t"/>
+    </dgm:scene3d>
+    <dgm:sp3d/>
+    <dgm:txPr/>
+    <dgm:style>
+      <a:lnRef idx="2">
+        <a:scrgbClr r="0" g="0" b="0"/>
+      </a:lnRef>
+      <a:fillRef idx="1">
+        <a:scrgbClr r="0" g="0" b="0"/>
+      </a:fillRef>
+      <a:effectRef idx="0">
+        <a:scrgbClr r="0" g="0" b="0"/>
+      </a:effectRef>
+      <a:fontRef idx="minor">
+        <a:schemeClr val="lt1"/>
+      </a:fontRef>
+    </dgm:style>
+  </dgm:styleLbl>
+  <dgm:styleLbl name="lnNode1">
+    <dgm:scene3d>
+      <a:camera prst="orthographicFront"/>
+      <a:lightRig rig="threePt" dir="t"/>
+    </dgm:scene3d>
+    <dgm:sp3d/>
+    <dgm:txPr/>
+    <dgm:style>
+      <a:lnRef idx="2">
+        <a:scrgbClr r="0" g="0" b="0"/>
+      </a:lnRef>
+      <a:fillRef idx="1">
+        <a:scrgbClr r="0" g="0" b="0"/>
+      </a:fillRef>
+      <a:effectRef idx="0">
+        <a:scrgbClr r="0" g="0" b="0"/>
+      </a:effectRef>
+      <a:fontRef idx="minor">
+        <a:schemeClr val="lt1"/>
+      </a:fontRef>
+    </dgm:style>
+  </dgm:styleLbl>
+  <dgm:styleLbl name="vennNode1">
+    <dgm:scene3d>
+      <a:camera prst="orthographicFront"/>
+      <a:lightRig rig="threePt" dir="t"/>
+    </dgm:scene3d>
+    <dgm:sp3d/>
+    <dgm:txPr/>
+    <dgm:style>
+      <a:lnRef idx="2">
+        <a:scrgbClr r="0" g="0" b="0"/>
+      </a:lnRef>
+      <a:fillRef idx="1">
+        <a:scrgbClr r="0" g="0" b="0"/>
+      </a:fillRef>
+      <a:effectRef idx="0">
+        <a:scrgbClr r="0" g="0" b="0"/>
+      </a:effectRef>
+      <a:fontRef idx="minor">
+        <a:schemeClr val="tx1"/>
+      </a:fontRef>
+    </dgm:style>
+  </dgm:styleLbl>
+  <dgm:styleLbl name="alignNode1">
+    <dgm:scene3d>
+      <a:camera prst="orthographicFront"/>
+      <a:lightRig rig="threePt" dir="t"/>
+    </dgm:scene3d>
+    <dgm:sp3d/>
+    <dgm:txPr/>
+    <dgm:style>
+      <a:lnRef idx="2">
+        <a:scrgbClr r="0" g="0" b="0"/>
+      </a:lnRef>
+      <a:fillRef idx="1">
+        <a:scrgbClr r="0" g="0" b="0"/>
+      </a:fillRef>
+      <a:effectRef idx="0">
+        <a:scrgbClr r="0" g="0" b="0"/>
+      </a:effectRef>
+      <a:fontRef idx="minor">
+        <a:schemeClr val="lt1"/>
+      </a:fontRef>
+    </dgm:style>
+  </dgm:styleLbl>
+  <dgm:styleLbl name="node1">
+    <dgm:scene3d>
+      <a:camera prst="orthographicFront"/>
+      <a:lightRig rig="threePt" dir="t"/>
+    </dgm:scene3d>
+    <dgm:sp3d/>
+    <dgm:txPr/>
+    <dgm:style>
+      <a:lnRef idx="2">
+        <a:scrgbClr r="0" g="0" b="0"/>
+      </a:lnRef>
+      <a:fillRef idx="1">
+        <a:scrgbClr r="0" g="0" b="0"/>
+      </a:fillRef>
+      <a:effectRef idx="0">
+        <a:scrgbClr r="0" g="0" b="0"/>
+      </a:effectRef>
+      <a:fontRef idx="minor">
+        <a:schemeClr val="lt1"/>
+      </a:fontRef>
+    </dgm:style>
+  </dgm:styleLbl>
+  <dgm:styleLbl name="node2">
+    <dgm:scene3d>
+      <a:camera prst="orthographicFront"/>
+      <a:lightRig rig="threePt" dir="t"/>
+    </dgm:scene3d>
+    <dgm:sp3d/>
+    <dgm:txPr/>
+    <dgm:style>
+      <a:lnRef idx="2">
+        <a:scrgbClr r="0" g="0" b="0"/>
+      </a:lnRef>
+      <a:fillRef idx="1">
+        <a:scrgbClr r="0" g="0" b="0"/>
+      </a:fillRef>
+      <a:effectRef idx="0">
+        <a:scrgbClr r="0" g="0" b="0"/>
+      </a:effectRef>
+      <a:fontRef idx="minor">
+        <a:schemeClr val="lt1"/>
+      </a:fontRef>
+    </dgm:style>
+  </dgm:styleLbl>
+  <dgm:styleLbl name="node3">
+    <dgm:scene3d>
+      <a:camera prst="orthographicFront"/>
+      <a:lightRig rig="threePt" dir="t"/>
+    </dgm:scene3d>
+    <dgm:sp3d/>
+    <dgm:txPr/>
+    <dgm:style>
+      <a:lnRef idx="2">
+        <a:scrgbClr r="0" g="0" b="0"/>
+      </a:lnRef>
+      <a:fillRef idx="1">
+        <a:scrgbClr r="0" g="0" b="0"/>
+      </a:fillRef>
+      <a:effectRef idx="0">
+        <a:scrgbClr r="0" g="0" b="0"/>
+      </a:effectRef>
+      <a:fontRef idx="minor">
+        <a:schemeClr val="lt1"/>
+      </a:fontRef>
+    </dgm:style>
+  </dgm:styleLbl>
+  <dgm:styleLbl name="node4">
+    <dgm:scene3d>
+      <a:camera prst="orthographicFront"/>
+      <a:lightRig rig="threePt" dir="t"/>
+    </dgm:scene3d>
+    <dgm:sp3d/>
+    <dgm:txPr/>
+    <dgm:style>
+      <a:lnRef idx="2">
+        <a:scrgbClr r="0" g="0" b="0"/>
+      </a:lnRef>
+      <a:fillRef idx="1">
+        <a:scrgbClr r="0" g="0" b="0"/>
+      </a:fillRef>
+      <a:effectRef idx="0">
+        <a:scrgbClr r="0" g="0" b="0"/>
+      </a:effectRef>
+      <a:fontRef idx="minor">
+        <a:schemeClr val="lt1"/>
+      </a:fontRef>
+    </dgm:style>
+  </dgm:styleLbl>
+  <dgm:styleLbl name="fgImgPlace1">
+    <dgm:scene3d>
+      <a:camera prst="orthographicFront"/>
+      <a:lightRig rig="threePt" dir="t"/>
+    </dgm:scene3d>
+    <dgm:sp3d/>
+    <dgm:txPr/>
+    <dgm:style>
+      <a:lnRef idx="2">
+        <a:scrgbClr r="0" g="0" b="0"/>
+      </a:lnRef>
+      <a:fillRef idx="1">
+        <a:scrgbClr r="0" g="0" b="0"/>
+      </a:fillRef>
+      <a:effectRef idx="0">
+        <a:scrgbClr r="0" g="0" b="0"/>
+      </a:effectRef>
+      <a:fontRef idx="minor"/>
+    </dgm:style>
+  </dgm:styleLbl>
+  <dgm:styleLbl name="alignImgPlace1">
+    <dgm:scene3d>
+      <a:camera prst="orthographicFront"/>
+      <a:lightRig rig="threePt" dir="t"/>
+    </dgm:scene3d>
+    <dgm:sp3d/>
+    <dgm:txPr/>
+    <dgm:style>
+      <a:lnRef idx="2">
+        <a:scrgbClr r="0" g="0" b="0"/>
+      </a:lnRef>
+      <a:fillRef idx="1">
+        <a:scrgbClr r="0" g="0" b="0"/>
+      </a:fillRef>
+      <a:effectRef idx="0">
+        <a:scrgbClr r="0" g="0" b="0"/>
+      </a:effectRef>
+      <a:fontRef idx="minor"/>
+    </dgm:style>
+  </dgm:styleLbl>
+  <dgm:styleLbl name="bgImgPlace1">
+    <dgm:scene3d>
+      <a:camera prst="orthographicFront"/>
+      <a:lightRig rig="threePt" dir="t"/>
+    </dgm:scene3d>
+    <dgm:sp3d/>
+    <dgm:txPr/>
+    <dgm:style>
+      <a:lnRef idx="2">
+        <a:scrgbClr r="0" g="0" b="0"/>
+      </a:lnRef>
+      <a:fillRef idx="1">
+        <a:scrgbClr r="0" g="0" b="0"/>
+      </a:fillRef>
+      <a:effectRef idx="0">
+        <a:scrgbClr r="0" g="0" b="0"/>
+      </a:effectRef>
+      <a:fontRef idx="minor"/>
+    </dgm:style>
+  </dgm:styleLbl>
+  <dgm:styleLbl name="sibTrans2D1">
+    <dgm:scene3d>
+      <a:camera prst="orthographicFront"/>
+      <a:lightRig rig="threePt" dir="t"/>
+    </dgm:scene3d>
+    <dgm:sp3d/>
+    <dgm:txPr/>
+    <dgm:style>
+      <a:lnRef idx="0">
+        <a:scrgbClr r="0" g="0" b="0"/>
+      </a:lnRef>
+      <a:fillRef idx="1">
+        <a:scrgbClr r="0" g="0" b="0"/>
+      </a:fillRef>
+      <a:effectRef idx="0">
+        <a:scrgbClr r="0" g="0" b="0"/>
+      </a:effectRef>
+      <a:fontRef idx="minor">
+        <a:schemeClr val="lt1"/>
+      </a:fontRef>
+    </dgm:style>
+  </dgm:styleLbl>
+  <dgm:styleLbl name="fgSibTrans2D1">
+    <dgm:scene3d>
+      <a:camera prst="orthographicFront"/>
+      <a:lightRig rig="threePt" dir="t"/>
+    </dgm:scene3d>
+    <dgm:sp3d/>
+    <dgm:txPr/>
+    <dgm:style>
+      <a:lnRef idx="0">
+        <a:scrgbClr r="0" g="0" b="0"/>
+      </a:lnRef>
+      <a:fillRef idx="1">
+        <a:scrgbClr r="0" g="0" b="0"/>
+      </a:fillRef>
+      <a:effectRef idx="0">
+        <a:scrgbClr r="0" g="0" b="0"/>
+      </a:effectRef>
+      <a:fontRef idx="minor">
+        <a:schemeClr val="lt1"/>
+      </a:fontRef>
+    </dgm:style>
+  </dgm:styleLbl>
+  <dgm:styleLbl name="bgSibTrans2D1">
+    <dgm:scene3d>
+      <a:camera prst="orthographicFront"/>
+      <a:lightRig rig="threePt" dir="t"/>
+    </dgm:scene3d>
+    <dgm:sp3d/>
+    <dgm:txPr/>
+    <dgm:style>
+      <a:lnRef idx="0">
+        <a:scrgbClr r="0" g="0" b="0"/>
+      </a:lnRef>
+      <a:fillRef idx="1">
+        <a:scrgbClr r="0" g="0" b="0"/>
+      </a:fillRef>
+      <a:effectRef idx="0">
+        <a:scrgbClr r="0" g="0" b="0"/>
+      </a:effectRef>
+      <a:fontRef idx="minor">
+        <a:schemeClr val="lt1"/>
+      </a:fontRef>
+    </dgm:style>
+  </dgm:styleLbl>
+  <dgm:styleLbl name="sibTrans1D1">
+    <dgm:scene3d>
+      <a:camera prst="orthographicFront"/>
+      <a:lightRig rig="threePt" dir="t"/>
+    </dgm:scene3d>
+    <dgm:sp3d/>
+    <dgm:txPr/>
+    <dgm:style>
+      <a:lnRef idx="1">
+        <a:scrgbClr r="0" g="0" b="0"/>
+      </a:lnRef>
+      <a:fillRef idx="0">
+        <a:scrgbClr r="0" g="0" b="0"/>
+      </a:fillRef>
+      <a:effectRef idx="0">
+        <a:scrgbClr r="0" g="0" b="0"/>
+      </a:effectRef>
+      <a:fontRef idx="minor"/>
+    </dgm:style>
+  </dgm:styleLbl>
+  <dgm:styleLbl name="callout">
+    <dgm:scene3d>
+      <a:camera prst="orthographicFront"/>
+      <a:lightRig rig="threePt" dir="t"/>
+    </dgm:scene3d>
+    <dgm:sp3d/>
+    <dgm:txPr/>
+    <dgm:style>
+      <a:lnRef idx="2">
+        <a:scrgbClr r="0" g="0" b="0"/>
+      </a:lnRef>
+      <a:fillRef idx="1">
+        <a:scrgbClr r="0" g="0" b="0"/>
+      </a:fillRef>
+      <a:effectRef idx="0">
+        <a:scrgbClr r="0" g="0" b="0"/>
+      </a:effectRef>
+      <a:fontRef idx="minor"/>
+    </dgm:style>
+  </dgm:styleLbl>
+  <dgm:styleLbl name="asst0">
+    <dgm:scene3d>
+      <a:camera prst="orthographicFront"/>
+      <a:lightRig rig="threePt" dir="t"/>
+    </dgm:scene3d>
+    <dgm:sp3d/>
+    <dgm:txPr/>
+    <dgm:style>
+      <a:lnRef idx="2">
+        <a:scrgbClr r="0" g="0" b="0"/>
+      </a:lnRef>
+      <a:fillRef idx="1">
+        <a:scrgbClr r="0" g="0" b="0"/>
+      </a:fillRef>
+      <a:effectRef idx="0">
+        <a:scrgbClr r="0" g="0" b="0"/>
+      </a:effectRef>
+      <a:fontRef idx="minor">
+        <a:schemeClr val="lt1"/>
+      </a:fontRef>
+    </dgm:style>
+  </dgm:styleLbl>
+  <dgm:styleLbl name="asst1">
+    <dgm:scene3d>
+      <a:camera prst="orthographicFront"/>
+      <a:lightRig rig="threePt" dir="t"/>
+    </dgm:scene3d>
+    <dgm:sp3d/>
+    <dgm:txPr/>
+    <dgm:style>
+      <a:lnRef idx="2">
+        <a:scrgbClr r="0" g="0" b="0"/>
+      </a:lnRef>
+      <a:fillRef idx="1">
+        <a:scrgbClr r="0" g="0" b="0"/>
+      </a:fillRef>
+      <a:effectRef idx="0">
+        <a:scrgbClr r="0" g="0" b="0"/>
+      </a:effectRef>
+      <a:fontRef idx="minor">
+        <a:schemeClr val="lt1"/>
+      </a:fontRef>
+    </dgm:style>
+  </dgm:styleLbl>
+  <dgm:styleLbl name="asst2">
+    <dgm:scene3d>
+      <a:camera prst="orthographicFront"/>
+      <a:lightRig rig="threePt" dir="t"/>
+    </dgm:scene3d>
+    <dgm:sp3d/>
+    <dgm:txPr/>
+    <dgm:style>
+      <a:lnRef idx="2">
+        <a:scrgbClr r="0" g="0" b="0"/>
+      </a:lnRef>
+      <a:fillRef idx="1">
+        <a:scrgbClr r="0" g="0" b="0"/>
+      </a:fillRef>
+      <a:effectRef idx="0">
+        <a:scrgbClr r="0" g="0" b="0"/>
+      </a:effectRef>
+      <a:fontRef idx="minor">
+        <a:schemeClr val="lt1"/>
+      </a:fontRef>
+    </dgm:style>
+  </dgm:styleLbl>
+  <dgm:styleLbl name="asst3">
+    <dgm:scene3d>
+      <a:camera prst="orthographicFront"/>
+      <a:lightRig rig="threePt" dir="t"/>
+    </dgm:scene3d>
+    <dgm:sp3d/>
+    <dgm:txPr/>
+    <dgm:style>
+      <a:lnRef idx="2">
+        <a:scrgbClr r="0" g="0" b="0"/>
+      </a:lnRef>
+      <a:fillRef idx="1">
+        <a:scrgbClr r="0" g="0" b="0"/>
+      </a:fillRef>
+      <a:effectRef idx="0">
+        <a:scrgbClr r="0" g="0" b="0"/>
+      </a:effectRef>
+      <a:fontRef idx="minor">
+        <a:schemeClr val="lt1"/>
+      </a:fontRef>
+    </dgm:style>
+  </dgm:styleLbl>
+  <dgm:styleLbl name="asst4">
+    <dgm:scene3d>
+      <a:camera prst="orthographicFront"/>
+      <a:lightRig rig="threePt" dir="t"/>
+    </dgm:scene3d>
+    <dgm:sp3d/>
+    <dgm:txPr/>
+    <dgm:style>
+      <a:lnRef idx="2">
+        <a:scrgbClr r="0" g="0" b="0"/>
+      </a:lnRef>
+      <a:fillRef idx="1">
+        <a:scrgbClr r="0" g="0" b="0"/>
+      </a:fillRef>
+      <a:effectRef idx="0">
+        <a:scrgbClr r="0" g="0" b="0"/>
+      </a:effectRef>
+      <a:fontRef idx="minor">
+        <a:schemeClr val="lt1"/>
+      </a:fontRef>
+    </dgm:style>
+  </dgm:styleLbl>
+  <dgm:styleLbl name="parChTrans2D1">
+    <dgm:scene3d>
+      <a:camera prst="orthographicFront"/>
+      <a:lightRig rig="threePt" dir="t"/>
+    </dgm:scene3d>
+    <dgm:sp3d/>
+    <dgm:txPr/>
+    <dgm:style>
+      <a:lnRef idx="2">
+        <a:scrgbClr r="0" g="0" b="0"/>
+      </a:lnRef>
+      <a:fillRef idx="1">
+        <a:scrgbClr r="0" g="0" b="0"/>
+      </a:fillRef>
+      <a:effectRef idx="0">
+        <a:scrgbClr r="0" g="0" b="0"/>
+      </a:effectRef>
+      <a:fontRef idx="minor">
+        <a:schemeClr val="lt1"/>
+      </a:fontRef>
+    </dgm:style>
+  </dgm:styleLbl>
+  <dgm:styleLbl name="parChTrans2D2">
+    <dgm:scene3d>
+      <a:camera prst="orthographicFront"/>
+      <a:lightRig rig="threePt" dir="t"/>
+    </dgm:scene3d>
+    <dgm:sp3d/>
+    <dgm:txPr/>
+    <dgm:style>
+      <a:lnRef idx="2">
+        <a:scrgbClr r="0" g="0" b="0"/>
+      </a:lnRef>
+      <a:fillRef idx="1">
+        <a:scrgbClr r="0" g="0" b="0"/>
+      </a:fillRef>
+      <a:effectRef idx="0">
+        <a:scrgbClr r="0" g="0" b="0"/>
+      </a:effectRef>
+      <a:fontRef idx="minor">
+        <a:schemeClr val="lt1"/>
+      </a:fontRef>
+    </dgm:style>
+  </dgm:styleLbl>
+  <dgm:styleLbl name="parChTrans2D3">
+    <dgm:scene3d>
+      <a:camera prst="orthographicFront"/>
+      <a:lightRig rig="threePt" dir="t"/>
+    </dgm:scene3d>
+    <dgm:sp3d/>
+    <dgm:txPr/>
+    <dgm:style>
+      <a:lnRef idx="2">
+        <a:scrgbClr r="0" g="0" b="0"/>
+      </a:lnRef>
+      <a:fillRef idx="1">
+        <a:scrgbClr r="0" g="0" b="0"/>
+      </a:fillRef>
+      <a:effectRef idx="0">
+        <a:scrgbClr r="0" g="0" b="0"/>
+      </a:effectRef>
+      <a:fontRef idx="minor">
+        <a:schemeClr val="lt1"/>
+      </a:fontRef>
+    </dgm:style>
+  </dgm:styleLbl>
+  <dgm:styleLbl name="parChTrans2D4">
+    <dgm:scene3d>
+      <a:camera prst="orthographicFront"/>
+      <a:lightRig rig="threePt" dir="t"/>
+    </dgm:scene3d>
+    <dgm:sp3d/>
+    <dgm:txPr/>
+    <dgm:style>
+      <a:lnRef idx="2">
+        <a:scrgbClr r="0" g="0" b="0"/>
+      </a:lnRef>
+      <a:fillRef idx="1">
+        <a:scrgbClr r="0" g="0" b="0"/>
+      </a:fillRef>
+      <a:effectRef idx="0">
+        <a:scrgbClr r="0" g="0" b="0"/>
+      </a:effectRef>
+      <a:fontRef idx="minor">
+        <a:schemeClr val="lt1"/>
+      </a:fontRef>
+    </dgm:style>
+  </dgm:styleLbl>
+  <dgm:styleLbl name="parChTrans1D1">
+    <dgm:scene3d>
+      <a:camera prst="orthographicFront"/>
+      <a:lightRig rig="threePt" dir="t"/>
+    </dgm:scene3d>
+    <dgm:sp3d/>
+    <dgm:txPr/>
+    <dgm:style>
+      <a:lnRef idx="2">
+        <a:scrgbClr r="0" g="0" b="0"/>
+      </a:lnRef>
+      <a:fillRef idx="0">
+        <a:scrgbClr r="0" g="0" b="0"/>
+      </a:fillRef>
+      <a:effectRef idx="0">
+        <a:scrgbClr r="0" g="0" b="0"/>
+      </a:effectRef>
+      <a:fontRef idx="minor"/>
+    </dgm:style>
+  </dgm:styleLbl>
+  <dgm:styleLbl name="parChTrans1D2">
+    <dgm:scene3d>
+      <a:camera prst="orthographicFront"/>
+      <a:lightRig rig="threePt" dir="t"/>
+    </dgm:scene3d>
+    <dgm:sp3d/>
+    <dgm:txPr/>
+    <dgm:style>
+      <a:lnRef idx="2">
+        <a:scrgbClr r="0" g="0" b="0"/>
+      </a:lnRef>
+      <a:fillRef idx="0">
+        <a:scrgbClr r="0" g="0" b="0"/>
+      </a:fillRef>
+      <a:effectRef idx="0">
+        <a:scrgbClr r="0" g="0" b="0"/>
+      </a:effectRef>
+      <a:fontRef idx="minor"/>
+    </dgm:style>
+  </dgm:styleLbl>
+  <dgm:styleLbl name="parChTrans1D3">
+    <dgm:scene3d>
+      <a:camera prst="orthographicFront"/>
+      <a:lightRig rig="threePt" dir="t"/>
+    </dgm:scene3d>
+    <dgm:sp3d/>
+    <dgm:txPr/>
+    <dgm:style>
+      <a:lnRef idx="2">
+        <a:scrgbClr r="0" g="0" b="0"/>
+      </a:lnRef>
+      <a:fillRef idx="0">
+        <a:scrgbClr r="0" g="0" b="0"/>
+      </a:fillRef>
+      <a:effectRef idx="0">
+        <a:scrgbClr r="0" g="0" b="0"/>
+      </a:effectRef>
+      <a:fontRef idx="minor"/>
+    </dgm:style>
+  </dgm:styleLbl>
+  <dgm:styleLbl name="parChTrans1D4">
+    <dgm:scene3d>
+      <a:camera prst="orthographicFront"/>
+      <a:lightRig rig="threePt" dir="t"/>
+    </dgm:scene3d>
+    <dgm:sp3d/>
+    <dgm:txPr/>
+    <dgm:style>
+      <a:lnRef idx="2">
+        <a:scrgbClr r="0" g="0" b="0"/>
+      </a:lnRef>
+      <a:fillRef idx="0">
+        <a:scrgbClr r="0" g="0" b="0"/>
+      </a:fillRef>
+      <a:effectRef idx="0">
+        <a:scrgbClr r="0" g="0" b="0"/>
+      </a:effectRef>
+      <a:fontRef idx="minor"/>
+    </dgm:style>
+  </dgm:styleLbl>
+  <dgm:styleLbl name="fgAcc1">
+    <dgm:scene3d>
+      <a:camera prst="orthographicFront"/>
+      <a:lightRig rig="threePt" dir="t"/>
+    </dgm:scene3d>
+    <dgm:sp3d/>
+    <dgm:txPr/>
+    <dgm:style>
+      <a:lnRef idx="2">
+        <a:scrgbClr r="0" g="0" b="0"/>
+      </a:lnRef>
+      <a:fillRef idx="1">
+        <a:scrgbClr r="0" g="0" b="0"/>
+      </a:fillRef>
+      <a:effectRef idx="0">
+        <a:scrgbClr r="0" g="0" b="0"/>
+      </a:effectRef>
+      <a:fontRef idx="minor"/>
+    </dgm:style>
+  </dgm:styleLbl>
+  <dgm:styleLbl name="conFgAcc1">
+    <dgm:scene3d>
+      <a:camera prst="orthographicFront"/>
+      <a:lightRig rig="threePt" dir="t"/>
+    </dgm:scene3d>
+    <dgm:sp3d/>
+    <dgm:txPr/>
+    <dgm:style>
+      <a:lnRef idx="2">
+        <a:scrgbClr r="0" g="0" b="0"/>
+      </a:lnRef>
+      <a:fillRef idx="1">
+        <a:scrgbClr r="0" g="0" b="0"/>
+      </a:fillRef>
+      <a:effectRef idx="0">
+        <a:scrgbClr r="0" g="0" b="0"/>
+      </a:effectRef>
+      <a:fontRef idx="minor"/>
+    </dgm:style>
+  </dgm:styleLbl>
+  <dgm:styleLbl name="alignAcc1">
+    <dgm:scene3d>
+      <a:camera prst="orthographicFront"/>
+      <a:lightRig rig="threePt" dir="t"/>
+    </dgm:scene3d>
+    <dgm:sp3d/>
+    <dgm:txPr/>
+    <dgm:style>
+      <a:lnRef idx="2">
+        <a:scrgbClr r="0" g="0" b="0"/>
+      </a:lnRef>
+      <a:fillRef idx="1">
+        <a:scrgbClr r="0" g="0" b="0"/>
+      </a:fillRef>
+      <a:effectRef idx="0">
+        <a:scrgbClr r="0" g="0" b="0"/>
+      </a:effectRef>
+      <a:fontRef idx="minor"/>
+    </dgm:style>
+  </dgm:styleLbl>
+  <dgm:styleLbl name="trAlignAcc1">
+    <dgm:scene3d>
+      <a:camera prst="orthographicFront"/>
+      <a:lightRig rig="threePt" dir="t"/>
+    </dgm:scene3d>
+    <dgm:sp3d/>
+    <dgm:txPr/>
+    <dgm:style>
+      <a:lnRef idx="1">
+        <a:scrgbClr r="0" g="0" b="0"/>
+      </a:lnRef>
+      <a:fillRef idx="1">
+        <a:scrgbClr r="0" g="0" b="0"/>
+      </a:fillRef>
+      <a:effectRef idx="0">
+        <a:scrgbClr r="0" g="0" b="0"/>
+      </a:effectRef>
+      <a:fontRef idx="minor"/>
+    </dgm:style>
+  </dgm:styleLbl>
+  <dgm:styleLbl name="bgAcc1">
+    <dgm:scene3d>
+      <a:camera prst="orthographicFront"/>
+      <a:lightRig rig="threePt" dir="t"/>
+    </dgm:scene3d>
+    <dgm:sp3d/>
+    <dgm:txPr/>
+    <dgm:style>
+      <a:lnRef idx="2">
+        <a:scrgbClr r="0" g="0" b="0"/>
+      </a:lnRef>
+      <a:fillRef idx="1">
+        <a:scrgbClr r="0" g="0" b="0"/>
+      </a:fillRef>
+      <a:effectRef idx="0">
+        <a:scrgbClr r="0" g="0" b="0"/>
+      </a:effectRef>
+      <a:fontRef idx="minor"/>
+    </dgm:style>
+  </dgm:styleLbl>
+  <dgm:styleLbl name="solidFgAcc1">
+    <dgm:scene3d>
+      <a:camera prst="orthographicFront"/>
+      <a:lightRig rig="threePt" dir="t"/>
+    </dgm:scene3d>
+    <dgm:sp3d/>
+    <dgm:txPr/>
+    <dgm:style>
+      <a:lnRef idx="2">
+        <a:scrgbClr r="0" g="0" b="0"/>
+      </a:lnRef>
+      <a:fillRef idx="1">
+        <a:scrgbClr r="0" g="0" b="0"/>
+      </a:fillRef>
+      <a:effectRef idx="0">
+        <a:scrgbClr r="0" g="0" b="0"/>
+      </a:effectRef>
+      <a:fontRef idx="minor"/>
+    </dgm:style>
+  </dgm:styleLbl>
+  <dgm:styleLbl name="solidAlignAcc1">
+    <dgm:scene3d>
+      <a:camera prst="orthographicFront"/>
+      <a:lightRig rig="threePt" dir="t"/>
+    </dgm:scene3d>
+    <dgm:sp3d/>
+    <dgm:txPr/>
+    <dgm:style>
+      <a:lnRef idx="2">
+        <a:scrgbClr r="0" g="0" b="0"/>
+      </a:lnRef>
+      <a:fillRef idx="1">
+        <a:scrgbClr r="0" g="0" b="0"/>
+      </a:fillRef>
+      <a:effectRef idx="0">
+        <a:scrgbClr r="0" g="0" b="0"/>
+      </a:effectRef>
+      <a:fontRef idx="minor"/>
+    </dgm:style>
+  </dgm:styleLbl>
+  <dgm:styleLbl name="solidBgAcc1">
+    <dgm:scene3d>
+      <a:camera prst="orthographicFront"/>
+      <a:lightRig rig="threePt" dir="t"/>
+    </dgm:scene3d>
+    <dgm:sp3d/>
+    <dgm:txPr/>
+    <dgm:style>
+      <a:lnRef idx="2">
+        <a:scrgbClr r="0" g="0" b="0"/>
+      </a:lnRef>
+      <a:fillRef idx="1">
+        <a:scrgbClr r="0" g="0" b="0"/>
+      </a:fillRef>
+      <a:effectRef idx="0">
+        <a:scrgbClr r="0" g="0" b="0"/>
+      </a:effectRef>
+      <a:fontRef idx="minor"/>
+    </dgm:style>
+  </dgm:styleLbl>
+  <dgm:styleLbl name="fgAccFollowNode1">
+    <dgm:scene3d>
+      <a:camera prst="orthographicFront"/>
+      <a:lightRig rig="threePt" dir="t"/>
+    </dgm:scene3d>
+    <dgm:sp3d/>
+    <dgm:txPr/>
+    <dgm:style>
+      <a:lnRef idx="2">
+        <a:scrgbClr r="0" g="0" b="0"/>
+      </a:lnRef>
+      <a:fillRef idx="1">
+        <a:scrgbClr r="0" g="0" b="0"/>
+      </a:fillRef>
+      <a:effectRef idx="0">
+        <a:scrgbClr r="0" g="0" b="0"/>
+      </a:effectRef>
+      <a:fontRef idx="minor"/>
+    </dgm:style>
+  </dgm:styleLbl>
+  <dgm:styleLbl name="alignAccFollowNode1">
+    <dgm:scene3d>
+      <a:camera prst="orthographicFront"/>
+      <a:lightRig rig="threePt" dir="t"/>
+    </dgm:scene3d>
+    <dgm:sp3d/>
+    <dgm:txPr/>
+    <dgm:style>
+      <a:lnRef idx="2">
+        <a:scrgbClr r="0" g="0" b="0"/>
+      </a:lnRef>
+      <a:fillRef idx="1">
+        <a:scrgbClr r="0" g="0" b="0"/>
+      </a:fillRef>
+      <a:effectRef idx="0">
+        <a:scrgbClr r="0" g="0" b="0"/>
+      </a:effectRef>
+      <a:fontRef idx="minor"/>
+    </dgm:style>
+  </dgm:styleLbl>
+  <dgm:styleLbl name="bgAccFollowNode1">
+    <dgm:scene3d>
+      <a:camera prst="orthographicFront"/>
+      <a:lightRig rig="threePt" dir="t"/>
+    </dgm:scene3d>
+    <dgm:sp3d/>
+    <dgm:txPr/>
+    <dgm:style>
+      <a:lnRef idx="2">
+        <a:scrgbClr r="0" g="0" b="0"/>
+      </a:lnRef>
+      <a:fillRef idx="1">
+        <a:scrgbClr r="0" g="0" b="0"/>
+      </a:fillRef>
+      <a:effectRef idx="0">
+        <a:scrgbClr r="0" g="0" b="0"/>
+      </a:effectRef>
+      <a:fontRef idx="minor"/>
+    </dgm:style>
+  </dgm:styleLbl>
+  <dgm:styleLbl name="fgAcc0">
+    <dgm:scene3d>
+      <a:camera prst="orthographicFront"/>
+      <a:lightRig rig="threePt" dir="t"/>
+    </dgm:scene3d>
+    <dgm:sp3d/>
+    <dgm:txPr/>
+    <dgm:style>
+      <a:lnRef idx="2">
+        <a:scrgbClr r="0" g="0" b="0"/>
+      </a:lnRef>
+      <a:fillRef idx="1">
+        <a:scrgbClr r="0" g="0" b="0"/>
+      </a:fillRef>
+      <a:effectRef idx="0">
+        <a:scrgbClr r="0" g="0" b="0"/>
+      </a:effectRef>
+      <a:fontRef idx="minor"/>
+    </dgm:style>
+  </dgm:styleLbl>
+  <dgm:styleLbl name="fgAcc2">
+    <dgm:scene3d>
+      <a:camera prst="orthographicFront"/>
+      <a:lightRig rig="threePt" dir="t"/>
+    </dgm:scene3d>
+    <dgm:sp3d/>
+    <dgm:txPr/>
+    <dgm:style>
+      <a:lnRef idx="2">
+        <a:scrgbClr r="0" g="0" b="0"/>
+      </a:lnRef>
+      <a:fillRef idx="1">
+        <a:scrgbClr r="0" g="0" b="0"/>
+      </a:fillRef>
+      <a:effectRef idx="0">
+        <a:scrgbClr r="0" g="0" b="0"/>
+      </a:effectRef>
+      <a:fontRef idx="minor"/>
+    </dgm:style>
+  </dgm:styleLbl>
+  <dgm:styleLbl name="fgAcc3">
+    <dgm:scene3d>
+      <a:camera prst="orthographicFront"/>
+      <a:lightRig rig="threePt" dir="t"/>
+    </dgm:scene3d>
+    <dgm:sp3d/>
+    <dgm:txPr/>
+    <dgm:style>
+      <a:lnRef idx="2">
+        <a:scrgbClr r="0" g="0" b="0"/>
+      </a:lnRef>
+      <a:fillRef idx="1">
+        <a:scrgbClr r="0" g="0" b="0"/>
+      </a:fillRef>
+      <a:effectRef idx="0">
+        <a:scrgbClr r="0" g="0" b="0"/>
+      </a:effectRef>
+      <a:fontRef idx="minor"/>
+    </dgm:style>
+  </dgm:styleLbl>
+  <dgm:styleLbl name="fgAcc4">
+    <dgm:scene3d>
+      <a:camera prst="orthographicFront"/>
+      <a:lightRig rig="threePt" dir="t"/>
+    </dgm:scene3d>
+    <dgm:sp3d/>
+    <dgm:txPr/>
+    <dgm:style>
+      <a:lnRef idx="2">
+        <a:scrgbClr r="0" g="0" b="0"/>
+      </a:lnRef>
+      <a:fillRef idx="1">
+        <a:scrgbClr r="0" g="0" b="0"/>
+      </a:fillRef>
+      <a:effectRef idx="0">
+        <a:scrgbClr r="0" g="0" b="0"/>
+      </a:effectRef>
+      <a:fontRef idx="minor"/>
+    </dgm:style>
+  </dgm:styleLbl>
+  <dgm:styleLbl name="bgShp">
+    <dgm:scene3d>
+      <a:camera prst="orthographicFront"/>
+      <a:lightRig rig="threePt" dir="t"/>
+    </dgm:scene3d>
+    <dgm:sp3d/>
+    <dgm:txPr/>
+    <dgm:style>
+      <a:lnRef idx="0">
+        <a:scrgbClr r="0" g="0" b="0"/>
+      </a:lnRef>
+      <a:fillRef idx="1">
+        <a:scrgbClr r="0" g="0" b="0"/>
+      </a:fillRef>
+      <a:effectRef idx="0">
+        <a:scrgbClr r="0" g="0" b="0"/>
+      </a:effectRef>
+      <a:fontRef idx="minor"/>
+    </dgm:style>
+  </dgm:styleLbl>
+  <dgm:styleLbl name="dkBgShp">
+    <dgm:scene3d>
+      <a:camera prst="orthographicFront"/>
+      <a:lightRig rig="threePt" dir="t"/>
+    </dgm:scene3d>
+    <dgm:sp3d/>
+    <dgm:txPr/>
+    <dgm:style>
+      <a:lnRef idx="0">
+        <a:scrgbClr r="0" g="0" b="0"/>
+      </a:lnRef>
+      <a:fillRef idx="1">
+        <a:scrgbClr r="0" g="0" b="0"/>
+      </a:fillRef>
+      <a:effectRef idx="0">
+        <a:scrgbClr r="0" g="0" b="0"/>
+      </a:effectRef>
+      <a:fontRef idx="minor"/>
+    </dgm:style>
+  </dgm:styleLbl>
+  <dgm:styleLbl name="trBgShp">
+    <dgm:scene3d>
+      <a:camera prst="orthographicFront"/>
+      <a:lightRig rig="threePt" dir="t"/>
+    </dgm:scene3d>
+    <dgm:sp3d/>
+    <dgm:txPr/>
+    <dgm:style>
+      <a:lnRef idx="0">
+        <a:scrgbClr r="0" g="0" b="0"/>
+      </a:lnRef>
+      <a:fillRef idx="1">
+        <a:scrgbClr r="0" g="0" b="0"/>
+      </a:fillRef>
+      <a:effectRef idx="0">
+        <a:scrgbClr r="0" g="0" b="0"/>
+      </a:effectRef>
+      <a:fontRef idx="minor"/>
+    </dgm:style>
+  </dgm:styleLbl>
+  <dgm:styleLbl name="fgShp">
+    <dgm:scene3d>
+      <a:camera prst="orthographicFront"/>
+      <a:lightRig rig="threePt" dir="t"/>
+    </dgm:scene3d>
+    <dgm:sp3d/>
+    <dgm:txPr/>
+    <dgm:style>
+      <a:lnRef idx="2">
+        <a:scrgbClr r="0" g="0" b="0"/>
+      </a:lnRef>
+      <a:fillRef idx="1">
+        <a:scrgbClr r="0" g="0" b="0"/>
+      </a:fillRef>
+      <a:effectRef idx="0">
+        <a:scrgbClr r="0" g="0" b="0"/>
+      </a:effectRef>
+      <a:fontRef idx="minor"/>
+    </dgm:style>
+  </dgm:styleLbl>
+  <dgm:styleLbl name="revTx">
+    <dgm:scene3d>
+      <a:camera prst="orthographicFront"/>
+      <a:lightRig rig="threePt" dir="t"/>
+    </dgm:scene3d>
+    <dgm:sp3d/>
+    <dgm:txPr/>
+    <dgm:style>
+      <a:lnRef idx="0">
+        <a:scrgbClr r="0" g="0" b="0"/>
+      </a:lnRef>
+      <a:fillRef idx="0">
+        <a:scrgbClr r="0" g="0" b="0"/>
+      </a:fillRef>
+      <a:effectRef idx="0">
+        <a:scrgbClr r="0" g="0" b="0"/>
+      </a:effectRef>
+      <a:fontRef idx="minor"/>
+    </dgm:style>
+  </dgm:styleLbl>
+</dgm:styleDef>
 </file>
 
 <file path=ppt/notesMasters/notesMaster1.xml><?xml version="1.0" encoding="utf-8"?>
@@ -197,7 +4089,7 @@
           <a:p>
             <a:fld id="{9304B059-524C-4D33-A4E9-851B39E10D21}" type="datetimeFigureOut">
               <a:rPr lang="en-US" smtClean="0"/>
-              <a:t>3/6/2016</a:t>
+              <a:t>3/7/2016</a:t>
             </a:fld>
             <a:endParaRPr lang="en-US"/>
           </a:p>
@@ -549,6 +4441,390 @@
 </p:notes>
 </file>
 
+<file path=ppt/notesSlides/notesSlide2.xml><?xml version="1.0" encoding="utf-8"?>
+<p:notes xmlns:a="http://schemas.openxmlformats.org/drawingml/2006/main" xmlns:r="http://schemas.openxmlformats.org/officeDocument/2006/relationships" xmlns:p="http://schemas.openxmlformats.org/presentationml/2006/main">
+  <p:cSld>
+    <p:spTree>
+      <p:nvGrpSpPr>
+        <p:cNvPr id="1" name=""/>
+        <p:cNvGrpSpPr/>
+        <p:nvPr/>
+      </p:nvGrpSpPr>
+      <p:grpSpPr>
+        <a:xfrm>
+          <a:off x="0" y="0"/>
+          <a:ext cx="0" cy="0"/>
+          <a:chOff x="0" y="0"/>
+          <a:chExt cx="0" cy="0"/>
+        </a:xfrm>
+      </p:grpSpPr>
+      <p:sp>
+        <p:nvSpPr>
+          <p:cNvPr id="2" name="Slide Image Placeholder 1"/>
+          <p:cNvSpPr>
+            <a:spLocks noGrp="1" noRot="1" noChangeAspect="1"/>
+          </p:cNvSpPr>
+          <p:nvPr>
+            <p:ph type="sldImg"/>
+          </p:nvPr>
+        </p:nvSpPr>
+        <p:spPr/>
+      </p:sp>
+      <p:sp>
+        <p:nvSpPr>
+          <p:cNvPr id="3" name="Notes Placeholder 2"/>
+          <p:cNvSpPr>
+            <a:spLocks noGrp="1"/>
+          </p:cNvSpPr>
+          <p:nvPr>
+            <p:ph type="body" idx="1"/>
+          </p:nvPr>
+        </p:nvSpPr>
+        <p:spPr/>
+        <p:txBody>
+          <a:bodyPr/>
+          <a:lstStyle/>
+          <a:p>
+            <a:r>
+              <a:rPr lang="en-US" dirty="0" err="1" smtClean="0"/>
+              <a:t>Scikit</a:t>
+            </a:r>
+            <a:r>
+              <a:rPr lang="en-US" dirty="0" smtClean="0"/>
+              <a:t> learn</a:t>
+            </a:r>
+          </a:p>
+          <a:p>
+            <a:r>
+              <a:rPr lang="en-US" dirty="0" smtClean="0"/>
+              <a:t>Benefits: Already implemented classifier, already using for encoding, well documented, works with python 3.5</a:t>
+            </a:r>
+          </a:p>
+          <a:p>
+            <a:r>
+              <a:rPr lang="en-US" dirty="0" smtClean="0"/>
+              <a:t>Challenges: Does a lot of the work on classification for us, so need to read more on what is actually happening to decide what settings to use, etc.</a:t>
+            </a:r>
+          </a:p>
+          <a:p>
+            <a:r>
+              <a:rPr lang="en-US" dirty="0" smtClean="0"/>
+              <a:t>Explain what classifiers we looked at (Decision trees, naïve </a:t>
+            </a:r>
+            <a:r>
+              <a:rPr lang="en-US" dirty="0" err="1" smtClean="0"/>
+              <a:t>bayes</a:t>
+            </a:r>
+            <a:r>
+              <a:rPr lang="en-US" dirty="0" smtClean="0"/>
+              <a:t>, multinomial naïve </a:t>
+            </a:r>
+            <a:r>
+              <a:rPr lang="en-US" dirty="0" err="1" smtClean="0"/>
+              <a:t>bayes</a:t>
+            </a:r>
+            <a:r>
+              <a:rPr lang="en-US" dirty="0" smtClean="0"/>
+              <a:t>)</a:t>
+            </a:r>
+          </a:p>
+          <a:p>
+            <a:pPr lvl="1"/>
+            <a:r>
+              <a:rPr lang="en-US" dirty="0" smtClean="0"/>
+              <a:t>Decision trees not good for categorical data</a:t>
+            </a:r>
+          </a:p>
+          <a:p>
+            <a:pPr lvl="1"/>
+            <a:r>
+              <a:rPr lang="en-US" dirty="0" smtClean="0"/>
+              <a:t>Naïve </a:t>
+            </a:r>
+            <a:r>
+              <a:rPr lang="en-US" dirty="0" err="1" smtClean="0"/>
+              <a:t>bayes</a:t>
+            </a:r>
+            <a:r>
+              <a:rPr lang="en-US" dirty="0" smtClean="0"/>
+              <a:t> can </a:t>
+            </a:r>
+            <a:r>
+              <a:rPr lang="en-US" dirty="0" err="1" smtClean="0"/>
+              <a:t>overfit</a:t>
+            </a:r>
+            <a:r>
+              <a:rPr lang="en-US" dirty="0" smtClean="0"/>
+              <a:t> small training data (check this)</a:t>
+            </a:r>
+          </a:p>
+          <a:p>
+            <a:endParaRPr lang="en-US" dirty="0"/>
+          </a:p>
+        </p:txBody>
+      </p:sp>
+      <p:sp>
+        <p:nvSpPr>
+          <p:cNvPr id="4" name="Slide Number Placeholder 3"/>
+          <p:cNvSpPr>
+            <a:spLocks noGrp="1"/>
+          </p:cNvSpPr>
+          <p:nvPr>
+            <p:ph type="sldNum" sz="quarter" idx="10"/>
+          </p:nvPr>
+        </p:nvSpPr>
+        <p:spPr/>
+        <p:txBody>
+          <a:bodyPr/>
+          <a:lstStyle/>
+          <a:p>
+            <a:fld id="{5C174FE8-DF6C-4EF5-B0FB-42D9388190FD}" type="slidenum">
+              <a:rPr lang="en-US" smtClean="0"/>
+              <a:t>5</a:t>
+            </a:fld>
+            <a:endParaRPr lang="en-US"/>
+          </a:p>
+        </p:txBody>
+      </p:sp>
+    </p:spTree>
+    <p:extLst>
+      <p:ext uri="{BB962C8B-B14F-4D97-AF65-F5344CB8AC3E}">
+        <p14:creationId xmlns:p14="http://schemas.microsoft.com/office/powerpoint/2010/main" val="3723422077"/>
+      </p:ext>
+    </p:extLst>
+  </p:cSld>
+  <p:clrMapOvr>
+    <a:masterClrMapping/>
+  </p:clrMapOvr>
+</p:notes>
+</file>
+
+<file path=ppt/notesSlides/notesSlide3.xml><?xml version="1.0" encoding="utf-8"?>
+<p:notes xmlns:a="http://schemas.openxmlformats.org/drawingml/2006/main" xmlns:r="http://schemas.openxmlformats.org/officeDocument/2006/relationships" xmlns:p="http://schemas.openxmlformats.org/presentationml/2006/main">
+  <p:cSld>
+    <p:spTree>
+      <p:nvGrpSpPr>
+        <p:cNvPr id="1" name=""/>
+        <p:cNvGrpSpPr/>
+        <p:nvPr/>
+      </p:nvGrpSpPr>
+      <p:grpSpPr>
+        <a:xfrm>
+          <a:off x="0" y="0"/>
+          <a:ext cx="0" cy="0"/>
+          <a:chOff x="0" y="0"/>
+          <a:chExt cx="0" cy="0"/>
+        </a:xfrm>
+      </p:grpSpPr>
+      <p:sp>
+        <p:nvSpPr>
+          <p:cNvPr id="2" name="Slide Image Placeholder 1"/>
+          <p:cNvSpPr>
+            <a:spLocks noGrp="1" noRot="1" noChangeAspect="1"/>
+          </p:cNvSpPr>
+          <p:nvPr>
+            <p:ph type="sldImg"/>
+          </p:nvPr>
+        </p:nvSpPr>
+        <p:spPr/>
+      </p:sp>
+      <p:sp>
+        <p:nvSpPr>
+          <p:cNvPr id="3" name="Notes Placeholder 2"/>
+          <p:cNvSpPr>
+            <a:spLocks noGrp="1"/>
+          </p:cNvSpPr>
+          <p:nvPr>
+            <p:ph type="body" idx="1"/>
+          </p:nvPr>
+        </p:nvSpPr>
+        <p:spPr/>
+        <p:txBody>
+          <a:bodyPr/>
+          <a:lstStyle/>
+          <a:p>
+            <a:r>
+              <a:rPr lang="en-US" dirty="0" smtClean="0"/>
+              <a:t>Decision</a:t>
+            </a:r>
+            <a:r>
+              <a:rPr lang="en-US" baseline="0" dirty="0" smtClean="0"/>
+              <a:t> trees – overfitting is hazard. Do not have a strong validation data set</a:t>
+            </a:r>
+          </a:p>
+          <a:p>
+            <a:r>
+              <a:rPr lang="en-US" baseline="0" dirty="0" smtClean="0"/>
+              <a:t>Naïve </a:t>
+            </a:r>
+            <a:r>
+              <a:rPr lang="en-US" baseline="0" dirty="0" err="1" smtClean="0"/>
+              <a:t>bayes</a:t>
+            </a:r>
+            <a:r>
+              <a:rPr lang="en-US" baseline="0" dirty="0" smtClean="0"/>
+              <a:t> – multinomial likely better fit than </a:t>
+            </a:r>
+            <a:r>
+              <a:rPr lang="en-US" baseline="0" smtClean="0"/>
+              <a:t>normal distribution</a:t>
+            </a:r>
+            <a:endParaRPr lang="en-US"/>
+          </a:p>
+        </p:txBody>
+      </p:sp>
+      <p:sp>
+        <p:nvSpPr>
+          <p:cNvPr id="4" name="Slide Number Placeholder 3"/>
+          <p:cNvSpPr>
+            <a:spLocks noGrp="1"/>
+          </p:cNvSpPr>
+          <p:nvPr>
+            <p:ph type="sldNum" sz="quarter" idx="10"/>
+          </p:nvPr>
+        </p:nvSpPr>
+        <p:spPr/>
+        <p:txBody>
+          <a:bodyPr/>
+          <a:lstStyle/>
+          <a:p>
+            <a:fld id="{5C174FE8-DF6C-4EF5-B0FB-42D9388190FD}" type="slidenum">
+              <a:rPr lang="en-US" smtClean="0"/>
+              <a:t>6</a:t>
+            </a:fld>
+            <a:endParaRPr lang="en-US"/>
+          </a:p>
+        </p:txBody>
+      </p:sp>
+    </p:spTree>
+    <p:extLst>
+      <p:ext uri="{BB962C8B-B14F-4D97-AF65-F5344CB8AC3E}">
+        <p14:creationId xmlns:p14="http://schemas.microsoft.com/office/powerpoint/2010/main" val="1733437502"/>
+      </p:ext>
+    </p:extLst>
+  </p:cSld>
+  <p:clrMapOvr>
+    <a:masterClrMapping/>
+  </p:clrMapOvr>
+</p:notes>
+</file>
+
+<file path=ppt/notesSlides/notesSlide4.xml><?xml version="1.0" encoding="utf-8"?>
+<p:notes xmlns:a="http://schemas.openxmlformats.org/drawingml/2006/main" xmlns:r="http://schemas.openxmlformats.org/officeDocument/2006/relationships" xmlns:p="http://schemas.openxmlformats.org/presentationml/2006/main">
+  <p:cSld>
+    <p:spTree>
+      <p:nvGrpSpPr>
+        <p:cNvPr id="1" name=""/>
+        <p:cNvGrpSpPr/>
+        <p:nvPr/>
+      </p:nvGrpSpPr>
+      <p:grpSpPr>
+        <a:xfrm>
+          <a:off x="0" y="0"/>
+          <a:ext cx="0" cy="0"/>
+          <a:chOff x="0" y="0"/>
+          <a:chExt cx="0" cy="0"/>
+        </a:xfrm>
+      </p:grpSpPr>
+      <p:sp>
+        <p:nvSpPr>
+          <p:cNvPr id="2" name="Slide Image Placeholder 1"/>
+          <p:cNvSpPr>
+            <a:spLocks noGrp="1" noRot="1" noChangeAspect="1"/>
+          </p:cNvSpPr>
+          <p:nvPr>
+            <p:ph type="sldImg"/>
+          </p:nvPr>
+        </p:nvSpPr>
+        <p:spPr/>
+      </p:sp>
+      <p:sp>
+        <p:nvSpPr>
+          <p:cNvPr id="3" name="Notes Placeholder 2"/>
+          <p:cNvSpPr>
+            <a:spLocks noGrp="1"/>
+          </p:cNvSpPr>
+          <p:nvPr>
+            <p:ph type="body" idx="1"/>
+          </p:nvPr>
+        </p:nvSpPr>
+        <p:spPr/>
+        <p:txBody>
+          <a:bodyPr/>
+          <a:lstStyle/>
+          <a:p>
+            <a:r>
+              <a:rPr lang="en-US" dirty="0" smtClean="0"/>
+              <a:t>Why radius neighbors classifier:</a:t>
+            </a:r>
+          </a:p>
+          <a:p>
+            <a:r>
+              <a:rPr lang="en-US" dirty="0" smtClean="0"/>
+              <a:t>Non parametric (small initial data set)</a:t>
+            </a:r>
+          </a:p>
+          <a:p>
+            <a:r>
+              <a:rPr lang="en-US" dirty="0" smtClean="0"/>
+              <a:t>Can handle outliers</a:t>
+            </a:r>
+          </a:p>
+          <a:p>
+            <a:r>
+              <a:rPr lang="en-US" dirty="0" smtClean="0"/>
+              <a:t>Can weight different features</a:t>
+            </a:r>
+          </a:p>
+          <a:p>
+            <a:r>
+              <a:rPr lang="en-US" dirty="0" smtClean="0"/>
+              <a:t>Can prioritize</a:t>
+            </a:r>
+            <a:r>
+              <a:rPr lang="en-US" baseline="0" dirty="0" smtClean="0"/>
+              <a:t> different data points</a:t>
+            </a:r>
+            <a:endParaRPr lang="en-US" dirty="0"/>
+          </a:p>
+        </p:txBody>
+      </p:sp>
+      <p:sp>
+        <p:nvSpPr>
+          <p:cNvPr id="4" name="Slide Number Placeholder 3"/>
+          <p:cNvSpPr>
+            <a:spLocks noGrp="1"/>
+          </p:cNvSpPr>
+          <p:nvPr>
+            <p:ph type="sldNum" sz="quarter" idx="10"/>
+          </p:nvPr>
+        </p:nvSpPr>
+        <p:spPr/>
+        <p:txBody>
+          <a:bodyPr/>
+          <a:lstStyle/>
+          <a:p>
+            <a:fld id="{EF440BE0-7F61-4400-ADDD-00FF8C6CDAC7}" type="slidenum">
+              <a:rPr lang="en-US" smtClean="0"/>
+              <a:t>8</a:t>
+            </a:fld>
+            <a:endParaRPr lang="en-US"/>
+          </a:p>
+        </p:txBody>
+      </p:sp>
+    </p:spTree>
+    <p:extLst>
+      <p:ext uri="{BB962C8B-B14F-4D97-AF65-F5344CB8AC3E}">
+        <p14:creationId xmlns:p14="http://schemas.microsoft.com/office/powerpoint/2010/main" val="2195054008"/>
+      </p:ext>
+    </p:extLst>
+  </p:cSld>
+  <p:clrMapOvr>
+    <a:masterClrMapping/>
+  </p:clrMapOvr>
+</p:notes>
+</file>
+
 <file path=ppt/slideLayouts/slideLayout1.xml><?xml version="1.0" encoding="utf-8"?>
 <p:sldLayout xmlns:a="http://schemas.openxmlformats.org/drawingml/2006/main" xmlns:r="http://schemas.openxmlformats.org/officeDocument/2006/relationships" xmlns:p="http://schemas.openxmlformats.org/presentationml/2006/main" type="title" preserve="1">
   <p:cSld name="Title Slide">
@@ -680,7 +4956,7 @@
           <a:p>
             <a:fld id="{16E28B63-9451-4D4D-95CC-17E7F01AE0E9}" type="datetime1">
               <a:rPr lang="en-US" smtClean="0"/>
-              <a:t>3/6/2016</a:t>
+              <a:t>3/7/2016</a:t>
             </a:fld>
             <a:endParaRPr lang="en-US"/>
           </a:p>
@@ -850,7 +5126,7 @@
           <a:p>
             <a:fld id="{8F8F87F5-290F-44C7-BE67-C1CB7F23EC7F}" type="datetime1">
               <a:rPr lang="en-US" smtClean="0"/>
-              <a:t>3/6/2016</a:t>
+              <a:t>3/7/2016</a:t>
             </a:fld>
             <a:endParaRPr lang="en-US"/>
           </a:p>
@@ -1030,7 +5306,7 @@
           <a:p>
             <a:fld id="{BCF42DC6-EA74-42DA-BD4C-0662DF60ECB1}" type="datetime1">
               <a:rPr lang="en-US" smtClean="0"/>
-              <a:t>3/6/2016</a:t>
+              <a:t>3/7/2016</a:t>
             </a:fld>
             <a:endParaRPr lang="en-US"/>
           </a:p>
@@ -1258,7 +5534,7 @@
           <a:p>
             <a:fld id="{E50592CD-928D-43B8-A443-907E149C2C1B}" type="datetime1">
               <a:rPr lang="en-US" smtClean="0"/>
-              <a:t>3/6/2016</a:t>
+              <a:t>3/7/2016</a:t>
             </a:fld>
             <a:endParaRPr lang="en-US"/>
           </a:p>
@@ -1553,7 +5829,7 @@
           <a:p>
             <a:fld id="{6C6FD0CA-B2B0-4A6B-95D8-C1EF46CD328D}" type="datetime1">
               <a:rPr lang="en-US" smtClean="0"/>
-              <a:t>3/6/2016</a:t>
+              <a:t>3/7/2016</a:t>
             </a:fld>
             <a:endParaRPr lang="en-US"/>
           </a:p>
@@ -1785,7 +6061,7 @@
           <a:p>
             <a:fld id="{94637968-FF5D-4D5A-904B-A8D44CCAC297}" type="datetime1">
               <a:rPr lang="en-US" smtClean="0"/>
-              <a:t>3/6/2016</a:t>
+              <a:t>3/7/2016</a:t>
             </a:fld>
             <a:endParaRPr lang="en-US"/>
           </a:p>
@@ -2152,7 +6428,7 @@
           <a:p>
             <a:fld id="{F95FA209-A3F9-46CB-8B84-1703B228BC45}" type="datetime1">
               <a:rPr lang="en-US" smtClean="0"/>
-              <a:t>3/6/2016</a:t>
+              <a:t>3/7/2016</a:t>
             </a:fld>
             <a:endParaRPr lang="en-US"/>
           </a:p>
@@ -2270,7 +6546,7 @@
           <a:p>
             <a:fld id="{55DAD64B-7A10-4E80-83EB-0CA563856A68}" type="datetime1">
               <a:rPr lang="en-US" smtClean="0"/>
-              <a:t>3/6/2016</a:t>
+              <a:t>3/7/2016</a:t>
             </a:fld>
             <a:endParaRPr lang="en-US"/>
           </a:p>
@@ -2365,7 +6641,7 @@
           <a:p>
             <a:fld id="{C11C73AD-E7C5-43F1-8A7E-F58B0222A3AA}" type="datetime1">
               <a:rPr lang="en-US" smtClean="0"/>
-              <a:t>3/6/2016</a:t>
+              <a:t>3/7/2016</a:t>
             </a:fld>
             <a:endParaRPr lang="en-US"/>
           </a:p>
@@ -2642,7 +6918,7 @@
           <a:p>
             <a:fld id="{8A4E57B9-B85F-4530-A776-4000D122E6A8}" type="datetime1">
               <a:rPr lang="en-US" smtClean="0"/>
-              <a:t>3/6/2016</a:t>
+              <a:t>3/7/2016</a:t>
             </a:fld>
             <a:endParaRPr lang="en-US"/>
           </a:p>
@@ -2895,7 +7171,7 @@
           <a:p>
             <a:fld id="{9BF2FDAF-4358-46A9-96B3-23C106E76A3B}" type="datetime1">
               <a:rPr lang="en-US" smtClean="0"/>
-              <a:t>3/6/2016</a:t>
+              <a:t>3/7/2016</a:t>
             </a:fld>
             <a:endParaRPr lang="en-US"/>
           </a:p>
@@ -3108,7 +7384,7 @@
           <a:p>
             <a:fld id="{5F6FBD75-7E7B-4FA6-AD38-1D33E63EC10C}" type="datetime1">
               <a:rPr lang="en-US" smtClean="0"/>
-              <a:t>3/6/2016</a:t>
+              <a:t>3/7/2016</a:t>
             </a:fld>
             <a:endParaRPr lang="en-US"/>
           </a:p>
@@ -3593,7 +7869,7 @@
           <a:p>
             <a:fld id="{A6F9A840-E12F-4BCA-AC82-713921FE14EC}" type="datetime1">
               <a:rPr lang="en-US" smtClean="0"/>
-              <a:t>3/6/2016</a:t>
+              <a:t>3/7/2016</a:t>
             </a:fld>
             <a:endParaRPr lang="en-US"/>
           </a:p>
@@ -3632,6 +7908,146 @@
   <p:clrMapOvr>
     <a:masterClrMapping/>
   </p:clrMapOvr>
+  <p:timing>
+    <p:tnLst>
+      <p:par>
+        <p:cTn id="1" dur="indefinite" restart="never" nodeType="tmRoot"/>
+      </p:par>
+    </p:tnLst>
+  </p:timing>
+</p:sld>
+</file>
+
+<file path=ppt/slides/slide10.xml><?xml version="1.0" encoding="utf-8"?>
+<p:sld xmlns:a="http://schemas.openxmlformats.org/drawingml/2006/main" xmlns:r="http://schemas.openxmlformats.org/officeDocument/2006/relationships" xmlns:p="http://schemas.openxmlformats.org/presentationml/2006/main">
+  <p:cSld>
+    <p:spTree>
+      <p:nvGrpSpPr>
+        <p:cNvPr id="1" name=""/>
+        <p:cNvGrpSpPr/>
+        <p:nvPr/>
+      </p:nvGrpSpPr>
+      <p:grpSpPr>
+        <a:xfrm>
+          <a:off x="0" y="0"/>
+          <a:ext cx="0" cy="0"/>
+          <a:chOff x="0" y="0"/>
+          <a:chExt cx="0" cy="0"/>
+        </a:xfrm>
+      </p:grpSpPr>
+      <p:sp>
+        <p:nvSpPr>
+          <p:cNvPr id="2" name="Title 1"/>
+          <p:cNvSpPr>
+            <a:spLocks noGrp="1"/>
+          </p:cNvSpPr>
+          <p:nvPr>
+            <p:ph type="title"/>
+          </p:nvPr>
+        </p:nvSpPr>
+        <p:spPr/>
+        <p:txBody>
+          <a:bodyPr/>
+          <a:lstStyle/>
+          <a:p>
+            <a:r>
+              <a:rPr lang="en-US" dirty="0" smtClean="0"/>
+              <a:t>Visualization (</a:t>
+            </a:r>
+            <a:r>
+              <a:rPr lang="en-US" dirty="0" err="1" smtClean="0"/>
+              <a:t>Wedward</a:t>
+            </a:r>
+            <a:r>
+              <a:rPr lang="en-US" dirty="0" smtClean="0"/>
+              <a:t>)</a:t>
+            </a:r>
+            <a:endParaRPr lang="en-US" dirty="0"/>
+          </a:p>
+        </p:txBody>
+      </p:sp>
+      <p:sp>
+        <p:nvSpPr>
+          <p:cNvPr id="3" name="Content Placeholder 2"/>
+          <p:cNvSpPr>
+            <a:spLocks noGrp="1"/>
+          </p:cNvSpPr>
+          <p:nvPr>
+            <p:ph idx="1"/>
+          </p:nvPr>
+        </p:nvSpPr>
+        <p:spPr/>
+        <p:txBody>
+          <a:bodyPr/>
+          <a:lstStyle/>
+          <a:p>
+            <a:endParaRPr lang="en-US"/>
+          </a:p>
+        </p:txBody>
+      </p:sp>
+      <p:sp>
+        <p:nvSpPr>
+          <p:cNvPr id="4" name="Date Placeholder 3"/>
+          <p:cNvSpPr>
+            <a:spLocks noGrp="1"/>
+          </p:cNvSpPr>
+          <p:nvPr>
+            <p:ph type="dt" sz="half" idx="10"/>
+          </p:nvPr>
+        </p:nvSpPr>
+        <p:spPr/>
+        <p:txBody>
+          <a:bodyPr/>
+          <a:lstStyle/>
+          <a:p>
+            <a:fld id="{E50592CD-928D-43B8-A443-907E149C2C1B}" type="datetime1">
+              <a:rPr lang="en-US" smtClean="0"/>
+              <a:t>3/7/2016</a:t>
+            </a:fld>
+            <a:endParaRPr lang="en-US"/>
+          </a:p>
+        </p:txBody>
+      </p:sp>
+      <p:sp>
+        <p:nvSpPr>
+          <p:cNvPr id="5" name="Slide Number Placeholder 4"/>
+          <p:cNvSpPr>
+            <a:spLocks noGrp="1"/>
+          </p:cNvSpPr>
+          <p:nvPr>
+            <p:ph type="sldNum" sz="quarter" idx="12"/>
+          </p:nvPr>
+        </p:nvSpPr>
+        <p:spPr/>
+        <p:txBody>
+          <a:bodyPr/>
+          <a:lstStyle/>
+          <a:p>
+            <a:fld id="{57F2B7E2-7C21-43BD-8781-53085BAAEFB6}" type="slidenum">
+              <a:rPr lang="en-US" smtClean="0"/>
+              <a:t>10</a:t>
+            </a:fld>
+            <a:endParaRPr lang="en-US" dirty="0"/>
+          </a:p>
+        </p:txBody>
+      </p:sp>
+    </p:spTree>
+    <p:extLst>
+      <p:ext uri="{BB962C8B-B14F-4D97-AF65-F5344CB8AC3E}">
+        <p14:creationId xmlns:p14="http://schemas.microsoft.com/office/powerpoint/2010/main" val="2087031895"/>
+      </p:ext>
+    </p:extLst>
+  </p:cSld>
+  <p:clrMapOvr>
+    <a:masterClrMapping/>
+  </p:clrMapOvr>
+  <p:timing>
+    <p:tnLst>
+      <p:par>
+        <p:cTn id="1" dur="indefinite" restart="never" nodeType="tmRoot"/>
+      </p:par>
+    </p:tnLst>
+  </p:timing>
 </p:sld>
 </file>
 
@@ -3685,7 +8101,12 @@
             <p:ph idx="1"/>
           </p:nvPr>
         </p:nvSpPr>
-        <p:spPr/>
+        <p:spPr>
+          <a:xfrm>
+            <a:off x="838200" y="1825625"/>
+            <a:ext cx="6186055" cy="4351338"/>
+          </a:xfrm>
+        </p:spPr>
         <p:txBody>
           <a:bodyPr/>
           <a:lstStyle/>
@@ -3733,7 +8154,7 @@
           <a:p>
             <a:fld id="{7BAFC77B-AEA9-4965-B3B5-28E10C75050B}" type="datetime1">
               <a:rPr lang="en-US" smtClean="0"/>
-              <a:t>3/6/2016</a:t>
+              <a:t>3/7/2016</a:t>
             </a:fld>
             <a:endParaRPr lang="en-US"/>
           </a:p>
@@ -3762,6 +8183,47 @@
           </a:p>
         </p:txBody>
       </p:sp>
+      <p:pic>
+        <p:nvPicPr>
+          <p:cNvPr id="6" name="Picture 2" descr="http://www.slavevoyages.org/documents/images/4C9B4FEDA9794AC7154CEA70A9293E26.JPG"/>
+          <p:cNvPicPr>
+            <a:picLocks noChangeAspect="1" noChangeArrowheads="1"/>
+          </p:cNvPicPr>
+          <p:nvPr/>
+        </p:nvPicPr>
+        <p:blipFill>
+          <a:blip r:embed="rId3">
+            <a:extLst>
+              <a:ext uri="{28A0092B-C50C-407E-A947-70E740481C1C}">
+                <a14:useLocalDpi xmlns:a14="http://schemas.microsoft.com/office/drawing/2010/main" val="0"/>
+              </a:ext>
+            </a:extLst>
+          </a:blip>
+          <a:srcRect/>
+          <a:stretch>
+            <a:fillRect/>
+          </a:stretch>
+        </p:blipFill>
+        <p:spPr bwMode="auto">
+          <a:xfrm>
+            <a:off x="7245928" y="1825625"/>
+            <a:ext cx="4471554" cy="3786671"/>
+          </a:xfrm>
+          <a:prstGeom prst="rect">
+            <a:avLst/>
+          </a:prstGeom>
+          <a:noFill/>
+          <a:extLst>
+            <a:ext uri="{909E8E84-426E-40DD-AFC4-6F175D3DCCD1}">
+              <a14:hiddenFill xmlns:a14="http://schemas.microsoft.com/office/drawing/2010/main">
+                <a:solidFill>
+                  <a:srgbClr val="FFFFFF"/>
+                </a:solidFill>
+              </a14:hiddenFill>
+            </a:ext>
+          </a:extLst>
+        </p:spPr>
+      </p:pic>
     </p:spTree>
     <p:extLst>
       <p:ext uri="{BB962C8B-B14F-4D97-AF65-F5344CB8AC3E}">
@@ -3772,6 +8234,13 @@
   <p:clrMapOvr>
     <a:masterClrMapping/>
   </p:clrMapOvr>
+  <p:timing>
+    <p:tnLst>
+      <p:par>
+        <p:cTn id="1" dur="indefinite" restart="never" nodeType="tmRoot"/>
+      </p:par>
+    </p:tnLst>
+  </p:timing>
 </p:sld>
 </file>
 
@@ -3809,7 +8278,7 @@
           <a:p>
             <a:r>
               <a:rPr lang="en-US" dirty="0" smtClean="0"/>
-              <a:t>What do we need to do this?</a:t>
+              <a:t>How are we going to do this?</a:t>
             </a:r>
             <a:endParaRPr lang="en-US" dirty="0"/>
           </a:p>
@@ -3817,12 +8286,12 @@
       </p:sp>
       <p:sp>
         <p:nvSpPr>
-          <p:cNvPr id="3" name="Content Placeholder 2"/>
+          <p:cNvPr id="4" name="Date Placeholder 3"/>
           <p:cNvSpPr>
             <a:spLocks noGrp="1"/>
           </p:cNvSpPr>
           <p:nvPr>
-            <p:ph idx="1"/>
+            <p:ph type="dt" sz="half" idx="10"/>
           </p:nvPr>
         </p:nvSpPr>
         <p:spPr/>
@@ -3830,44 +8299,9 @@
           <a:bodyPr/>
           <a:lstStyle/>
           <a:p>
-            <a:r>
-              <a:rPr lang="en-US" dirty="0" smtClean="0"/>
-              <a:t>Encode categorical data for classification</a:t>
-            </a:r>
-          </a:p>
-          <a:p>
-            <a:r>
-              <a:rPr lang="en-US" dirty="0" smtClean="0"/>
-              <a:t>Machine-learning classifier</a:t>
-            </a:r>
-          </a:p>
-          <a:p>
-            <a:r>
-              <a:rPr lang="en-US" dirty="0" smtClean="0"/>
-              <a:t>Visualization</a:t>
-            </a:r>
-            <a:endParaRPr lang="en-US" dirty="0"/>
-          </a:p>
-        </p:txBody>
-      </p:sp>
-      <p:sp>
-        <p:nvSpPr>
-          <p:cNvPr id="4" name="Date Placeholder 3"/>
-          <p:cNvSpPr>
-            <a:spLocks noGrp="1"/>
-          </p:cNvSpPr>
-          <p:nvPr>
-            <p:ph type="dt" sz="half" idx="10"/>
-          </p:nvPr>
-        </p:nvSpPr>
-        <p:spPr/>
-        <p:txBody>
-          <a:bodyPr/>
-          <a:lstStyle/>
-          <a:p>
             <a:fld id="{EC884609-067C-42E5-AC17-61FA57141644}" type="datetime1">
               <a:rPr lang="en-US" smtClean="0"/>
-              <a:t>3/6/2016</a:t>
+              <a:t>3/7/2016</a:t>
             </a:fld>
             <a:endParaRPr lang="en-US"/>
           </a:p>
@@ -3896,6 +8330,31 @@
           </a:p>
         </p:txBody>
       </p:sp>
+      <p:graphicFrame>
+        <p:nvGraphicFramePr>
+          <p:cNvPr id="8" name="Content Placeholder 7"/>
+          <p:cNvGraphicFramePr>
+            <a:graphicFrameLocks noGrp="1"/>
+          </p:cNvGraphicFramePr>
+          <p:nvPr>
+            <p:ph idx="1"/>
+            <p:extLst>
+              <p:ext uri="{D42A27DB-BD31-4B8C-83A1-F6EECF244321}">
+                <p14:modId xmlns:p14="http://schemas.microsoft.com/office/powerpoint/2010/main" val="3710734825"/>
+              </p:ext>
+            </p:extLst>
+          </p:nvPr>
+        </p:nvGraphicFramePr>
+        <p:xfrm>
+          <a:off x="3476897" y="1956254"/>
+          <a:ext cx="4517571" cy="3895906"/>
+        </p:xfrm>
+        <a:graphic>
+          <a:graphicData uri="http://schemas.openxmlformats.org/drawingml/2006/diagram">
+            <dgm:relIds xmlns:dgm="http://schemas.openxmlformats.org/drawingml/2006/diagram" xmlns:r="http://schemas.openxmlformats.org/officeDocument/2006/relationships" r:dm="rId2" r:lo="rId3" r:qs="rId4" r:cs="rId5"/>
+          </a:graphicData>
+        </a:graphic>
+      </p:graphicFrame>
     </p:spTree>
     <p:extLst>
       <p:ext uri="{BB962C8B-B14F-4D97-AF65-F5344CB8AC3E}">
@@ -3906,6 +8365,13 @@
   <p:clrMapOvr>
     <a:masterClrMapping/>
   </p:clrMapOvr>
+  <p:timing>
+    <p:tnLst>
+      <p:par>
+        <p:cTn id="1" dur="indefinite" restart="never" nodeType="tmRoot"/>
+      </p:par>
+    </p:tnLst>
+  </p:timing>
 </p:sld>
 </file>
 
@@ -3985,7 +8451,7 @@
           <a:p>
             <a:fld id="{E6B0ED79-564D-43B8-827F-E3AAAA5911E0}" type="datetime1">
               <a:rPr lang="en-US" smtClean="0"/>
-              <a:t>3/6/2016</a:t>
+              <a:t>3/7/2016</a:t>
             </a:fld>
             <a:endParaRPr lang="en-US"/>
           </a:p>
@@ -4024,6 +8490,13 @@
   <p:clrMapOvr>
     <a:masterClrMapping/>
   </p:clrMapOvr>
+  <p:timing>
+    <p:tnLst>
+      <p:par>
+        <p:cTn id="1" dur="indefinite" restart="never" nodeType="tmRoot"/>
+      </p:par>
+    </p:tnLst>
+  </p:timing>
 </p:sld>
 </file>
 
@@ -4061,7 +8534,7 @@
           <a:p>
             <a:r>
               <a:rPr lang="en-US" dirty="0" smtClean="0"/>
-              <a:t>Classification (Emma)</a:t>
+              <a:t>Classification Requirements</a:t>
             </a:r>
             <a:endParaRPr lang="en-US" dirty="0"/>
           </a:p>
@@ -4069,12 +8542,12 @@
       </p:sp>
       <p:sp>
         <p:nvSpPr>
-          <p:cNvPr id="3" name="Content Placeholder 2"/>
+          <p:cNvPr id="4" name="Date Placeholder 3"/>
           <p:cNvSpPr>
             <a:spLocks noGrp="1"/>
           </p:cNvSpPr>
           <p:nvPr>
-            <p:ph idx="1"/>
+            <p:ph type="dt" sz="half" idx="10"/>
           </p:nvPr>
         </p:nvSpPr>
         <p:spPr/>
@@ -4082,99 +8555,9 @@
           <a:bodyPr/>
           <a:lstStyle/>
           <a:p>
-            <a:r>
-              <a:rPr lang="en-US" dirty="0" err="1" smtClean="0"/>
-              <a:t>Scikit</a:t>
-            </a:r>
-            <a:r>
-              <a:rPr lang="en-US" dirty="0" smtClean="0"/>
-              <a:t> learn</a:t>
-            </a:r>
-          </a:p>
-          <a:p>
-            <a:r>
-              <a:rPr lang="en-US" dirty="0" smtClean="0"/>
-              <a:t>Benefits: Already implemented classifier, already using for encoding, well documented, works with python 3.5</a:t>
-            </a:r>
-          </a:p>
-          <a:p>
-            <a:r>
-              <a:rPr lang="en-US" dirty="0" smtClean="0"/>
-              <a:t>Challenges: Does a lot of the work on classification for us, so need to read more on what is actually happening to decide what settings to use, etc.</a:t>
-            </a:r>
-          </a:p>
-          <a:p>
-            <a:r>
-              <a:rPr lang="en-US" dirty="0" smtClean="0"/>
-              <a:t>Explain what classifiers we looked at (Decision trees, naïve </a:t>
-            </a:r>
-            <a:r>
-              <a:rPr lang="en-US" dirty="0" err="1" smtClean="0"/>
-              <a:t>bayes</a:t>
-            </a:r>
-            <a:r>
-              <a:rPr lang="en-US" dirty="0" smtClean="0"/>
-              <a:t>, multinomial naïve </a:t>
-            </a:r>
-            <a:r>
-              <a:rPr lang="en-US" dirty="0" err="1" smtClean="0"/>
-              <a:t>bayes</a:t>
-            </a:r>
-            <a:r>
-              <a:rPr lang="en-US" dirty="0" smtClean="0"/>
-              <a:t>)</a:t>
-            </a:r>
-          </a:p>
-          <a:p>
-            <a:pPr lvl="1"/>
-            <a:r>
-              <a:rPr lang="en-US" dirty="0" smtClean="0"/>
-              <a:t>Decision trees not good for categorical data</a:t>
-            </a:r>
-          </a:p>
-          <a:p>
-            <a:pPr lvl="1"/>
-            <a:r>
-              <a:rPr lang="en-US" dirty="0" smtClean="0"/>
-              <a:t>Naïve </a:t>
-            </a:r>
-            <a:r>
-              <a:rPr lang="en-US" dirty="0" err="1" smtClean="0"/>
-              <a:t>bayes</a:t>
-            </a:r>
-            <a:r>
-              <a:rPr lang="en-US" dirty="0" smtClean="0"/>
-              <a:t> can </a:t>
-            </a:r>
-            <a:r>
-              <a:rPr lang="en-US" dirty="0" err="1" smtClean="0"/>
-              <a:t>overfit</a:t>
-            </a:r>
-            <a:r>
-              <a:rPr lang="en-US" dirty="0" smtClean="0"/>
-              <a:t> small training data (check this)</a:t>
-            </a:r>
-          </a:p>
-        </p:txBody>
-      </p:sp>
-      <p:sp>
-        <p:nvSpPr>
-          <p:cNvPr id="4" name="Date Placeholder 3"/>
-          <p:cNvSpPr>
-            <a:spLocks noGrp="1"/>
-          </p:cNvSpPr>
-          <p:nvPr>
-            <p:ph type="dt" sz="half" idx="10"/>
-          </p:nvPr>
-        </p:nvSpPr>
-        <p:spPr/>
-        <p:txBody>
-          <a:bodyPr/>
-          <a:lstStyle/>
-          <a:p>
             <a:fld id="{F2223234-6C9D-4818-A6FD-DB6B443BB8EB}" type="datetime1">
               <a:rPr lang="en-US" smtClean="0"/>
-              <a:t>3/6/2016</a:t>
+              <a:t>3/7/2016</a:t>
             </a:fld>
             <a:endParaRPr lang="en-US"/>
           </a:p>
@@ -4203,6 +8586,323 @@
           </a:p>
         </p:txBody>
       </p:sp>
+      <p:grpSp>
+        <p:nvGrpSpPr>
+          <p:cNvPr id="14" name="Group 13"/>
+          <p:cNvGrpSpPr/>
+          <p:nvPr/>
+        </p:nvGrpSpPr>
+        <p:grpSpPr>
+          <a:xfrm>
+            <a:off x="3117192" y="1866314"/>
+            <a:ext cx="5731601" cy="4143908"/>
+            <a:chOff x="3726792" y="2044054"/>
+            <a:chExt cx="5731601" cy="4143908"/>
+          </a:xfrm>
+        </p:grpSpPr>
+        <p:sp>
+          <p:nvSpPr>
+            <p:cNvPr id="11" name="Right Arrow 10"/>
+            <p:cNvSpPr/>
+            <p:nvPr/>
+          </p:nvSpPr>
+          <p:spPr>
+            <a:xfrm rot="3548679">
+              <a:off x="4639319" y="3869965"/>
+              <a:ext cx="1086679" cy="715618"/>
+            </a:xfrm>
+            <a:prstGeom prst="rightArrow">
+              <a:avLst/>
+            </a:prstGeom>
+          </p:spPr>
+          <p:style>
+            <a:lnRef idx="2">
+              <a:schemeClr val="accent1">
+                <a:shade val="50000"/>
+              </a:schemeClr>
+            </a:lnRef>
+            <a:fillRef idx="1">
+              <a:schemeClr val="accent1"/>
+            </a:fillRef>
+            <a:effectRef idx="0">
+              <a:schemeClr val="accent1"/>
+            </a:effectRef>
+            <a:fontRef idx="minor">
+              <a:schemeClr val="lt1"/>
+            </a:fontRef>
+          </p:style>
+          <p:txBody>
+            <a:bodyPr rtlCol="0" anchor="ctr"/>
+            <a:lstStyle/>
+            <a:p>
+              <a:pPr algn="ctr"/>
+              <a:endParaRPr lang="en-US"/>
+            </a:p>
+          </p:txBody>
+        </p:sp>
+        <p:sp>
+          <p:nvSpPr>
+            <p:cNvPr id="10" name="Right Arrow 9"/>
+            <p:cNvSpPr/>
+            <p:nvPr/>
+          </p:nvSpPr>
+          <p:spPr>
+            <a:xfrm rot="6984636">
+              <a:off x="7279074" y="3517029"/>
+              <a:ext cx="1748978" cy="715618"/>
+            </a:xfrm>
+            <a:prstGeom prst="rightArrow">
+              <a:avLst/>
+            </a:prstGeom>
+          </p:spPr>
+          <p:style>
+            <a:lnRef idx="2">
+              <a:schemeClr val="accent1">
+                <a:shade val="50000"/>
+              </a:schemeClr>
+            </a:lnRef>
+            <a:fillRef idx="1">
+              <a:schemeClr val="accent1"/>
+            </a:fillRef>
+            <a:effectRef idx="0">
+              <a:schemeClr val="accent1"/>
+            </a:effectRef>
+            <a:fontRef idx="minor">
+              <a:schemeClr val="lt1"/>
+            </a:fontRef>
+          </p:style>
+          <p:txBody>
+            <a:bodyPr rtlCol="0" anchor="ctr"/>
+            <a:lstStyle/>
+            <a:p>
+              <a:pPr algn="ctr"/>
+              <a:endParaRPr lang="en-US"/>
+            </a:p>
+          </p:txBody>
+        </p:sp>
+        <p:sp>
+          <p:nvSpPr>
+            <p:cNvPr id="6" name="Rectangle 5"/>
+            <p:cNvSpPr/>
+            <p:nvPr/>
+          </p:nvSpPr>
+          <p:spPr>
+            <a:xfrm>
+              <a:off x="3726792" y="2044054"/>
+              <a:ext cx="2239619" cy="1895060"/>
+            </a:xfrm>
+            <a:prstGeom prst="rect">
+              <a:avLst/>
+            </a:prstGeom>
+            <a:solidFill>
+              <a:schemeClr val="accent2"/>
+            </a:solidFill>
+            <a:ln>
+              <a:noFill/>
+            </a:ln>
+          </p:spPr>
+          <p:style>
+            <a:lnRef idx="2">
+              <a:schemeClr val="accent1">
+                <a:shade val="50000"/>
+              </a:schemeClr>
+            </a:lnRef>
+            <a:fillRef idx="1">
+              <a:schemeClr val="accent1"/>
+            </a:fillRef>
+            <a:effectRef idx="0">
+              <a:schemeClr val="accent1"/>
+            </a:effectRef>
+            <a:fontRef idx="minor">
+              <a:schemeClr val="lt1"/>
+            </a:fontRef>
+          </p:style>
+          <p:txBody>
+            <a:bodyPr rtlCol="0" anchor="ctr"/>
+            <a:lstStyle/>
+            <a:p>
+              <a:pPr algn="ctr"/>
+              <a:r>
+                <a:rPr lang="en-US" sz="2000" b="1" dirty="0" smtClean="0"/>
+                <a:t>Data</a:t>
+              </a:r>
+              <a:endParaRPr lang="en-US" sz="2000" b="1" dirty="0"/>
+            </a:p>
+            <a:p>
+              <a:r>
+                <a:rPr lang="en-US" sz="2000" dirty="0" smtClean="0"/>
+                <a:t>-    Categorical</a:t>
+              </a:r>
+            </a:p>
+            <a:p>
+              <a:pPr marL="285750" indent="-285750">
+                <a:buFontTx/>
+                <a:buChar char="-"/>
+              </a:pPr>
+              <a:r>
+                <a:rPr lang="en-US" sz="2000" dirty="0" smtClean="0"/>
+                <a:t>Small number of   characteristics</a:t>
+              </a:r>
+            </a:p>
+            <a:p>
+              <a:pPr marL="285750" indent="-285750">
+                <a:buFontTx/>
+                <a:buChar char="-"/>
+              </a:pPr>
+              <a:r>
+                <a:rPr lang="en-US" sz="2000" dirty="0" smtClean="0"/>
+                <a:t>Relatively large training data set</a:t>
+              </a:r>
+              <a:endParaRPr lang="en-US" sz="2000" dirty="0"/>
+            </a:p>
+          </p:txBody>
+        </p:sp>
+        <p:sp>
+          <p:nvSpPr>
+            <p:cNvPr id="7" name="Rectangle 6"/>
+            <p:cNvSpPr/>
+            <p:nvPr/>
+          </p:nvSpPr>
+          <p:spPr>
+            <a:xfrm>
+              <a:off x="7218774" y="2423019"/>
+              <a:ext cx="2239619" cy="1451819"/>
+            </a:xfrm>
+            <a:prstGeom prst="rect">
+              <a:avLst/>
+            </a:prstGeom>
+            <a:solidFill>
+              <a:schemeClr val="accent2"/>
+            </a:solidFill>
+            <a:ln>
+              <a:noFill/>
+            </a:ln>
+          </p:spPr>
+          <p:style>
+            <a:lnRef idx="2">
+              <a:schemeClr val="accent1">
+                <a:shade val="50000"/>
+              </a:schemeClr>
+            </a:lnRef>
+            <a:fillRef idx="1">
+              <a:schemeClr val="accent1"/>
+            </a:fillRef>
+            <a:effectRef idx="0">
+              <a:schemeClr val="accent1"/>
+            </a:effectRef>
+            <a:fontRef idx="minor">
+              <a:schemeClr val="lt1"/>
+            </a:fontRef>
+          </p:style>
+          <p:txBody>
+            <a:bodyPr rtlCol="0" anchor="ctr"/>
+            <a:lstStyle/>
+            <a:p>
+              <a:pPr algn="ctr"/>
+              <a:r>
+                <a:rPr lang="en-US" sz="2000" b="1" dirty="0" smtClean="0"/>
+                <a:t>Software</a:t>
+              </a:r>
+              <a:endParaRPr lang="en-US" sz="2000" b="1" dirty="0"/>
+            </a:p>
+            <a:p>
+              <a:r>
+                <a:rPr lang="en-US" sz="2000" dirty="0" smtClean="0"/>
+                <a:t>-    Python 3.5</a:t>
+              </a:r>
+            </a:p>
+            <a:p>
+              <a:pPr marL="285750" indent="-285750">
+                <a:buFontTx/>
+                <a:buChar char="-"/>
+              </a:pPr>
+              <a:r>
+                <a:rPr lang="en-US" sz="2000" dirty="0" smtClean="0"/>
+                <a:t>Well-documented</a:t>
+              </a:r>
+            </a:p>
+            <a:p>
+              <a:pPr marL="285750" indent="-285750">
+                <a:buFontTx/>
+                <a:buChar char="-"/>
+              </a:pPr>
+              <a:endParaRPr lang="en-US" sz="2000" dirty="0"/>
+            </a:p>
+          </p:txBody>
+        </p:sp>
+        <p:sp>
+          <p:nvSpPr>
+            <p:cNvPr id="13" name="Rectangle 12"/>
+            <p:cNvSpPr/>
+            <p:nvPr/>
+          </p:nvSpPr>
+          <p:spPr>
+            <a:xfrm>
+              <a:off x="5482622" y="4736143"/>
+              <a:ext cx="2239619" cy="1451819"/>
+            </a:xfrm>
+            <a:prstGeom prst="rect">
+              <a:avLst/>
+            </a:prstGeom>
+            <a:solidFill>
+              <a:schemeClr val="accent2"/>
+            </a:solidFill>
+            <a:ln>
+              <a:noFill/>
+            </a:ln>
+          </p:spPr>
+          <p:style>
+            <a:lnRef idx="2">
+              <a:schemeClr val="accent1">
+                <a:shade val="50000"/>
+              </a:schemeClr>
+            </a:lnRef>
+            <a:fillRef idx="1">
+              <a:schemeClr val="accent1"/>
+            </a:fillRef>
+            <a:effectRef idx="0">
+              <a:schemeClr val="accent1"/>
+            </a:effectRef>
+            <a:fontRef idx="minor">
+              <a:schemeClr val="lt1"/>
+            </a:fontRef>
+          </p:style>
+          <p:txBody>
+            <a:bodyPr rtlCol="0" anchor="ctr"/>
+            <a:lstStyle/>
+            <a:p>
+              <a:pPr algn="ctr"/>
+              <a:r>
+                <a:rPr lang="en-US" sz="2000" b="1" dirty="0" err="1" smtClean="0"/>
+                <a:t>SciKitLearn</a:t>
+              </a:r>
+              <a:endParaRPr lang="en-US" sz="2000" b="1" dirty="0" smtClean="0"/>
+            </a:p>
+            <a:p>
+              <a:pPr algn="ctr"/>
+              <a:r>
+                <a:rPr lang="en-US" sz="2000" b="1" dirty="0" smtClean="0"/>
+                <a:t>Multinomial</a:t>
+              </a:r>
+            </a:p>
+            <a:p>
+              <a:pPr algn="ctr"/>
+              <a:r>
+                <a:rPr lang="en-US" sz="2000" b="1" dirty="0" smtClean="0"/>
+                <a:t>Naïve</a:t>
+              </a:r>
+            </a:p>
+            <a:p>
+              <a:pPr algn="ctr"/>
+              <a:r>
+                <a:rPr lang="en-US" sz="2000" b="1" dirty="0" smtClean="0"/>
+                <a:t>Bates</a:t>
+              </a:r>
+              <a:endParaRPr lang="en-US" sz="2000" dirty="0"/>
+            </a:p>
+          </p:txBody>
+        </p:sp>
+      </p:grpSp>
     </p:spTree>
     <p:extLst>
       <p:ext uri="{BB962C8B-B14F-4D97-AF65-F5344CB8AC3E}">
@@ -4213,6 +8913,13 @@
   <p:clrMapOvr>
     <a:masterClrMapping/>
   </p:clrMapOvr>
+  <p:timing>
+    <p:tnLst>
+      <p:par>
+        <p:cTn id="1" dur="indefinite" restart="never" nodeType="tmRoot"/>
+      </p:par>
+    </p:tnLst>
+  </p:timing>
 </p:sld>
 </file>
 
@@ -4250,15 +8957,7 @@
           <a:p>
             <a:r>
               <a:rPr lang="en-US" dirty="0" smtClean="0"/>
-              <a:t>Visualization (</a:t>
-            </a:r>
-            <a:r>
-              <a:rPr lang="en-US" dirty="0" err="1" smtClean="0"/>
-              <a:t>Wedward</a:t>
-            </a:r>
-            <a:r>
-              <a:rPr lang="en-US" dirty="0" smtClean="0"/>
-              <a:t>)</a:t>
+              <a:t>Classifier Options</a:t>
             </a:r>
             <a:endParaRPr lang="en-US" dirty="0"/>
           </a:p>
@@ -4279,7 +8978,36 @@
           <a:bodyPr/>
           <a:lstStyle/>
           <a:p>
-            <a:endParaRPr lang="en-US"/>
+            <a:r>
+              <a:rPr lang="en-US" dirty="0" smtClean="0"/>
+              <a:t>Decision Trees</a:t>
+            </a:r>
+          </a:p>
+          <a:p>
+            <a:r>
+              <a:rPr lang="en-US" dirty="0" smtClean="0"/>
+              <a:t>Naïve </a:t>
+            </a:r>
+            <a:r>
+              <a:rPr lang="en-US" dirty="0" err="1" smtClean="0"/>
+              <a:t>bayes</a:t>
+            </a:r>
+            <a:endParaRPr lang="en-US" dirty="0" smtClean="0"/>
+          </a:p>
+          <a:p>
+            <a:pPr lvl="1"/>
+            <a:r>
+              <a:rPr lang="en-US" dirty="0" smtClean="0"/>
+              <a:t>Gaussian</a:t>
+            </a:r>
+          </a:p>
+          <a:p>
+            <a:pPr lvl="1"/>
+            <a:r>
+              <a:rPr lang="en-US" dirty="0" smtClean="0"/>
+              <a:t>Multinomial</a:t>
+            </a:r>
+            <a:endParaRPr lang="en-US" dirty="0"/>
           </a:p>
         </p:txBody>
       </p:sp>
@@ -4300,7 +9028,7 @@
           <a:p>
             <a:fld id="{E50592CD-928D-43B8-A443-907E149C2C1B}" type="datetime1">
               <a:rPr lang="en-US" smtClean="0"/>
-              <a:t>3/6/2016</a:t>
+              <a:t>3/7/2016</a:t>
             </a:fld>
             <a:endParaRPr lang="en-US"/>
           </a:p>
@@ -4329,16 +9057,1874 @@
           </a:p>
         </p:txBody>
       </p:sp>
+      <p:pic>
+        <p:nvPicPr>
+          <p:cNvPr id="2050" name="Picture 2" descr="https://qph.is.quoracdn.net/main-qimg-2c00705ba46b23e166c78bbac8815fb0?convert_to_webp=true"/>
+          <p:cNvPicPr>
+            <a:picLocks noChangeAspect="1" noChangeArrowheads="1"/>
+          </p:cNvPicPr>
+          <p:nvPr/>
+        </p:nvPicPr>
+        <p:blipFill>
+          <a:blip r:embed="rId3">
+            <a:clrChange>
+              <a:clrFrom>
+                <a:srgbClr val="FFFFFF"/>
+              </a:clrFrom>
+              <a:clrTo>
+                <a:srgbClr val="FFFFFF">
+                  <a:alpha val="0"/>
+                </a:srgbClr>
+              </a:clrTo>
+            </a:clrChange>
+            <a:extLst>
+              <a:ext uri="{28A0092B-C50C-407E-A947-70E740481C1C}">
+                <a14:useLocalDpi xmlns:a14="http://schemas.microsoft.com/office/drawing/2010/main" val="0"/>
+              </a:ext>
+            </a:extLst>
+          </a:blip>
+          <a:srcRect/>
+          <a:stretch>
+            <a:fillRect/>
+          </a:stretch>
+        </p:blipFill>
+        <p:spPr bwMode="auto">
+          <a:xfrm>
+            <a:off x="3226527" y="1550282"/>
+            <a:ext cx="8367304" cy="5486191"/>
+          </a:xfrm>
+          <a:prstGeom prst="rect">
+            <a:avLst/>
+          </a:prstGeom>
+          <a:noFill/>
+          <a:extLst>
+            <a:ext uri="{909E8E84-426E-40DD-AFC4-6F175D3DCCD1}">
+              <a14:hiddenFill xmlns:a14="http://schemas.microsoft.com/office/drawing/2010/main">
+                <a:solidFill>
+                  <a:srgbClr val="FFFFFF"/>
+                </a:solidFill>
+              </a14:hiddenFill>
+            </a:ext>
+          </a:extLst>
+        </p:spPr>
+      </p:pic>
+      <p:sp>
+        <p:nvSpPr>
+          <p:cNvPr id="6" name="Rectangle 5"/>
+          <p:cNvSpPr/>
+          <p:nvPr/>
+        </p:nvSpPr>
+        <p:spPr>
+          <a:xfrm>
+            <a:off x="9365329" y="6488668"/>
+            <a:ext cx="2826671" cy="369332"/>
+          </a:xfrm>
+          <a:prstGeom prst="rect">
+            <a:avLst/>
+          </a:prstGeom>
+        </p:spPr>
+        <p:txBody>
+          <a:bodyPr wrap="none">
+            <a:spAutoFit/>
+          </a:bodyPr>
+          <a:lstStyle/>
+          <a:p>
+            <a:r>
+              <a:rPr lang="en-US" dirty="0" smtClean="0"/>
+              <a:t>Source: qph.is.quoracdn.net</a:t>
+            </a:r>
+            <a:endParaRPr lang="en-US" dirty="0"/>
+          </a:p>
+        </p:txBody>
+      </p:sp>
     </p:spTree>
     <p:extLst>
       <p:ext uri="{BB962C8B-B14F-4D97-AF65-F5344CB8AC3E}">
-        <p14:creationId xmlns:p14="http://schemas.microsoft.com/office/powerpoint/2010/main" val="2087031895"/>
+        <p14:creationId xmlns:p14="http://schemas.microsoft.com/office/powerpoint/2010/main" val="2041842523"/>
       </p:ext>
     </p:extLst>
   </p:cSld>
   <p:clrMapOvr>
     <a:masterClrMapping/>
   </p:clrMapOvr>
+  <p:timing>
+    <p:tnLst>
+      <p:par>
+        <p:cTn id="1" dur="indefinite" restart="never" nodeType="tmRoot"/>
+      </p:par>
+    </p:tnLst>
+  </p:timing>
+</p:sld>
+</file>
+
+<file path=ppt/slides/slide7.xml><?xml version="1.0" encoding="utf-8"?>
+<p:sld xmlns:a="http://schemas.openxmlformats.org/drawingml/2006/main" xmlns:r="http://schemas.openxmlformats.org/officeDocument/2006/relationships" xmlns:p="http://schemas.openxmlformats.org/presentationml/2006/main">
+  <p:cSld>
+    <p:spTree>
+      <p:nvGrpSpPr>
+        <p:cNvPr id="1" name=""/>
+        <p:cNvGrpSpPr/>
+        <p:nvPr/>
+      </p:nvGrpSpPr>
+      <p:grpSpPr>
+        <a:xfrm>
+          <a:off x="0" y="0"/>
+          <a:ext cx="0" cy="0"/>
+          <a:chOff x="0" y="0"/>
+          <a:chExt cx="0" cy="0"/>
+        </a:xfrm>
+      </p:grpSpPr>
+      <p:sp>
+        <p:nvSpPr>
+          <p:cNvPr id="2" name="Title 1"/>
+          <p:cNvSpPr>
+            <a:spLocks noGrp="1"/>
+          </p:cNvSpPr>
+          <p:nvPr>
+            <p:ph type="title"/>
+          </p:nvPr>
+        </p:nvSpPr>
+        <p:spPr/>
+        <p:txBody>
+          <a:bodyPr/>
+          <a:lstStyle/>
+          <a:p>
+            <a:r>
+              <a:rPr lang="en-US" dirty="0" smtClean="0"/>
+              <a:t>Multinomial Naïve Bayes Classification</a:t>
+            </a:r>
+            <a:endParaRPr lang="en-US" dirty="0"/>
+          </a:p>
+        </p:txBody>
+      </p:sp>
+      <p:sp>
+        <p:nvSpPr>
+          <p:cNvPr id="3" name="Content Placeholder 2"/>
+          <p:cNvSpPr>
+            <a:spLocks noGrp="1"/>
+          </p:cNvSpPr>
+          <p:nvPr>
+            <p:ph idx="1"/>
+          </p:nvPr>
+        </p:nvSpPr>
+        <p:spPr>
+          <a:xfrm>
+            <a:off x="838200" y="1825625"/>
+            <a:ext cx="7599218" cy="4351338"/>
+          </a:xfrm>
+        </p:spPr>
+        <p:txBody>
+          <a:bodyPr/>
+          <a:lstStyle/>
+          <a:p>
+            <a:r>
+              <a:rPr lang="en-US" dirty="0" smtClean="0"/>
+              <a:t>Commonly used in real-world classification:</a:t>
+            </a:r>
+          </a:p>
+          <a:p>
+            <a:pPr lvl="1"/>
+            <a:r>
+              <a:rPr lang="en-US" dirty="0" smtClean="0"/>
+              <a:t>Document classification</a:t>
+            </a:r>
+          </a:p>
+          <a:p>
+            <a:pPr lvl="1"/>
+            <a:r>
+              <a:rPr lang="en-US" dirty="0" smtClean="0"/>
+              <a:t>Spam filtering</a:t>
+            </a:r>
+          </a:p>
+          <a:p>
+            <a:r>
+              <a:rPr lang="en-US" dirty="0" smtClean="0"/>
+              <a:t>Assumes all data are independent – but still performs well when this is not true</a:t>
+            </a:r>
+          </a:p>
+          <a:p>
+            <a:endParaRPr lang="en-US" dirty="0"/>
+          </a:p>
+        </p:txBody>
+      </p:sp>
+      <p:sp>
+        <p:nvSpPr>
+          <p:cNvPr id="4" name="Date Placeholder 3"/>
+          <p:cNvSpPr>
+            <a:spLocks noGrp="1"/>
+          </p:cNvSpPr>
+          <p:nvPr>
+            <p:ph type="dt" sz="half" idx="10"/>
+          </p:nvPr>
+        </p:nvSpPr>
+        <p:spPr/>
+        <p:txBody>
+          <a:bodyPr/>
+          <a:lstStyle/>
+          <a:p>
+            <a:fld id="{E50592CD-928D-43B8-A443-907E149C2C1B}" type="datetime1">
+              <a:rPr lang="en-US" smtClean="0"/>
+              <a:t>3/7/2016</a:t>
+            </a:fld>
+            <a:endParaRPr lang="en-US"/>
+          </a:p>
+        </p:txBody>
+      </p:sp>
+      <p:sp>
+        <p:nvSpPr>
+          <p:cNvPr id="5" name="Slide Number Placeholder 4"/>
+          <p:cNvSpPr>
+            <a:spLocks noGrp="1"/>
+          </p:cNvSpPr>
+          <p:nvPr>
+            <p:ph type="sldNum" sz="quarter" idx="12"/>
+          </p:nvPr>
+        </p:nvSpPr>
+        <p:spPr/>
+        <p:txBody>
+          <a:bodyPr/>
+          <a:lstStyle/>
+          <a:p>
+            <a:fld id="{57F2B7E2-7C21-43BD-8781-53085BAAEFB6}" type="slidenum">
+              <a:rPr lang="en-US" smtClean="0"/>
+              <a:t>7</a:t>
+            </a:fld>
+            <a:endParaRPr lang="en-US" dirty="0"/>
+          </a:p>
+        </p:txBody>
+      </p:sp>
+    </p:spTree>
+    <p:extLst>
+      <p:ext uri="{BB962C8B-B14F-4D97-AF65-F5344CB8AC3E}">
+        <p14:creationId xmlns:p14="http://schemas.microsoft.com/office/powerpoint/2010/main" val="1882806061"/>
+      </p:ext>
+    </p:extLst>
+  </p:cSld>
+  <p:clrMapOvr>
+    <a:masterClrMapping/>
+  </p:clrMapOvr>
+  <p:timing>
+    <p:tnLst>
+      <p:par>
+        <p:cTn id="1" dur="indefinite" restart="never" nodeType="tmRoot"/>
+      </p:par>
+    </p:tnLst>
+  </p:timing>
+</p:sld>
+</file>
+
+<file path=ppt/slides/slide8.xml><?xml version="1.0" encoding="utf-8"?>
+<p:sld xmlns:a="http://schemas.openxmlformats.org/drawingml/2006/main" xmlns:r="http://schemas.openxmlformats.org/officeDocument/2006/relationships" xmlns:p="http://schemas.openxmlformats.org/presentationml/2006/main">
+  <p:cSld>
+    <p:spTree>
+      <p:nvGrpSpPr>
+        <p:cNvPr id="1" name=""/>
+        <p:cNvGrpSpPr/>
+        <p:nvPr/>
+      </p:nvGrpSpPr>
+      <p:grpSpPr>
+        <a:xfrm>
+          <a:off x="0" y="0"/>
+          <a:ext cx="0" cy="0"/>
+          <a:chOff x="0" y="0"/>
+          <a:chExt cx="0" cy="0"/>
+        </a:xfrm>
+      </p:grpSpPr>
+      <p:grpSp>
+        <p:nvGrpSpPr>
+          <p:cNvPr id="47" name="Group 46"/>
+          <p:cNvGrpSpPr/>
+          <p:nvPr/>
+        </p:nvGrpSpPr>
+        <p:grpSpPr>
+          <a:xfrm>
+            <a:off x="612931" y="844414"/>
+            <a:ext cx="4943368" cy="4886748"/>
+            <a:chOff x="5278805" y="994670"/>
+            <a:chExt cx="4943368" cy="4886748"/>
+          </a:xfrm>
+          <a:solidFill>
+            <a:schemeClr val="accent1"/>
+          </a:solidFill>
+        </p:grpSpPr>
+        <p:sp>
+          <p:nvSpPr>
+            <p:cNvPr id="51" name="Oval 50"/>
+            <p:cNvSpPr/>
+            <p:nvPr/>
+          </p:nvSpPr>
+          <p:spPr>
+            <a:xfrm>
+              <a:off x="5278805" y="994670"/>
+              <a:ext cx="4943368" cy="4886748"/>
+            </a:xfrm>
+            <a:prstGeom prst="ellipse">
+              <a:avLst/>
+            </a:prstGeom>
+            <a:solidFill>
+              <a:schemeClr val="accent1">
+                <a:alpha val="20000"/>
+              </a:schemeClr>
+            </a:solidFill>
+            <a:ln w="12700">
+              <a:solidFill>
+                <a:schemeClr val="tx1"/>
+              </a:solidFill>
+              <a:prstDash val="dash"/>
+            </a:ln>
+          </p:spPr>
+          <p:style>
+            <a:lnRef idx="2">
+              <a:schemeClr val="accent1">
+                <a:shade val="50000"/>
+              </a:schemeClr>
+            </a:lnRef>
+            <a:fillRef idx="1">
+              <a:schemeClr val="accent1"/>
+            </a:fillRef>
+            <a:effectRef idx="0">
+              <a:schemeClr val="accent1"/>
+            </a:effectRef>
+            <a:fontRef idx="minor">
+              <a:schemeClr val="lt1"/>
+            </a:fontRef>
+          </p:style>
+          <p:txBody>
+            <a:bodyPr rtlCol="0" anchor="ctr"/>
+            <a:lstStyle/>
+            <a:p>
+              <a:pPr algn="ctr"/>
+              <a:endParaRPr lang="en-US"/>
+            </a:p>
+          </p:txBody>
+        </p:sp>
+        <p:sp>
+          <p:nvSpPr>
+            <p:cNvPr id="52" name="Oval 51"/>
+            <p:cNvSpPr/>
+            <p:nvPr/>
+          </p:nvSpPr>
+          <p:spPr>
+            <a:xfrm>
+              <a:off x="6169975" y="1875633"/>
+              <a:ext cx="3161028" cy="3124822"/>
+            </a:xfrm>
+            <a:prstGeom prst="ellipse">
+              <a:avLst/>
+            </a:prstGeom>
+            <a:solidFill>
+              <a:schemeClr val="accent1">
+                <a:alpha val="40000"/>
+              </a:schemeClr>
+            </a:solidFill>
+            <a:ln w="12700">
+              <a:solidFill>
+                <a:schemeClr val="tx1"/>
+              </a:solidFill>
+              <a:prstDash val="dash"/>
+            </a:ln>
+          </p:spPr>
+          <p:style>
+            <a:lnRef idx="2">
+              <a:schemeClr val="accent1">
+                <a:shade val="50000"/>
+              </a:schemeClr>
+            </a:lnRef>
+            <a:fillRef idx="1">
+              <a:schemeClr val="accent1"/>
+            </a:fillRef>
+            <a:effectRef idx="0">
+              <a:schemeClr val="accent1"/>
+            </a:effectRef>
+            <a:fontRef idx="minor">
+              <a:schemeClr val="lt1"/>
+            </a:fontRef>
+          </p:style>
+          <p:txBody>
+            <a:bodyPr rtlCol="0" anchor="ctr"/>
+            <a:lstStyle/>
+            <a:p>
+              <a:pPr algn="ctr"/>
+              <a:endParaRPr lang="en-US"/>
+            </a:p>
+          </p:txBody>
+        </p:sp>
+        <p:sp>
+          <p:nvSpPr>
+            <p:cNvPr id="53" name="Oval 52"/>
+            <p:cNvSpPr/>
+            <p:nvPr/>
+          </p:nvSpPr>
+          <p:spPr>
+            <a:xfrm>
+              <a:off x="7057721" y="2752071"/>
+              <a:ext cx="1385535" cy="1369663"/>
+            </a:xfrm>
+            <a:prstGeom prst="ellipse">
+              <a:avLst/>
+            </a:prstGeom>
+            <a:solidFill>
+              <a:schemeClr val="accent1">
+                <a:alpha val="60000"/>
+              </a:schemeClr>
+            </a:solidFill>
+            <a:ln w="12700">
+              <a:solidFill>
+                <a:schemeClr val="tx1"/>
+              </a:solidFill>
+              <a:prstDash val="dash"/>
+            </a:ln>
+          </p:spPr>
+          <p:style>
+            <a:lnRef idx="2">
+              <a:schemeClr val="accent1">
+                <a:shade val="50000"/>
+              </a:schemeClr>
+            </a:lnRef>
+            <a:fillRef idx="1">
+              <a:schemeClr val="accent1"/>
+            </a:fillRef>
+            <a:effectRef idx="0">
+              <a:schemeClr val="accent1"/>
+            </a:effectRef>
+            <a:fontRef idx="minor">
+              <a:schemeClr val="lt1"/>
+            </a:fontRef>
+          </p:style>
+          <p:txBody>
+            <a:bodyPr rtlCol="0" anchor="ctr"/>
+            <a:lstStyle/>
+            <a:p>
+              <a:pPr algn="ctr"/>
+              <a:endParaRPr lang="en-US"/>
+            </a:p>
+          </p:txBody>
+        </p:sp>
+      </p:grpSp>
+      <p:grpSp>
+        <p:nvGrpSpPr>
+          <p:cNvPr id="6" name="Group 5"/>
+          <p:cNvGrpSpPr/>
+          <p:nvPr/>
+        </p:nvGrpSpPr>
+        <p:grpSpPr>
+          <a:xfrm>
+            <a:off x="4132380" y="1690709"/>
+            <a:ext cx="4943368" cy="4886748"/>
+            <a:chOff x="5278805" y="994670"/>
+            <a:chExt cx="4943368" cy="4886748"/>
+          </a:xfrm>
+          <a:solidFill>
+            <a:srgbClr val="ED7D31">
+              <a:alpha val="20000"/>
+            </a:srgbClr>
+          </a:solidFill>
+        </p:grpSpPr>
+        <p:sp>
+          <p:nvSpPr>
+            <p:cNvPr id="45" name="Oval 44"/>
+            <p:cNvSpPr/>
+            <p:nvPr/>
+          </p:nvSpPr>
+          <p:spPr>
+            <a:xfrm>
+              <a:off x="5278805" y="994670"/>
+              <a:ext cx="4943368" cy="4886748"/>
+            </a:xfrm>
+            <a:prstGeom prst="ellipse">
+              <a:avLst/>
+            </a:prstGeom>
+            <a:grpFill/>
+            <a:ln w="12700">
+              <a:solidFill>
+                <a:schemeClr val="tx1"/>
+              </a:solidFill>
+              <a:prstDash val="dash"/>
+            </a:ln>
+          </p:spPr>
+          <p:style>
+            <a:lnRef idx="2">
+              <a:schemeClr val="accent1">
+                <a:shade val="50000"/>
+              </a:schemeClr>
+            </a:lnRef>
+            <a:fillRef idx="1">
+              <a:schemeClr val="accent1"/>
+            </a:fillRef>
+            <a:effectRef idx="0">
+              <a:schemeClr val="accent1"/>
+            </a:effectRef>
+            <a:fontRef idx="minor">
+              <a:schemeClr val="lt1"/>
+            </a:fontRef>
+          </p:style>
+          <p:txBody>
+            <a:bodyPr rtlCol="0" anchor="ctr"/>
+            <a:lstStyle/>
+            <a:p>
+              <a:pPr algn="ctr"/>
+              <a:endParaRPr lang="en-US"/>
+            </a:p>
+          </p:txBody>
+        </p:sp>
+        <p:sp>
+          <p:nvSpPr>
+            <p:cNvPr id="37" name="Oval 36"/>
+            <p:cNvSpPr/>
+            <p:nvPr/>
+          </p:nvSpPr>
+          <p:spPr>
+            <a:xfrm>
+              <a:off x="6169975" y="1875633"/>
+              <a:ext cx="3161028" cy="3124822"/>
+            </a:xfrm>
+            <a:prstGeom prst="ellipse">
+              <a:avLst/>
+            </a:prstGeom>
+            <a:solidFill>
+              <a:srgbClr val="ED7D31">
+                <a:alpha val="40000"/>
+              </a:srgbClr>
+            </a:solidFill>
+            <a:ln w="12700">
+              <a:solidFill>
+                <a:schemeClr val="tx1"/>
+              </a:solidFill>
+              <a:prstDash val="dash"/>
+            </a:ln>
+          </p:spPr>
+          <p:style>
+            <a:lnRef idx="2">
+              <a:schemeClr val="accent1">
+                <a:shade val="50000"/>
+              </a:schemeClr>
+            </a:lnRef>
+            <a:fillRef idx="1">
+              <a:schemeClr val="accent1"/>
+            </a:fillRef>
+            <a:effectRef idx="0">
+              <a:schemeClr val="accent1"/>
+            </a:effectRef>
+            <a:fontRef idx="minor">
+              <a:schemeClr val="lt1"/>
+            </a:fontRef>
+          </p:style>
+          <p:txBody>
+            <a:bodyPr rtlCol="0" anchor="ctr"/>
+            <a:lstStyle/>
+            <a:p>
+              <a:pPr algn="ctr"/>
+              <a:endParaRPr lang="en-US"/>
+            </a:p>
+          </p:txBody>
+        </p:sp>
+        <p:sp>
+          <p:nvSpPr>
+            <p:cNvPr id="3" name="Oval 2"/>
+            <p:cNvSpPr/>
+            <p:nvPr/>
+          </p:nvSpPr>
+          <p:spPr>
+            <a:xfrm>
+              <a:off x="7057721" y="2752071"/>
+              <a:ext cx="1385535" cy="1369663"/>
+            </a:xfrm>
+            <a:prstGeom prst="ellipse">
+              <a:avLst/>
+            </a:prstGeom>
+            <a:solidFill>
+              <a:srgbClr val="ED7D31">
+                <a:alpha val="50000"/>
+              </a:srgbClr>
+            </a:solidFill>
+            <a:ln w="12700">
+              <a:solidFill>
+                <a:schemeClr val="tx1"/>
+              </a:solidFill>
+              <a:prstDash val="dash"/>
+            </a:ln>
+          </p:spPr>
+          <p:style>
+            <a:lnRef idx="2">
+              <a:schemeClr val="accent1">
+                <a:shade val="50000"/>
+              </a:schemeClr>
+            </a:lnRef>
+            <a:fillRef idx="1">
+              <a:schemeClr val="accent1"/>
+            </a:fillRef>
+            <a:effectRef idx="0">
+              <a:schemeClr val="accent1"/>
+            </a:effectRef>
+            <a:fontRef idx="minor">
+              <a:schemeClr val="lt1"/>
+            </a:fontRef>
+          </p:style>
+          <p:txBody>
+            <a:bodyPr rtlCol="0" anchor="ctr"/>
+            <a:lstStyle/>
+            <a:p>
+              <a:pPr algn="ctr"/>
+              <a:endParaRPr lang="en-US"/>
+            </a:p>
+          </p:txBody>
+        </p:sp>
+      </p:grpSp>
+      <p:sp>
+        <p:nvSpPr>
+          <p:cNvPr id="2" name="Title 1"/>
+          <p:cNvSpPr>
+            <a:spLocks noGrp="1"/>
+          </p:cNvSpPr>
+          <p:nvPr>
+            <p:ph type="title"/>
+          </p:nvPr>
+        </p:nvSpPr>
+        <p:spPr>
+          <a:xfrm>
+            <a:off x="782970" y="490033"/>
+            <a:ext cx="5199819" cy="1058738"/>
+          </a:xfrm>
+        </p:spPr>
+        <p:txBody>
+          <a:bodyPr/>
+          <a:lstStyle/>
+          <a:p>
+            <a:r>
+              <a:rPr lang="en-US" dirty="0" smtClean="0"/>
+              <a:t>Target Classification</a:t>
+            </a:r>
+            <a:endParaRPr lang="en-US" dirty="0"/>
+          </a:p>
+        </p:txBody>
+      </p:sp>
+      <p:sp>
+        <p:nvSpPr>
+          <p:cNvPr id="4" name="5-Point Star 3"/>
+          <p:cNvSpPr/>
+          <p:nvPr/>
+        </p:nvSpPr>
+        <p:spPr>
+          <a:xfrm>
+            <a:off x="1879051" y="2745524"/>
+            <a:ext cx="762000" cy="678872"/>
+          </a:xfrm>
+          <a:prstGeom prst="star5">
+            <a:avLst/>
+          </a:prstGeom>
+          <a:ln>
+            <a:solidFill>
+              <a:schemeClr val="tx1"/>
+            </a:solidFill>
+          </a:ln>
+        </p:spPr>
+        <p:style>
+          <a:lnRef idx="2">
+            <a:schemeClr val="accent1">
+              <a:shade val="50000"/>
+            </a:schemeClr>
+          </a:lnRef>
+          <a:fillRef idx="1">
+            <a:schemeClr val="accent1"/>
+          </a:fillRef>
+          <a:effectRef idx="0">
+            <a:schemeClr val="accent1"/>
+          </a:effectRef>
+          <a:fontRef idx="minor">
+            <a:schemeClr val="lt1"/>
+          </a:fontRef>
+        </p:style>
+        <p:txBody>
+          <a:bodyPr rtlCol="0" anchor="ctr"/>
+          <a:lstStyle/>
+          <a:p>
+            <a:pPr algn="ctr"/>
+            <a:endParaRPr lang="en-US"/>
+          </a:p>
+        </p:txBody>
+      </p:sp>
+      <p:sp>
+        <p:nvSpPr>
+          <p:cNvPr id="10" name="Isosceles Triangle 9"/>
+          <p:cNvSpPr/>
+          <p:nvPr/>
+        </p:nvSpPr>
+        <p:spPr>
+          <a:xfrm>
+            <a:off x="4677902" y="4689264"/>
+            <a:ext cx="626742" cy="587984"/>
+          </a:xfrm>
+          <a:prstGeom prst="triangle">
+            <a:avLst/>
+          </a:prstGeom>
+          <a:solidFill>
+            <a:srgbClr val="ED7D31"/>
+          </a:solidFill>
+          <a:ln>
+            <a:solidFill>
+              <a:schemeClr val="tx1"/>
+            </a:solidFill>
+          </a:ln>
+        </p:spPr>
+        <p:style>
+          <a:lnRef idx="2">
+            <a:schemeClr val="accent1">
+              <a:shade val="50000"/>
+            </a:schemeClr>
+          </a:lnRef>
+          <a:fillRef idx="1">
+            <a:schemeClr val="accent1"/>
+          </a:fillRef>
+          <a:effectRef idx="0">
+            <a:schemeClr val="accent1"/>
+          </a:effectRef>
+          <a:fontRef idx="minor">
+            <a:schemeClr val="lt1"/>
+          </a:fontRef>
+        </p:style>
+        <p:txBody>
+          <a:bodyPr rtlCol="0" anchor="ctr"/>
+          <a:lstStyle/>
+          <a:p>
+            <a:pPr algn="ctr"/>
+            <a:endParaRPr lang="en-US"/>
+          </a:p>
+        </p:txBody>
+      </p:sp>
+      <p:sp>
+        <p:nvSpPr>
+          <p:cNvPr id="15" name="Oval 14"/>
+          <p:cNvSpPr/>
+          <p:nvPr/>
+        </p:nvSpPr>
+        <p:spPr>
+          <a:xfrm>
+            <a:off x="4771301" y="3609044"/>
+            <a:ext cx="671944" cy="627207"/>
+          </a:xfrm>
+          <a:prstGeom prst="ellipse">
+            <a:avLst/>
+          </a:prstGeom>
+          <a:solidFill>
+            <a:srgbClr val="00B050"/>
+          </a:solidFill>
+          <a:ln>
+            <a:solidFill>
+              <a:schemeClr val="tx1"/>
+            </a:solidFill>
+          </a:ln>
+        </p:spPr>
+        <p:style>
+          <a:lnRef idx="2">
+            <a:schemeClr val="accent1">
+              <a:shade val="50000"/>
+            </a:schemeClr>
+          </a:lnRef>
+          <a:fillRef idx="1">
+            <a:schemeClr val="accent1"/>
+          </a:fillRef>
+          <a:effectRef idx="0">
+            <a:schemeClr val="accent1"/>
+          </a:effectRef>
+          <a:fontRef idx="minor">
+            <a:schemeClr val="lt1"/>
+          </a:fontRef>
+        </p:style>
+        <p:txBody>
+          <a:bodyPr rtlCol="0" anchor="ctr"/>
+          <a:lstStyle/>
+          <a:p>
+            <a:pPr algn="ctr"/>
+            <a:endParaRPr lang="en-US"/>
+          </a:p>
+        </p:txBody>
+      </p:sp>
+      <p:sp>
+        <p:nvSpPr>
+          <p:cNvPr id="18" name="Isosceles Triangle 17"/>
+          <p:cNvSpPr/>
+          <p:nvPr/>
+        </p:nvSpPr>
+        <p:spPr>
+          <a:xfrm>
+            <a:off x="5968258" y="4983256"/>
+            <a:ext cx="626742" cy="587984"/>
+          </a:xfrm>
+          <a:prstGeom prst="triangle">
+            <a:avLst/>
+          </a:prstGeom>
+          <a:solidFill>
+            <a:srgbClr val="ED7D31"/>
+          </a:solidFill>
+          <a:ln>
+            <a:solidFill>
+              <a:schemeClr val="tx1"/>
+            </a:solidFill>
+          </a:ln>
+        </p:spPr>
+        <p:style>
+          <a:lnRef idx="2">
+            <a:schemeClr val="accent1">
+              <a:shade val="50000"/>
+            </a:schemeClr>
+          </a:lnRef>
+          <a:fillRef idx="1">
+            <a:schemeClr val="accent1"/>
+          </a:fillRef>
+          <a:effectRef idx="0">
+            <a:schemeClr val="accent1"/>
+          </a:effectRef>
+          <a:fontRef idx="minor">
+            <a:schemeClr val="lt1"/>
+          </a:fontRef>
+        </p:style>
+        <p:txBody>
+          <a:bodyPr rtlCol="0" anchor="ctr"/>
+          <a:lstStyle/>
+          <a:p>
+            <a:pPr algn="ctr"/>
+            <a:endParaRPr lang="en-US"/>
+          </a:p>
+        </p:txBody>
+      </p:sp>
+      <p:sp>
+        <p:nvSpPr>
+          <p:cNvPr id="20" name="Isosceles Triangle 19"/>
+          <p:cNvSpPr/>
+          <p:nvPr/>
+        </p:nvSpPr>
+        <p:spPr>
+          <a:xfrm>
+            <a:off x="6153390" y="2525943"/>
+            <a:ext cx="626742" cy="587984"/>
+          </a:xfrm>
+          <a:prstGeom prst="triangle">
+            <a:avLst/>
+          </a:prstGeom>
+          <a:solidFill>
+            <a:srgbClr val="ED7D31"/>
+          </a:solidFill>
+          <a:ln>
+            <a:solidFill>
+              <a:schemeClr val="tx1"/>
+            </a:solidFill>
+          </a:ln>
+        </p:spPr>
+        <p:style>
+          <a:lnRef idx="2">
+            <a:schemeClr val="accent1">
+              <a:shade val="50000"/>
+            </a:schemeClr>
+          </a:lnRef>
+          <a:fillRef idx="1">
+            <a:schemeClr val="accent1"/>
+          </a:fillRef>
+          <a:effectRef idx="0">
+            <a:schemeClr val="accent1"/>
+          </a:effectRef>
+          <a:fontRef idx="minor">
+            <a:schemeClr val="lt1"/>
+          </a:fontRef>
+        </p:style>
+        <p:txBody>
+          <a:bodyPr rtlCol="0" anchor="ctr"/>
+          <a:lstStyle/>
+          <a:p>
+            <a:pPr algn="ctr"/>
+            <a:endParaRPr lang="en-US"/>
+          </a:p>
+        </p:txBody>
+      </p:sp>
+      <p:sp>
+        <p:nvSpPr>
+          <p:cNvPr id="21" name="Isosceles Triangle 20"/>
+          <p:cNvSpPr/>
+          <p:nvPr/>
+        </p:nvSpPr>
+        <p:spPr>
+          <a:xfrm>
+            <a:off x="6883717" y="3486353"/>
+            <a:ext cx="626742" cy="587984"/>
+          </a:xfrm>
+          <a:prstGeom prst="triangle">
+            <a:avLst/>
+          </a:prstGeom>
+          <a:solidFill>
+            <a:srgbClr val="ED7D31"/>
+          </a:solidFill>
+          <a:ln>
+            <a:solidFill>
+              <a:schemeClr val="tx1"/>
+            </a:solidFill>
+          </a:ln>
+        </p:spPr>
+        <p:style>
+          <a:lnRef idx="2">
+            <a:schemeClr val="accent1">
+              <a:shade val="50000"/>
+            </a:schemeClr>
+          </a:lnRef>
+          <a:fillRef idx="1">
+            <a:schemeClr val="accent1"/>
+          </a:fillRef>
+          <a:effectRef idx="0">
+            <a:schemeClr val="accent1"/>
+          </a:effectRef>
+          <a:fontRef idx="minor">
+            <a:schemeClr val="lt1"/>
+          </a:fontRef>
+        </p:style>
+        <p:txBody>
+          <a:bodyPr rtlCol="0" anchor="ctr"/>
+          <a:lstStyle/>
+          <a:p>
+            <a:pPr algn="ctr"/>
+            <a:endParaRPr lang="en-US"/>
+          </a:p>
+        </p:txBody>
+      </p:sp>
+      <p:sp>
+        <p:nvSpPr>
+          <p:cNvPr id="24" name="5-Point Star 23"/>
+          <p:cNvSpPr/>
+          <p:nvPr/>
+        </p:nvSpPr>
+        <p:spPr>
+          <a:xfrm>
+            <a:off x="3343302" y="3379793"/>
+            <a:ext cx="762000" cy="678872"/>
+          </a:xfrm>
+          <a:prstGeom prst="star5">
+            <a:avLst/>
+          </a:prstGeom>
+          <a:ln>
+            <a:solidFill>
+              <a:schemeClr val="tx1"/>
+            </a:solidFill>
+          </a:ln>
+        </p:spPr>
+        <p:style>
+          <a:lnRef idx="2">
+            <a:schemeClr val="accent1">
+              <a:shade val="50000"/>
+            </a:schemeClr>
+          </a:lnRef>
+          <a:fillRef idx="1">
+            <a:schemeClr val="accent1"/>
+          </a:fillRef>
+          <a:effectRef idx="0">
+            <a:schemeClr val="accent1"/>
+          </a:effectRef>
+          <a:fontRef idx="minor">
+            <a:schemeClr val="lt1"/>
+          </a:fontRef>
+        </p:style>
+        <p:txBody>
+          <a:bodyPr rtlCol="0" anchor="ctr"/>
+          <a:lstStyle/>
+          <a:p>
+            <a:pPr algn="ctr"/>
+            <a:endParaRPr lang="en-US"/>
+          </a:p>
+        </p:txBody>
+      </p:sp>
+      <p:sp>
+        <p:nvSpPr>
+          <p:cNvPr id="25" name="5-Point Star 24"/>
+          <p:cNvSpPr/>
+          <p:nvPr/>
+        </p:nvSpPr>
+        <p:spPr>
+          <a:xfrm>
+            <a:off x="4196995" y="2204904"/>
+            <a:ext cx="762000" cy="678872"/>
+          </a:xfrm>
+          <a:prstGeom prst="star5">
+            <a:avLst/>
+          </a:prstGeom>
+          <a:ln>
+            <a:solidFill>
+              <a:schemeClr val="tx1"/>
+            </a:solidFill>
+          </a:ln>
+        </p:spPr>
+        <p:style>
+          <a:lnRef idx="2">
+            <a:schemeClr val="accent1">
+              <a:shade val="50000"/>
+            </a:schemeClr>
+          </a:lnRef>
+          <a:fillRef idx="1">
+            <a:schemeClr val="accent1"/>
+          </a:fillRef>
+          <a:effectRef idx="0">
+            <a:schemeClr val="accent1"/>
+          </a:effectRef>
+          <a:fontRef idx="minor">
+            <a:schemeClr val="lt1"/>
+          </a:fontRef>
+        </p:style>
+        <p:txBody>
+          <a:bodyPr rtlCol="0" anchor="ctr"/>
+          <a:lstStyle/>
+          <a:p>
+            <a:pPr algn="ctr"/>
+            <a:endParaRPr lang="en-US"/>
+          </a:p>
+        </p:txBody>
+      </p:sp>
+      <p:sp>
+        <p:nvSpPr>
+          <p:cNvPr id="26" name="5-Point Star 25"/>
+          <p:cNvSpPr/>
+          <p:nvPr/>
+        </p:nvSpPr>
+        <p:spPr>
+          <a:xfrm>
+            <a:off x="2148348" y="1526032"/>
+            <a:ext cx="762000" cy="678872"/>
+          </a:xfrm>
+          <a:prstGeom prst="star5">
+            <a:avLst/>
+          </a:prstGeom>
+          <a:ln>
+            <a:solidFill>
+              <a:schemeClr val="tx1"/>
+            </a:solidFill>
+          </a:ln>
+        </p:spPr>
+        <p:style>
+          <a:lnRef idx="2">
+            <a:schemeClr val="accent1">
+              <a:shade val="50000"/>
+            </a:schemeClr>
+          </a:lnRef>
+          <a:fillRef idx="1">
+            <a:schemeClr val="accent1"/>
+          </a:fillRef>
+          <a:effectRef idx="0">
+            <a:schemeClr val="accent1"/>
+          </a:effectRef>
+          <a:fontRef idx="minor">
+            <a:schemeClr val="lt1"/>
+          </a:fontRef>
+        </p:style>
+        <p:txBody>
+          <a:bodyPr rtlCol="0" anchor="ctr"/>
+          <a:lstStyle/>
+          <a:p>
+            <a:pPr algn="ctr"/>
+            <a:endParaRPr lang="en-US"/>
+          </a:p>
+        </p:txBody>
+      </p:sp>
+      <p:sp>
+        <p:nvSpPr>
+          <p:cNvPr id="27" name="5-Point Star 26"/>
+          <p:cNvSpPr/>
+          <p:nvPr/>
+        </p:nvSpPr>
+        <p:spPr>
+          <a:xfrm>
+            <a:off x="782970" y="3396926"/>
+            <a:ext cx="762000" cy="678872"/>
+          </a:xfrm>
+          <a:prstGeom prst="star5">
+            <a:avLst/>
+          </a:prstGeom>
+          <a:ln>
+            <a:solidFill>
+              <a:schemeClr val="tx1"/>
+            </a:solidFill>
+          </a:ln>
+        </p:spPr>
+        <p:style>
+          <a:lnRef idx="2">
+            <a:schemeClr val="accent1">
+              <a:shade val="50000"/>
+            </a:schemeClr>
+          </a:lnRef>
+          <a:fillRef idx="1">
+            <a:schemeClr val="accent1"/>
+          </a:fillRef>
+          <a:effectRef idx="0">
+            <a:schemeClr val="accent1"/>
+          </a:effectRef>
+          <a:fontRef idx="minor">
+            <a:schemeClr val="lt1"/>
+          </a:fontRef>
+        </p:style>
+        <p:txBody>
+          <a:bodyPr rtlCol="0" anchor="ctr"/>
+          <a:lstStyle/>
+          <a:p>
+            <a:pPr algn="ctr"/>
+            <a:endParaRPr lang="en-US"/>
+          </a:p>
+        </p:txBody>
+      </p:sp>
+      <p:sp>
+        <p:nvSpPr>
+          <p:cNvPr id="28" name="5-Point Star 27"/>
+          <p:cNvSpPr/>
+          <p:nvPr/>
+        </p:nvSpPr>
+        <p:spPr>
+          <a:xfrm>
+            <a:off x="1608631" y="4554548"/>
+            <a:ext cx="762000" cy="678872"/>
+          </a:xfrm>
+          <a:prstGeom prst="star5">
+            <a:avLst/>
+          </a:prstGeom>
+          <a:ln>
+            <a:solidFill>
+              <a:schemeClr val="tx1"/>
+            </a:solidFill>
+          </a:ln>
+        </p:spPr>
+        <p:style>
+          <a:lnRef idx="2">
+            <a:schemeClr val="accent1">
+              <a:shade val="50000"/>
+            </a:schemeClr>
+          </a:lnRef>
+          <a:fillRef idx="1">
+            <a:schemeClr val="accent1"/>
+          </a:fillRef>
+          <a:effectRef idx="0">
+            <a:schemeClr val="accent1"/>
+          </a:effectRef>
+          <a:fontRef idx="minor">
+            <a:schemeClr val="lt1"/>
+          </a:fontRef>
+        </p:style>
+        <p:txBody>
+          <a:bodyPr rtlCol="0" anchor="ctr"/>
+          <a:lstStyle/>
+          <a:p>
+            <a:pPr algn="ctr"/>
+            <a:endParaRPr lang="en-US"/>
+          </a:p>
+        </p:txBody>
+      </p:sp>
+      <p:sp>
+        <p:nvSpPr>
+          <p:cNvPr id="19" name="Isosceles Triangle 18"/>
+          <p:cNvSpPr/>
+          <p:nvPr/>
+        </p:nvSpPr>
+        <p:spPr>
+          <a:xfrm>
+            <a:off x="8007200" y="2689533"/>
+            <a:ext cx="626742" cy="587984"/>
+          </a:xfrm>
+          <a:prstGeom prst="triangle">
+            <a:avLst/>
+          </a:prstGeom>
+          <a:solidFill>
+            <a:srgbClr val="ED7D31"/>
+          </a:solidFill>
+          <a:ln>
+            <a:solidFill>
+              <a:schemeClr val="tx1"/>
+            </a:solidFill>
+          </a:ln>
+        </p:spPr>
+        <p:style>
+          <a:lnRef idx="2">
+            <a:schemeClr val="accent1">
+              <a:shade val="50000"/>
+            </a:schemeClr>
+          </a:lnRef>
+          <a:fillRef idx="1">
+            <a:schemeClr val="accent1"/>
+          </a:fillRef>
+          <a:effectRef idx="0">
+            <a:schemeClr val="accent1"/>
+          </a:effectRef>
+          <a:fontRef idx="minor">
+            <a:schemeClr val="lt1"/>
+          </a:fontRef>
+        </p:style>
+        <p:txBody>
+          <a:bodyPr rtlCol="0" anchor="ctr"/>
+          <a:lstStyle/>
+          <a:p>
+            <a:pPr algn="ctr"/>
+            <a:endParaRPr lang="en-US"/>
+          </a:p>
+        </p:txBody>
+      </p:sp>
+      <p:sp>
+        <p:nvSpPr>
+          <p:cNvPr id="22" name="Isosceles Triangle 21"/>
+          <p:cNvSpPr/>
+          <p:nvPr/>
+        </p:nvSpPr>
+        <p:spPr>
+          <a:xfrm>
+            <a:off x="5567042" y="3692728"/>
+            <a:ext cx="626742" cy="587984"/>
+          </a:xfrm>
+          <a:prstGeom prst="triangle">
+            <a:avLst/>
+          </a:prstGeom>
+          <a:solidFill>
+            <a:srgbClr val="ED7D31"/>
+          </a:solidFill>
+          <a:ln>
+            <a:solidFill>
+              <a:schemeClr val="tx1"/>
+            </a:solidFill>
+          </a:ln>
+        </p:spPr>
+        <p:style>
+          <a:lnRef idx="2">
+            <a:schemeClr val="accent1">
+              <a:shade val="50000"/>
+            </a:schemeClr>
+          </a:lnRef>
+          <a:fillRef idx="1">
+            <a:schemeClr val="accent1"/>
+          </a:fillRef>
+          <a:effectRef idx="0">
+            <a:schemeClr val="accent1"/>
+          </a:effectRef>
+          <a:fontRef idx="minor">
+            <a:schemeClr val="lt1"/>
+          </a:fontRef>
+        </p:style>
+        <p:txBody>
+          <a:bodyPr rtlCol="0" anchor="ctr"/>
+          <a:lstStyle/>
+          <a:p>
+            <a:pPr algn="ctr"/>
+            <a:endParaRPr lang="en-US"/>
+          </a:p>
+        </p:txBody>
+      </p:sp>
+      <p:sp>
+        <p:nvSpPr>
+          <p:cNvPr id="29" name="Isosceles Triangle 28"/>
+          <p:cNvSpPr/>
+          <p:nvPr/>
+        </p:nvSpPr>
+        <p:spPr>
+          <a:xfrm>
+            <a:off x="6799723" y="4642484"/>
+            <a:ext cx="626742" cy="587984"/>
+          </a:xfrm>
+          <a:prstGeom prst="triangle">
+            <a:avLst/>
+          </a:prstGeom>
+          <a:solidFill>
+            <a:srgbClr val="ED7D31"/>
+          </a:solidFill>
+          <a:ln>
+            <a:solidFill>
+              <a:schemeClr val="tx1"/>
+            </a:solidFill>
+          </a:ln>
+        </p:spPr>
+        <p:style>
+          <a:lnRef idx="2">
+            <a:schemeClr val="accent1">
+              <a:shade val="50000"/>
+            </a:schemeClr>
+          </a:lnRef>
+          <a:fillRef idx="1">
+            <a:schemeClr val="accent1"/>
+          </a:fillRef>
+          <a:effectRef idx="0">
+            <a:schemeClr val="accent1"/>
+          </a:effectRef>
+          <a:fontRef idx="minor">
+            <a:schemeClr val="lt1"/>
+          </a:fontRef>
+        </p:style>
+        <p:txBody>
+          <a:bodyPr rtlCol="0" anchor="ctr"/>
+          <a:lstStyle/>
+          <a:p>
+            <a:pPr algn="ctr"/>
+            <a:endParaRPr lang="en-US"/>
+          </a:p>
+        </p:txBody>
+      </p:sp>
+      <p:cxnSp>
+        <p:nvCxnSpPr>
+          <p:cNvPr id="41" name="Straight Arrow Connector 40"/>
+          <p:cNvCxnSpPr/>
+          <p:nvPr/>
+        </p:nvCxnSpPr>
+        <p:spPr>
+          <a:xfrm flipH="1" flipV="1">
+            <a:off x="466250" y="936051"/>
+            <a:ext cx="32856" cy="5475467"/>
+          </a:xfrm>
+          <a:prstGeom prst="straightConnector1">
+            <a:avLst/>
+          </a:prstGeom>
+          <a:ln w="38100">
+            <a:solidFill>
+              <a:schemeClr val="tx1"/>
+            </a:solidFill>
+            <a:tailEnd type="triangle" w="lg" len="lg"/>
+          </a:ln>
+        </p:spPr>
+        <p:style>
+          <a:lnRef idx="1">
+            <a:schemeClr val="accent1"/>
+          </a:lnRef>
+          <a:fillRef idx="0">
+            <a:schemeClr val="accent1"/>
+          </a:fillRef>
+          <a:effectRef idx="0">
+            <a:schemeClr val="accent1"/>
+          </a:effectRef>
+          <a:fontRef idx="minor">
+            <a:schemeClr val="tx1"/>
+          </a:fontRef>
+        </p:style>
+      </p:cxnSp>
+      <p:sp>
+        <p:nvSpPr>
+          <p:cNvPr id="42" name="Title 1"/>
+          <p:cNvSpPr txBox="1">
+            <a:spLocks/>
+          </p:cNvSpPr>
+          <p:nvPr/>
+        </p:nvSpPr>
+        <p:spPr>
+          <a:xfrm rot="16200000">
+            <a:off x="-682560" y="2734144"/>
+            <a:ext cx="1887715" cy="1325563"/>
+          </a:xfrm>
+          <a:prstGeom prst="rect">
+            <a:avLst/>
+          </a:prstGeom>
+        </p:spPr>
+        <p:txBody>
+          <a:bodyPr vert="horz" lIns="91440" tIns="45720" rIns="91440" bIns="45720" rtlCol="0" anchor="ctr">
+            <a:normAutofit/>
+          </a:bodyPr>
+          <a:lstStyle>
+            <a:lvl1pPr algn="l" defTabSz="914400" rtl="0" eaLnBrk="1" latinLnBrk="0" hangingPunct="1">
+              <a:lnSpc>
+                <a:spcPct val="90000"/>
+              </a:lnSpc>
+              <a:spcBef>
+                <a:spcPct val="0"/>
+              </a:spcBef>
+              <a:buNone/>
+              <a:defRPr sz="4400" kern="1200">
+                <a:solidFill>
+                  <a:schemeClr val="tx1"/>
+                </a:solidFill>
+                <a:latin typeface="+mj-lt"/>
+                <a:ea typeface="+mj-ea"/>
+                <a:cs typeface="+mj-cs"/>
+              </a:defRPr>
+            </a:lvl1pPr>
+          </a:lstStyle>
+          <a:p>
+            <a:r>
+              <a:rPr lang="en-US" sz="2800" dirty="0" smtClean="0"/>
+              <a:t>Year</a:t>
+            </a:r>
+            <a:endParaRPr lang="en-US" sz="2800" dirty="0"/>
+          </a:p>
+        </p:txBody>
+      </p:sp>
+      <p:cxnSp>
+        <p:nvCxnSpPr>
+          <p:cNvPr id="43" name="Straight Arrow Connector 42"/>
+          <p:cNvCxnSpPr/>
+          <p:nvPr/>
+        </p:nvCxnSpPr>
+        <p:spPr>
+          <a:xfrm>
+            <a:off x="536607" y="6387295"/>
+            <a:ext cx="10411858" cy="8662"/>
+          </a:xfrm>
+          <a:prstGeom prst="straightConnector1">
+            <a:avLst/>
+          </a:prstGeom>
+          <a:ln w="38100">
+            <a:solidFill>
+              <a:schemeClr val="tx1"/>
+            </a:solidFill>
+            <a:tailEnd type="triangle" w="lg" len="lg"/>
+          </a:ln>
+        </p:spPr>
+        <p:style>
+          <a:lnRef idx="1">
+            <a:schemeClr val="accent1"/>
+          </a:lnRef>
+          <a:fillRef idx="0">
+            <a:schemeClr val="accent1"/>
+          </a:fillRef>
+          <a:effectRef idx="0">
+            <a:schemeClr val="accent1"/>
+          </a:effectRef>
+          <a:fontRef idx="minor">
+            <a:schemeClr val="tx1"/>
+          </a:fontRef>
+        </p:style>
+      </p:cxnSp>
+      <p:sp>
+        <p:nvSpPr>
+          <p:cNvPr id="46" name="Title 1"/>
+          <p:cNvSpPr txBox="1">
+            <a:spLocks/>
+          </p:cNvSpPr>
+          <p:nvPr/>
+        </p:nvSpPr>
+        <p:spPr>
+          <a:xfrm>
+            <a:off x="4850328" y="6290761"/>
+            <a:ext cx="1644943" cy="652174"/>
+          </a:xfrm>
+          <a:prstGeom prst="rect">
+            <a:avLst/>
+          </a:prstGeom>
+        </p:spPr>
+        <p:txBody>
+          <a:bodyPr vert="horz" lIns="91440" tIns="45720" rIns="91440" bIns="45720" rtlCol="0" anchor="ctr">
+            <a:normAutofit/>
+          </a:bodyPr>
+          <a:lstStyle>
+            <a:lvl1pPr algn="l" defTabSz="914400" rtl="0" eaLnBrk="1" latinLnBrk="0" hangingPunct="1">
+              <a:lnSpc>
+                <a:spcPct val="90000"/>
+              </a:lnSpc>
+              <a:spcBef>
+                <a:spcPct val="0"/>
+              </a:spcBef>
+              <a:buNone/>
+              <a:defRPr sz="4400" kern="1200">
+                <a:solidFill>
+                  <a:schemeClr val="tx1"/>
+                </a:solidFill>
+                <a:latin typeface="+mj-lt"/>
+                <a:ea typeface="+mj-ea"/>
+                <a:cs typeface="+mj-cs"/>
+              </a:defRPr>
+            </a:lvl1pPr>
+          </a:lstStyle>
+          <a:p>
+            <a:r>
+              <a:rPr lang="en-US" sz="2800" dirty="0" smtClean="0"/>
+              <a:t>Ship Type</a:t>
+            </a:r>
+            <a:endParaRPr lang="en-US" sz="2800" dirty="0"/>
+          </a:p>
+        </p:txBody>
+      </p:sp>
+      <p:sp>
+        <p:nvSpPr>
+          <p:cNvPr id="55" name="Isosceles Triangle 54"/>
+          <p:cNvSpPr/>
+          <p:nvPr/>
+        </p:nvSpPr>
+        <p:spPr>
+          <a:xfrm>
+            <a:off x="4821875" y="3595283"/>
+            <a:ext cx="626742" cy="587984"/>
+          </a:xfrm>
+          <a:prstGeom prst="triangle">
+            <a:avLst/>
+          </a:prstGeom>
+          <a:solidFill>
+            <a:srgbClr val="ED7D31"/>
+          </a:solidFill>
+          <a:ln>
+            <a:solidFill>
+              <a:schemeClr val="tx1"/>
+            </a:solidFill>
+          </a:ln>
+        </p:spPr>
+        <p:style>
+          <a:lnRef idx="2">
+            <a:schemeClr val="accent1">
+              <a:shade val="50000"/>
+            </a:schemeClr>
+          </a:lnRef>
+          <a:fillRef idx="1">
+            <a:schemeClr val="accent1"/>
+          </a:fillRef>
+          <a:effectRef idx="0">
+            <a:schemeClr val="accent1"/>
+          </a:effectRef>
+          <a:fontRef idx="minor">
+            <a:schemeClr val="lt1"/>
+          </a:fontRef>
+        </p:style>
+        <p:txBody>
+          <a:bodyPr rtlCol="0" anchor="ctr"/>
+          <a:lstStyle/>
+          <a:p>
+            <a:pPr algn="ctr"/>
+            <a:endParaRPr lang="en-US"/>
+          </a:p>
+        </p:txBody>
+      </p:sp>
+    </p:spTree>
+    <p:extLst>
+      <p:ext uri="{BB962C8B-B14F-4D97-AF65-F5344CB8AC3E}">
+        <p14:creationId xmlns:p14="http://schemas.microsoft.com/office/powerpoint/2010/main" val="3456052966"/>
+      </p:ext>
+    </p:extLst>
+  </p:cSld>
+  <p:clrMapOvr>
+    <a:masterClrMapping/>
+  </p:clrMapOvr>
+  <p:timing>
+    <p:tnLst>
+      <p:par>
+        <p:cTn id="1" dur="indefinite" restart="never" nodeType="tmRoot">
+          <p:childTnLst>
+            <p:seq concurrent="1" nextAc="seek">
+              <p:cTn id="2" dur="indefinite" nodeType="mainSeq">
+                <p:childTnLst>
+                  <p:par>
+                    <p:cTn id="3" fill="hold">
+                      <p:stCondLst>
+                        <p:cond delay="indefinite"/>
+                      </p:stCondLst>
+                      <p:childTnLst>
+                        <p:par>
+                          <p:cTn id="4" fill="hold">
+                            <p:stCondLst>
+                              <p:cond delay="0"/>
+                            </p:stCondLst>
+                            <p:childTnLst>
+                              <p:par>
+                                <p:cTn id="5" presetID="1" presetClass="entr" presetSubtype="0" fill="hold" nodeType="clickEffect">
+                                  <p:stCondLst>
+                                    <p:cond delay="0"/>
+                                  </p:stCondLst>
+                                  <p:childTnLst>
+                                    <p:set>
+                                      <p:cBhvr>
+                                        <p:cTn id="6" dur="1" fill="hold">
+                                          <p:stCondLst>
+                                            <p:cond delay="0"/>
+                                          </p:stCondLst>
+                                        </p:cTn>
+                                        <p:tgtEl>
+                                          <p:spTgt spid="47"/>
+                                        </p:tgtEl>
+                                        <p:attrNameLst>
+                                          <p:attrName>style.visibility</p:attrName>
+                                        </p:attrNameLst>
+                                      </p:cBhvr>
+                                      <p:to>
+                                        <p:strVal val="visible"/>
+                                      </p:to>
+                                    </p:set>
+                                  </p:childTnLst>
+                                </p:cTn>
+                              </p:par>
+                              <p:par>
+                                <p:cTn id="7" presetID="1" presetClass="entr" presetSubtype="0" fill="hold" nodeType="withEffect">
+                                  <p:stCondLst>
+                                    <p:cond delay="0"/>
+                                  </p:stCondLst>
+                                  <p:childTnLst>
+                                    <p:set>
+                                      <p:cBhvr>
+                                        <p:cTn id="8" dur="1" fill="hold">
+                                          <p:stCondLst>
+                                            <p:cond delay="0"/>
+                                          </p:stCondLst>
+                                        </p:cTn>
+                                        <p:tgtEl>
+                                          <p:spTgt spid="6"/>
+                                        </p:tgtEl>
+                                        <p:attrNameLst>
+                                          <p:attrName>style.visibility</p:attrName>
+                                        </p:attrNameLst>
+                                      </p:cBhvr>
+                                      <p:to>
+                                        <p:strVal val="visible"/>
+                                      </p:to>
+                                    </p:set>
+                                  </p:childTnLst>
+                                </p:cTn>
+                              </p:par>
+                            </p:childTnLst>
+                          </p:cTn>
+                        </p:par>
+                      </p:childTnLst>
+                    </p:cTn>
+                  </p:par>
+                  <p:par>
+                    <p:cTn id="9" fill="hold">
+                      <p:stCondLst>
+                        <p:cond delay="indefinite"/>
+                      </p:stCondLst>
+                      <p:childTnLst>
+                        <p:par>
+                          <p:cTn id="10" fill="hold">
+                            <p:stCondLst>
+                              <p:cond delay="0"/>
+                            </p:stCondLst>
+                            <p:childTnLst>
+                              <p:par>
+                                <p:cTn id="11" presetID="1" presetClass="entr" presetSubtype="0" fill="hold" grpId="0" nodeType="clickEffect">
+                                  <p:stCondLst>
+                                    <p:cond delay="0"/>
+                                  </p:stCondLst>
+                                  <p:childTnLst>
+                                    <p:set>
+                                      <p:cBhvr>
+                                        <p:cTn id="12" dur="1" fill="hold">
+                                          <p:stCondLst>
+                                            <p:cond delay="0"/>
+                                          </p:stCondLst>
+                                        </p:cTn>
+                                        <p:tgtEl>
+                                          <p:spTgt spid="15"/>
+                                        </p:tgtEl>
+                                        <p:attrNameLst>
+                                          <p:attrName>style.visibility</p:attrName>
+                                        </p:attrNameLst>
+                                      </p:cBhvr>
+                                      <p:to>
+                                        <p:strVal val="visible"/>
+                                      </p:to>
+                                    </p:set>
+                                  </p:childTnLst>
+                                </p:cTn>
+                              </p:par>
+                            </p:childTnLst>
+                          </p:cTn>
+                        </p:par>
+                      </p:childTnLst>
+                    </p:cTn>
+                  </p:par>
+                  <p:par>
+                    <p:cTn id="13" fill="hold">
+                      <p:stCondLst>
+                        <p:cond delay="indefinite"/>
+                      </p:stCondLst>
+                      <p:childTnLst>
+                        <p:par>
+                          <p:cTn id="14" fill="hold">
+                            <p:stCondLst>
+                              <p:cond delay="0"/>
+                            </p:stCondLst>
+                            <p:childTnLst>
+                              <p:par>
+                                <p:cTn id="15" presetID="1" presetClass="exit" presetSubtype="0" fill="hold" grpId="1" nodeType="clickEffect">
+                                  <p:stCondLst>
+                                    <p:cond delay="0"/>
+                                  </p:stCondLst>
+                                  <p:childTnLst>
+                                    <p:set>
+                                      <p:cBhvr>
+                                        <p:cTn id="16" dur="1" fill="hold">
+                                          <p:stCondLst>
+                                            <p:cond delay="0"/>
+                                          </p:stCondLst>
+                                        </p:cTn>
+                                        <p:tgtEl>
+                                          <p:spTgt spid="15"/>
+                                        </p:tgtEl>
+                                        <p:attrNameLst>
+                                          <p:attrName>style.visibility</p:attrName>
+                                        </p:attrNameLst>
+                                      </p:cBhvr>
+                                      <p:to>
+                                        <p:strVal val="hidden"/>
+                                      </p:to>
+                                    </p:set>
+                                  </p:childTnLst>
+                                </p:cTn>
+                              </p:par>
+                              <p:par>
+                                <p:cTn id="17" presetID="1" presetClass="entr" presetSubtype="0" fill="hold" grpId="0" nodeType="withEffect">
+                                  <p:stCondLst>
+                                    <p:cond delay="0"/>
+                                  </p:stCondLst>
+                                  <p:childTnLst>
+                                    <p:set>
+                                      <p:cBhvr>
+                                        <p:cTn id="18" dur="1" fill="hold">
+                                          <p:stCondLst>
+                                            <p:cond delay="0"/>
+                                          </p:stCondLst>
+                                        </p:cTn>
+                                        <p:tgtEl>
+                                          <p:spTgt spid="55"/>
+                                        </p:tgtEl>
+                                        <p:attrNameLst>
+                                          <p:attrName>style.visibility</p:attrName>
+                                        </p:attrNameLst>
+                                      </p:cBhvr>
+                                      <p:to>
+                                        <p:strVal val="visible"/>
+                                      </p:to>
+                                    </p:set>
+                                  </p:childTnLst>
+                                </p:cTn>
+                              </p:par>
+                            </p:childTnLst>
+                          </p:cTn>
+                        </p:par>
+                      </p:childTnLst>
+                    </p:cTn>
+                  </p:par>
+                </p:childTnLst>
+              </p:cTn>
+              <p:prevCondLst>
+                <p:cond evt="onPrev" delay="0">
+                  <p:tgtEl>
+                    <p:sldTgt/>
+                  </p:tgtEl>
+                </p:cond>
+              </p:prevCondLst>
+              <p:nextCondLst>
+                <p:cond evt="onNext" delay="0">
+                  <p:tgtEl>
+                    <p:sldTgt/>
+                  </p:tgtEl>
+                </p:cond>
+              </p:nextCondLst>
+            </p:seq>
+          </p:childTnLst>
+        </p:cTn>
+      </p:par>
+    </p:tnLst>
+    <p:bldLst>
+      <p:bldP spid="15" grpId="0" animBg="1"/>
+      <p:bldP spid="15" grpId="1" animBg="1"/>
+      <p:bldP spid="55" grpId="0" animBg="1"/>
+    </p:bldLst>
+  </p:timing>
+</p:sld>
+</file>
+
+<file path=ppt/slides/slide9.xml><?xml version="1.0" encoding="utf-8"?>
+<p:sld xmlns:a="http://schemas.openxmlformats.org/drawingml/2006/main" xmlns:r="http://schemas.openxmlformats.org/officeDocument/2006/relationships" xmlns:p="http://schemas.openxmlformats.org/presentationml/2006/main">
+  <p:cSld>
+    <p:spTree>
+      <p:nvGrpSpPr>
+        <p:cNvPr id="1" name=""/>
+        <p:cNvGrpSpPr/>
+        <p:nvPr/>
+      </p:nvGrpSpPr>
+      <p:grpSpPr>
+        <a:xfrm>
+          <a:off x="0" y="0"/>
+          <a:ext cx="0" cy="0"/>
+          <a:chOff x="0" y="0"/>
+          <a:chExt cx="0" cy="0"/>
+        </a:xfrm>
+      </p:grpSpPr>
+      <p:sp>
+        <p:nvSpPr>
+          <p:cNvPr id="2" name="Title 1"/>
+          <p:cNvSpPr>
+            <a:spLocks noGrp="1"/>
+          </p:cNvSpPr>
+          <p:nvPr>
+            <p:ph type="title"/>
+          </p:nvPr>
+        </p:nvSpPr>
+        <p:spPr/>
+        <p:txBody>
+          <a:bodyPr/>
+          <a:lstStyle/>
+          <a:p>
+            <a:endParaRPr lang="en-US"/>
+          </a:p>
+        </p:txBody>
+      </p:sp>
+      <p:sp>
+        <p:nvSpPr>
+          <p:cNvPr id="3" name="Content Placeholder 2"/>
+          <p:cNvSpPr>
+            <a:spLocks noGrp="1"/>
+          </p:cNvSpPr>
+          <p:nvPr>
+            <p:ph idx="1"/>
+          </p:nvPr>
+        </p:nvSpPr>
+        <p:spPr/>
+        <p:txBody>
+          <a:bodyPr/>
+          <a:lstStyle/>
+          <a:p>
+            <a:endParaRPr lang="en-US"/>
+          </a:p>
+        </p:txBody>
+      </p:sp>
+      <p:sp>
+        <p:nvSpPr>
+          <p:cNvPr id="4" name="Date Placeholder 3"/>
+          <p:cNvSpPr>
+            <a:spLocks noGrp="1"/>
+          </p:cNvSpPr>
+          <p:nvPr>
+            <p:ph type="dt" sz="half" idx="10"/>
+          </p:nvPr>
+        </p:nvSpPr>
+        <p:spPr/>
+        <p:txBody>
+          <a:bodyPr/>
+          <a:lstStyle/>
+          <a:p>
+            <a:fld id="{E50592CD-928D-43B8-A443-907E149C2C1B}" type="datetime1">
+              <a:rPr lang="en-US" smtClean="0"/>
+              <a:t>3/7/2016</a:t>
+            </a:fld>
+            <a:endParaRPr lang="en-US"/>
+          </a:p>
+        </p:txBody>
+      </p:sp>
+      <p:sp>
+        <p:nvSpPr>
+          <p:cNvPr id="5" name="Slide Number Placeholder 4"/>
+          <p:cNvSpPr>
+            <a:spLocks noGrp="1"/>
+          </p:cNvSpPr>
+          <p:nvPr>
+            <p:ph type="sldNum" sz="quarter" idx="12"/>
+          </p:nvPr>
+        </p:nvSpPr>
+        <p:spPr/>
+        <p:txBody>
+          <a:bodyPr/>
+          <a:lstStyle/>
+          <a:p>
+            <a:fld id="{57F2B7E2-7C21-43BD-8781-53085BAAEFB6}" type="slidenum">
+              <a:rPr lang="en-US" smtClean="0"/>
+              <a:t>9</a:t>
+            </a:fld>
+            <a:endParaRPr lang="en-US" dirty="0"/>
+          </a:p>
+        </p:txBody>
+      </p:sp>
+    </p:spTree>
+    <p:extLst>
+      <p:ext uri="{BB962C8B-B14F-4D97-AF65-F5344CB8AC3E}">
+        <p14:creationId xmlns:p14="http://schemas.microsoft.com/office/powerpoint/2010/main" val="120814965"/>
+      </p:ext>
+    </p:extLst>
+  </p:cSld>
+  <p:clrMapOvr>
+    <a:masterClrMapping/>
+  </p:clrMapOvr>
+  <p:timing>
+    <p:tnLst>
+      <p:par>
+        <p:cTn id="1" dur="indefinite" restart="never" nodeType="tmRoot"/>
+      </p:par>
+    </p:tnLst>
+  </p:timing>
 </p:sld>
 </file>
 
